--- a/Documentation/Moods-final.pptx
+++ b/Documentation/Moods-final.pptx
@@ -13,10 +13,13 @@
     <p:sldId id="258" r:id="rId7"/>
     <p:sldId id="269" r:id="rId8"/>
     <p:sldId id="262" r:id="rId9"/>
-    <p:sldId id="264" r:id="rId10"/>
-    <p:sldId id="266" r:id="rId11"/>
-    <p:sldId id="263" r:id="rId12"/>
-    <p:sldId id="267" r:id="rId13"/>
+    <p:sldId id="270" r:id="rId10"/>
+    <p:sldId id="271" r:id="rId11"/>
+    <p:sldId id="272" r:id="rId12"/>
+    <p:sldId id="264" r:id="rId13"/>
+    <p:sldId id="266" r:id="rId14"/>
+    <p:sldId id="263" r:id="rId15"/>
+    <p:sldId id="267" r:id="rId16"/>
   </p:sldIdLst>
   <p:sldSz cx="12192000" cy="6858000"/>
   <p:notesSz cx="6858000" cy="9144000"/>
@@ -115,7 +118,16 @@
       </a:defRPr>
     </a:lvl9pPr>
   </p:defaultTextStyle>
+  <p:extLst>
+    <p:ext uri="{EFAFB233-063F-42B5-8137-9DF3F51BA10A}">
+      <p15:sldGuideLst xmlns:p15="http://schemas.microsoft.com/office/powerpoint/2012/main"/>
+    </p:ext>
+  </p:extLst>
 </p:presentation>
+</file>
+
+<file path=ppt/revisionInfo.xml><?xml version="1.0" encoding="utf-8"?>
+<p1510:revInfo xmlns:a="http://schemas.openxmlformats.org/drawingml/2006/main" xmlns:r="http://schemas.openxmlformats.org/officeDocument/2006/relationships" xmlns:p1510="http://schemas.microsoft.com/office/powerpoint/2015/10/main"/>
 </file>
 
 <file path=ppt/slideLayouts/slideLayout1.xml><?xml version="1.0" encoding="utf-8"?>
@@ -6061,42 +6073,51 @@
             <p:ph type="title"/>
           </p:nvPr>
         </p:nvSpPr>
-        <p:spPr/>
+        <p:spPr>
+          <a:xfrm>
+            <a:off x="646111" y="452718"/>
+            <a:ext cx="9404723" cy="1400530"/>
+          </a:xfrm>
+        </p:spPr>
         <p:txBody>
           <a:bodyPr/>
           <a:lstStyle/>
           <a:p>
             <a:r>
-              <a:rPr lang="fr-CA" dirty="0" err="1"/>
-              <a:t>Potential</a:t>
+              <a:rPr lang="en-CA"/>
+              <a:t>Authentication</a:t>
             </a:r>
             <a:endParaRPr lang="en-CA" dirty="0"/>
           </a:p>
         </p:txBody>
       </p:sp>
-      <p:sp>
-        <p:nvSpPr>
-          <p:cNvPr id="3" name="Content Placeholder 2"/>
-          <p:cNvSpPr>
-            <a:spLocks noGrp="1"/>
-          </p:cNvSpPr>
-          <p:nvPr>
-            <p:ph idx="1"/>
-          </p:nvPr>
-        </p:nvSpPr>
-        <p:spPr/>
-        <p:txBody>
-          <a:bodyPr/>
-          <a:lstStyle/>
-          <a:p>
-            <a:endParaRPr lang="en-CA"/>
-          </a:p>
-        </p:txBody>
-      </p:sp>
+      <p:pic>
+        <p:nvPicPr>
+          <p:cNvPr id="5" name="Picture 4"/>
+          <p:cNvPicPr>
+            <a:picLocks noChangeAspect="1"/>
+          </p:cNvPicPr>
+          <p:nvPr/>
+        </p:nvPicPr>
+        <p:blipFill rotWithShape="1">
+          <a:blip r:embed="rId2"/>
+          <a:srcRect t="10510" r="786"/>
+          <a:stretch/>
+        </p:blipFill>
+        <p:spPr>
+          <a:xfrm>
+            <a:off x="1577451" y="1530517"/>
+            <a:ext cx="8771406" cy="4725053"/>
+          </a:xfrm>
+          <a:prstGeom prst="rect">
+            <a:avLst/>
+          </a:prstGeom>
+        </p:spPr>
+      </p:pic>
     </p:spTree>
     <p:extLst>
       <p:ext uri="{BB962C8B-B14F-4D97-AF65-F5344CB8AC3E}">
-        <p14:creationId xmlns:p14="http://schemas.microsoft.com/office/powerpoint/2010/main" val="2717915465"/>
+        <p14:creationId xmlns:p14="http://schemas.microsoft.com/office/powerpoint/2010/main" val="3040520277"/>
       </p:ext>
     </p:extLst>
   </p:cSld>
@@ -6125,6 +6146,375 @@
       </p:grpSpPr>
       <p:sp>
         <p:nvSpPr>
+          <p:cNvPr id="9" name="Rectangle 8"/>
+          <p:cNvSpPr>
+            <a:spLocks noGrp="1" noRot="1" noChangeAspect="1" noMove="1" noResize="1" noEditPoints="1" noAdjustHandles="1" noChangeArrowheads="1" noChangeShapeType="1" noTextEdit="1"/>
+          </p:cNvSpPr>
+          <p:nvPr>
+            <p:extLst>
+              <p:ext uri="{386F3935-93C4-4BCD-93E2-E3B085C9AB24}">
+                <p16:designElem xmlns:p16="http://schemas.microsoft.com/office/powerpoint/2015/main" val="1"/>
+              </p:ext>
+            </p:extLst>
+          </p:nvPr>
+        </p:nvSpPr>
+        <p:spPr bwMode="white">
+          <a:xfrm>
+            <a:off x="0" y="0"/>
+            <a:ext cx="12192000" cy="6858000"/>
+          </a:xfrm>
+          <a:prstGeom prst="rect">
+            <a:avLst/>
+          </a:prstGeom>
+          <a:blipFill rotWithShape="1">
+            <a:blip r:embed="rId2">
+              <a:duotone>
+                <a:schemeClr val="bg2">
+                  <a:shade val="62000"/>
+                  <a:hueMod val="108000"/>
+                  <a:satMod val="164000"/>
+                  <a:lumMod val="69000"/>
+                </a:schemeClr>
+                <a:schemeClr val="bg2">
+                  <a:tint val="96000"/>
+                  <a:hueMod val="90000"/>
+                  <a:satMod val="130000"/>
+                  <a:lumMod val="134000"/>
+                </a:schemeClr>
+              </a:duotone>
+            </a:blip>
+            <a:stretch/>
+          </a:blipFill>
+          <a:ln>
+            <a:noFill/>
+          </a:ln>
+          <a:effectLst/>
+        </p:spPr>
+      </p:sp>
+      <p:pic>
+        <p:nvPicPr>
+          <p:cNvPr id="11" name="Picture 10"/>
+          <p:cNvPicPr>
+            <a:picLocks noGrp="1" noRot="1" noChangeAspect="1" noMove="1" noResize="1" noEditPoints="1" noAdjustHandles="1" noChangeArrowheads="1" noChangeShapeType="1" noCrop="1"/>
+          </p:cNvPicPr>
+          <p:nvPr>
+            <p:extLst>
+              <p:ext uri="{386F3935-93C4-4BCD-93E2-E3B085C9AB24}">
+                <p16:designElem xmlns:p16="http://schemas.microsoft.com/office/powerpoint/2015/main" val="1"/>
+              </p:ext>
+            </p:extLst>
+          </p:nvPr>
+        </p:nvPicPr>
+        <p:blipFill rotWithShape="1">
+          <a:blip r:embed="rId3">
+            <a:extLst>
+              <a:ext uri="{28A0092B-C50C-407E-A947-70E740481C1C}">
+                <a14:useLocalDpi xmlns:a14="http://schemas.microsoft.com/office/drawing/2010/main" val="0"/>
+              </a:ext>
+            </a:extLst>
+          </a:blip>
+          <a:srcRect l="3613"/>
+          <a:stretch/>
+        </p:blipFill>
+        <p:spPr>
+          <a:xfrm>
+            <a:off x="0" y="2669685"/>
+            <a:ext cx="4037012" cy="4188315"/>
+          </a:xfrm>
+          <a:prstGeom prst="rect">
+            <a:avLst/>
+          </a:prstGeom>
+        </p:spPr>
+      </p:pic>
+      <p:pic>
+        <p:nvPicPr>
+          <p:cNvPr id="13" name="Picture 12"/>
+          <p:cNvPicPr>
+            <a:picLocks noGrp="1" noRot="1" noChangeAspect="1" noMove="1" noResize="1" noEditPoints="1" noAdjustHandles="1" noChangeArrowheads="1" noChangeShapeType="1" noCrop="1"/>
+          </p:cNvPicPr>
+          <p:nvPr>
+            <p:extLst>
+              <p:ext uri="{386F3935-93C4-4BCD-93E2-E3B085C9AB24}">
+                <p16:designElem xmlns:p16="http://schemas.microsoft.com/office/powerpoint/2015/main" val="1"/>
+              </p:ext>
+            </p:extLst>
+          </p:nvPr>
+        </p:nvPicPr>
+        <p:blipFill rotWithShape="1">
+          <a:blip r:embed="rId4">
+            <a:extLst>
+              <a:ext uri="{28A0092B-C50C-407E-A947-70E740481C1C}">
+                <a14:useLocalDpi xmlns:a14="http://schemas.microsoft.com/office/drawing/2010/main" val="0"/>
+              </a:ext>
+            </a:extLst>
+          </a:blip>
+          <a:srcRect l="35640"/>
+          <a:stretch/>
+        </p:blipFill>
+        <p:spPr>
+          <a:xfrm>
+            <a:off x="0" y="2892347"/>
+            <a:ext cx="1522412" cy="2365453"/>
+          </a:xfrm>
+          <a:prstGeom prst="rect">
+            <a:avLst/>
+          </a:prstGeom>
+        </p:spPr>
+      </p:pic>
+      <p:sp>
+        <p:nvSpPr>
+          <p:cNvPr id="15" name="Oval 14"/>
+          <p:cNvSpPr>
+            <a:spLocks noGrp="1" noRot="1" noChangeAspect="1" noMove="1" noResize="1" noEditPoints="1" noAdjustHandles="1" noChangeArrowheads="1" noChangeShapeType="1" noTextEdit="1"/>
+          </p:cNvSpPr>
+          <p:nvPr>
+            <p:extLst>
+              <p:ext uri="{386F3935-93C4-4BCD-93E2-E3B085C9AB24}">
+                <p16:designElem xmlns:p16="http://schemas.microsoft.com/office/powerpoint/2015/main" val="1"/>
+              </p:ext>
+            </p:extLst>
+          </p:nvPr>
+        </p:nvSpPr>
+        <p:spPr>
+          <a:xfrm>
+            <a:off x="8609012" y="1676400"/>
+            <a:ext cx="2819400" cy="2819400"/>
+          </a:xfrm>
+          <a:prstGeom prst="ellipse">
+            <a:avLst/>
+          </a:prstGeom>
+          <a:gradFill flip="none" rotWithShape="1">
+            <a:gsLst>
+              <a:gs pos="0">
+                <a:schemeClr val="bg2">
+                  <a:lumMod val="40000"/>
+                  <a:lumOff val="60000"/>
+                  <a:alpha val="7000"/>
+                </a:schemeClr>
+              </a:gs>
+              <a:gs pos="69000">
+                <a:schemeClr val="bg2">
+                  <a:lumMod val="40000"/>
+                  <a:lumOff val="60000"/>
+                  <a:alpha val="0"/>
+                </a:schemeClr>
+              </a:gs>
+              <a:gs pos="36000">
+                <a:schemeClr val="bg2">
+                  <a:lumMod val="40000"/>
+                  <a:lumOff val="60000"/>
+                  <a:alpha val="6000"/>
+                </a:schemeClr>
+              </a:gs>
+            </a:gsLst>
+            <a:path path="circle">
+              <a:fillToRect l="50000" t="50000" r="50000" b="50000"/>
+            </a:path>
+            <a:tileRect/>
+          </a:gradFill>
+          <a:ln>
+            <a:noFill/>
+          </a:ln>
+          <a:effectLst/>
+        </p:spPr>
+        <p:style>
+          <a:lnRef idx="1">
+            <a:schemeClr val="accent1"/>
+          </a:lnRef>
+          <a:fillRef idx="3">
+            <a:schemeClr val="accent1"/>
+          </a:fillRef>
+          <a:effectRef idx="2">
+            <a:schemeClr val="accent1"/>
+          </a:effectRef>
+          <a:fontRef idx="minor">
+            <a:schemeClr val="lt1"/>
+          </a:fontRef>
+        </p:style>
+      </p:sp>
+      <p:pic>
+        <p:nvPicPr>
+          <p:cNvPr id="17" name="Picture 16"/>
+          <p:cNvPicPr>
+            <a:picLocks noGrp="1" noRot="1" noChangeAspect="1" noMove="1" noResize="1" noEditPoints="1" noAdjustHandles="1" noChangeArrowheads="1" noChangeShapeType="1" noCrop="1"/>
+          </p:cNvPicPr>
+          <p:nvPr>
+            <p:extLst>
+              <p:ext uri="{386F3935-93C4-4BCD-93E2-E3B085C9AB24}">
+                <p16:designElem xmlns:p16="http://schemas.microsoft.com/office/powerpoint/2015/main" val="1"/>
+              </p:ext>
+            </p:extLst>
+          </p:nvPr>
+        </p:nvPicPr>
+        <p:blipFill rotWithShape="1">
+          <a:blip r:embed="rId5">
+            <a:extLst>
+              <a:ext uri="{28A0092B-C50C-407E-A947-70E740481C1C}">
+                <a14:useLocalDpi xmlns:a14="http://schemas.microsoft.com/office/drawing/2010/main" val="0"/>
+              </a:ext>
+            </a:extLst>
+          </a:blip>
+          <a:srcRect t="28813"/>
+          <a:stretch/>
+        </p:blipFill>
+        <p:spPr>
+          <a:xfrm>
+            <a:off x="7999412" y="0"/>
+            <a:ext cx="1603387" cy="1141407"/>
+          </a:xfrm>
+          <a:prstGeom prst="rect">
+            <a:avLst/>
+          </a:prstGeom>
+        </p:spPr>
+      </p:pic>
+      <p:pic>
+        <p:nvPicPr>
+          <p:cNvPr id="19" name="Picture 18"/>
+          <p:cNvPicPr>
+            <a:picLocks noGrp="1" noRot="1" noChangeAspect="1" noMove="1" noResize="1" noEditPoints="1" noAdjustHandles="1" noChangeArrowheads="1" noChangeShapeType="1" noCrop="1"/>
+          </p:cNvPicPr>
+          <p:nvPr>
+            <p:extLst>
+              <p:ext uri="{386F3935-93C4-4BCD-93E2-E3B085C9AB24}">
+                <p16:designElem xmlns:p16="http://schemas.microsoft.com/office/powerpoint/2015/main" val="1"/>
+              </p:ext>
+            </p:extLst>
+          </p:nvPr>
+        </p:nvPicPr>
+        <p:blipFill rotWithShape="1">
+          <a:blip r:embed="rId6">
+            <a:extLst>
+              <a:ext uri="{28A0092B-C50C-407E-A947-70E740481C1C}">
+                <a14:useLocalDpi xmlns:a14="http://schemas.microsoft.com/office/drawing/2010/main" val="0"/>
+              </a:ext>
+            </a:extLst>
+          </a:blip>
+          <a:srcRect b="23320"/>
+          <a:stretch/>
+        </p:blipFill>
+        <p:spPr>
+          <a:xfrm>
+            <a:off x="8609012" y="6096000"/>
+            <a:ext cx="993734" cy="762000"/>
+          </a:xfrm>
+          <a:prstGeom prst="rect">
+            <a:avLst/>
+          </a:prstGeom>
+        </p:spPr>
+      </p:pic>
+      <p:sp>
+        <p:nvSpPr>
+          <p:cNvPr id="21" name="Rectangle 20"/>
+          <p:cNvSpPr>
+            <a:spLocks noGrp="1" noRot="1" noChangeAspect="1" noMove="1" noResize="1" noEditPoints="1" noAdjustHandles="1" noChangeArrowheads="1" noChangeShapeType="1" noTextEdit="1"/>
+          </p:cNvSpPr>
+          <p:nvPr>
+            <p:extLst>
+              <p:ext uri="{386F3935-93C4-4BCD-93E2-E3B085C9AB24}">
+                <p16:designElem xmlns:p16="http://schemas.microsoft.com/office/powerpoint/2015/main" val="1"/>
+              </p:ext>
+            </p:extLst>
+          </p:nvPr>
+        </p:nvSpPr>
+        <p:spPr>
+          <a:xfrm>
+            <a:off x="10437812" y="0"/>
+            <a:ext cx="685800" cy="1143000"/>
+          </a:xfrm>
+          <a:prstGeom prst="rect">
+            <a:avLst/>
+          </a:prstGeom>
+          <a:solidFill>
+            <a:schemeClr val="accent1"/>
+          </a:solidFill>
+          <a:ln>
+            <a:noFill/>
+          </a:ln>
+        </p:spPr>
+        <p:style>
+          <a:lnRef idx="1">
+            <a:schemeClr val="accent1"/>
+          </a:lnRef>
+          <a:fillRef idx="3">
+            <a:schemeClr val="accent1"/>
+          </a:fillRef>
+          <a:effectRef idx="2">
+            <a:schemeClr val="accent1"/>
+          </a:effectRef>
+          <a:fontRef idx="minor">
+            <a:schemeClr val="lt1"/>
+          </a:fontRef>
+        </p:style>
+      </p:sp>
+      <p:pic>
+        <p:nvPicPr>
+          <p:cNvPr id="4" name="Picture 3"/>
+          <p:cNvPicPr>
+            <a:picLocks noChangeAspect="1"/>
+          </p:cNvPicPr>
+          <p:nvPr/>
+        </p:nvPicPr>
+        <p:blipFill rotWithShape="1">
+          <a:blip r:embed="rId7"/>
+          <a:srcRect l="251" t="10510" r="81379" b="2"/>
+          <a:stretch/>
+        </p:blipFill>
+        <p:spPr>
+          <a:xfrm>
+            <a:off x="5699031" y="305228"/>
+            <a:ext cx="2146393" cy="6247543"/>
+          </a:xfrm>
+          <a:prstGeom prst="rect">
+            <a:avLst/>
+          </a:prstGeom>
+        </p:spPr>
+      </p:pic>
+      <p:sp>
+        <p:nvSpPr>
+          <p:cNvPr id="23" name="Rectangle 22"/>
+          <p:cNvSpPr>
+            <a:spLocks noGrp="1" noRot="1" noChangeAspect="1" noMove="1" noResize="1" noEditPoints="1" noAdjustHandles="1" noChangeArrowheads="1" noChangeShapeType="1" noTextEdit="1"/>
+          </p:cNvSpPr>
+          <p:nvPr>
+            <p:extLst>
+              <p:ext uri="{386F3935-93C4-4BCD-93E2-E3B085C9AB24}">
+                <p16:designElem xmlns:p16="http://schemas.microsoft.com/office/powerpoint/2015/main" val="1"/>
+              </p:ext>
+            </p:extLst>
+          </p:nvPr>
+        </p:nvSpPr>
+        <p:spPr>
+          <a:xfrm>
+            <a:off x="10437812" y="0"/>
+            <a:ext cx="685800" cy="1143000"/>
+          </a:xfrm>
+          <a:prstGeom prst="rect">
+            <a:avLst/>
+          </a:prstGeom>
+          <a:solidFill>
+            <a:schemeClr val="accent1"/>
+          </a:solidFill>
+          <a:ln>
+            <a:noFill/>
+          </a:ln>
+        </p:spPr>
+        <p:style>
+          <a:lnRef idx="1">
+            <a:schemeClr val="accent1"/>
+          </a:lnRef>
+          <a:fillRef idx="3">
+            <a:schemeClr val="accent1"/>
+          </a:fillRef>
+          <a:effectRef idx="2">
+            <a:schemeClr val="accent1"/>
+          </a:effectRef>
+          <a:fontRef idx="minor">
+            <a:schemeClr val="lt1"/>
+          </a:fontRef>
+        </p:style>
+      </p:sp>
+      <p:sp>
+        <p:nvSpPr>
           <p:cNvPr id="2" name="Title 1"/>
           <p:cNvSpPr>
             <a:spLocks noGrp="1"/>
@@ -6133,42 +6523,29 @@
             <p:ph type="title"/>
           </p:nvPr>
         </p:nvSpPr>
-        <p:spPr/>
-        <p:txBody>
-          <a:bodyPr/>
+        <p:spPr>
+          <a:xfrm>
+            <a:off x="1955031" y="1186960"/>
+            <a:ext cx="3339281" cy="3308840"/>
+          </a:xfrm>
+        </p:spPr>
+        <p:txBody>
+          <a:bodyPr vert="horz" lIns="91440" tIns="45720" rIns="91440" bIns="45720" rtlCol="0" anchor="b">
+            <a:normAutofit/>
+          </a:bodyPr>
           <a:lstStyle/>
           <a:p>
             <a:r>
-              <a:rPr lang="fr-CA" dirty="0" err="1"/>
-              <a:t>Demo</a:t>
-            </a:r>
-            <a:endParaRPr lang="en-CA" dirty="0"/>
-          </a:p>
-        </p:txBody>
-      </p:sp>
-      <p:sp>
-        <p:nvSpPr>
-          <p:cNvPr id="3" name="Content Placeholder 2"/>
-          <p:cNvSpPr>
-            <a:spLocks noGrp="1"/>
-          </p:cNvSpPr>
-          <p:nvPr>
-            <p:ph idx="1"/>
-          </p:nvPr>
-        </p:nvSpPr>
-        <p:spPr/>
-        <p:txBody>
-          <a:bodyPr/>
-          <a:lstStyle/>
-          <a:p>
-            <a:endParaRPr lang="en-CA"/>
+              <a:rPr lang="en-US" sz="6000" dirty="0"/>
+              <a:t>More Fire</a:t>
+            </a:r>
           </a:p>
         </p:txBody>
       </p:sp>
     </p:spTree>
     <p:extLst>
       <p:ext uri="{BB962C8B-B14F-4D97-AF65-F5344CB8AC3E}">
-        <p14:creationId xmlns:p14="http://schemas.microsoft.com/office/powerpoint/2010/main" val="395707939"/>
+        <p14:creationId xmlns:p14="http://schemas.microsoft.com/office/powerpoint/2010/main" val="3102049593"/>
       </p:ext>
     </p:extLst>
   </p:cSld>
@@ -6195,6 +6572,271 @@
           <a:chExt cx="0" cy="0"/>
         </a:xfrm>
       </p:grpSpPr>
+      <p:pic>
+        <p:nvPicPr>
+          <p:cNvPr id="5122" name="Picture 2" descr="Image result for light bulb png"/>
+          <p:cNvPicPr>
+            <a:picLocks noChangeAspect="1" noChangeArrowheads="1"/>
+          </p:cNvPicPr>
+          <p:nvPr/>
+        </p:nvPicPr>
+        <p:blipFill rotWithShape="1">
+          <a:blip r:embed="rId2">
+            <a:extLst>
+              <a:ext uri="{28A0092B-C50C-407E-A947-70E740481C1C}">
+                <a14:useLocalDpi xmlns:a14="http://schemas.microsoft.com/office/drawing/2010/main" val="0"/>
+              </a:ext>
+            </a:extLst>
+          </a:blip>
+          <a:srcRect l="11252" r="8564"/>
+          <a:stretch/>
+        </p:blipFill>
+        <p:spPr bwMode="auto">
+          <a:xfrm>
+            <a:off x="6374265" y="387276"/>
+            <a:ext cx="4063547" cy="5997378"/>
+          </a:xfrm>
+          <a:prstGeom prst="rect">
+            <a:avLst/>
+          </a:prstGeom>
+          <a:noFill/>
+          <a:extLst>
+            <a:ext uri="{909E8E84-426E-40DD-AFC4-6F175D3DCCD1}">
+              <a14:hiddenFill xmlns:a14="http://schemas.microsoft.com/office/drawing/2010/main">
+                <a:solidFill>
+                  <a:srgbClr val="FFFFFF"/>
+                </a:solidFill>
+              </a14:hiddenFill>
+            </a:ext>
+          </a:extLst>
+        </p:spPr>
+      </p:pic>
+      <p:sp>
+        <p:nvSpPr>
+          <p:cNvPr id="71" name="Rectangle 70"/>
+          <p:cNvSpPr>
+            <a:spLocks noGrp="1" noRot="1" noChangeAspect="1" noMove="1" noResize="1" noEditPoints="1" noAdjustHandles="1" noChangeArrowheads="1" noChangeShapeType="1" noTextEdit="1"/>
+          </p:cNvSpPr>
+          <p:nvPr>
+            <p:extLst>
+              <p:ext uri="{386F3935-93C4-4BCD-93E2-E3B085C9AB24}">
+                <p16:designElem xmlns:p16="http://schemas.microsoft.com/office/powerpoint/2015/main" val="1"/>
+              </p:ext>
+            </p:extLst>
+          </p:nvPr>
+        </p:nvSpPr>
+        <p:spPr>
+          <a:xfrm>
+            <a:off x="10437812" y="0"/>
+            <a:ext cx="685800" cy="1143000"/>
+          </a:xfrm>
+          <a:prstGeom prst="rect">
+            <a:avLst/>
+          </a:prstGeom>
+          <a:solidFill>
+            <a:schemeClr val="accent1"/>
+          </a:solidFill>
+          <a:ln>
+            <a:noFill/>
+          </a:ln>
+        </p:spPr>
+        <p:style>
+          <a:lnRef idx="1">
+            <a:schemeClr val="accent1"/>
+          </a:lnRef>
+          <a:fillRef idx="3">
+            <a:schemeClr val="accent1"/>
+          </a:fillRef>
+          <a:effectRef idx="2">
+            <a:schemeClr val="accent1"/>
+          </a:effectRef>
+          <a:fontRef idx="minor">
+            <a:schemeClr val="lt1"/>
+          </a:fontRef>
+        </p:style>
+      </p:sp>
+      <p:sp>
+        <p:nvSpPr>
+          <p:cNvPr id="2" name="Title 1"/>
+          <p:cNvSpPr>
+            <a:spLocks noGrp="1"/>
+          </p:cNvSpPr>
+          <p:nvPr>
+            <p:ph type="title"/>
+          </p:nvPr>
+        </p:nvSpPr>
+        <p:spPr>
+          <a:xfrm>
+            <a:off x="650668" y="629266"/>
+            <a:ext cx="6249784" cy="1641986"/>
+          </a:xfrm>
+        </p:spPr>
+        <p:txBody>
+          <a:bodyPr>
+            <a:normAutofit/>
+          </a:bodyPr>
+          <a:lstStyle/>
+          <a:p>
+            <a:r>
+              <a:rPr lang="fr-CA" dirty="0" err="1"/>
+              <a:t>Problems</a:t>
+            </a:r>
+            <a:r>
+              <a:rPr lang="fr-CA" dirty="0"/>
+              <a:t> </a:t>
+            </a:r>
+            <a:r>
+              <a:rPr lang="fr-CA" dirty="0" err="1"/>
+              <a:t>Solved</a:t>
+            </a:r>
+            <a:endParaRPr lang="en-CA" dirty="0"/>
+          </a:p>
+        </p:txBody>
+      </p:sp>
+      <p:sp>
+        <p:nvSpPr>
+          <p:cNvPr id="3" name="Content Placeholder 2"/>
+          <p:cNvSpPr>
+            <a:spLocks noGrp="1"/>
+          </p:cNvSpPr>
+          <p:nvPr>
+            <p:ph idx="1"/>
+          </p:nvPr>
+        </p:nvSpPr>
+        <p:spPr>
+          <a:xfrm>
+            <a:off x="650668" y="2438400"/>
+            <a:ext cx="6249784" cy="3809999"/>
+          </a:xfrm>
+        </p:spPr>
+        <p:txBody>
+          <a:bodyPr>
+            <a:normAutofit/>
+          </a:bodyPr>
+          <a:lstStyle/>
+          <a:p>
+            <a:pPr>
+              <a:lnSpc>
+                <a:spcPct val="90000"/>
+              </a:lnSpc>
+            </a:pPr>
+            <a:r>
+              <a:rPr lang="en-CA" dirty="0"/>
+              <a:t>Localisation</a:t>
+            </a:r>
+          </a:p>
+          <a:p>
+            <a:pPr>
+              <a:lnSpc>
+                <a:spcPct val="90000"/>
+              </a:lnSpc>
+            </a:pPr>
+            <a:endParaRPr lang="en-CA" dirty="0"/>
+          </a:p>
+          <a:p>
+            <a:pPr>
+              <a:lnSpc>
+                <a:spcPct val="90000"/>
+              </a:lnSpc>
+            </a:pPr>
+            <a:r>
+              <a:rPr lang="en-CA" dirty="0"/>
+              <a:t>Learning how it works</a:t>
+            </a:r>
+          </a:p>
+          <a:p>
+            <a:pPr>
+              <a:lnSpc>
+                <a:spcPct val="90000"/>
+              </a:lnSpc>
+            </a:pPr>
+            <a:endParaRPr lang="en-CA" dirty="0"/>
+          </a:p>
+          <a:p>
+            <a:pPr>
+              <a:lnSpc>
+                <a:spcPct val="90000"/>
+              </a:lnSpc>
+            </a:pPr>
+            <a:r>
+              <a:rPr lang="en-CA" dirty="0"/>
+              <a:t>Interaction with Database</a:t>
+            </a:r>
+          </a:p>
+          <a:p>
+            <a:pPr>
+              <a:lnSpc>
+                <a:spcPct val="90000"/>
+              </a:lnSpc>
+            </a:pPr>
+            <a:endParaRPr lang="en-CA" dirty="0"/>
+          </a:p>
+          <a:p>
+            <a:pPr>
+              <a:lnSpc>
+                <a:spcPct val="90000"/>
+              </a:lnSpc>
+            </a:pPr>
+            <a:r>
+              <a:rPr lang="en-CA" dirty="0" err="1"/>
+              <a:t>Gradle</a:t>
+            </a:r>
+            <a:r>
+              <a:rPr lang="en-CA" dirty="0"/>
+              <a:t> sync </a:t>
+            </a:r>
+          </a:p>
+          <a:p>
+            <a:pPr>
+              <a:lnSpc>
+                <a:spcPct val="90000"/>
+              </a:lnSpc>
+            </a:pPr>
+            <a:endParaRPr lang="en-CA" dirty="0"/>
+          </a:p>
+          <a:p>
+            <a:pPr>
+              <a:lnSpc>
+                <a:spcPct val="90000"/>
+              </a:lnSpc>
+            </a:pPr>
+            <a:r>
+              <a:rPr lang="en-CA" dirty="0"/>
+              <a:t>Login / Register</a:t>
+            </a:r>
+          </a:p>
+        </p:txBody>
+      </p:sp>
+    </p:spTree>
+    <p:extLst>
+      <p:ext uri="{BB962C8B-B14F-4D97-AF65-F5344CB8AC3E}">
+        <p14:creationId xmlns:p14="http://schemas.microsoft.com/office/powerpoint/2010/main" val="3117748863"/>
+      </p:ext>
+    </p:extLst>
+  </p:cSld>
+  <p:clrMapOvr>
+    <a:masterClrMapping/>
+  </p:clrMapOvr>
+</p:sld>
+</file>
+
+<file path=ppt/slides/slide13.xml><?xml version="1.0" encoding="utf-8"?>
+<p:sld xmlns:a="http://schemas.openxmlformats.org/drawingml/2006/main" xmlns:r="http://schemas.openxmlformats.org/officeDocument/2006/relationships" xmlns:p="http://schemas.openxmlformats.org/presentationml/2006/main">
+  <p:cSld>
+    <p:spTree>
+      <p:nvGrpSpPr>
+        <p:cNvPr id="1" name=""/>
+        <p:cNvGrpSpPr/>
+        <p:nvPr/>
+      </p:nvGrpSpPr>
+      <p:grpSpPr>
+        <a:xfrm>
+          <a:off x="0" y="0"/>
+          <a:ext cx="0" cy="0"/>
+          <a:chOff x="0" y="0"/>
+          <a:chExt cx="0" cy="0"/>
+        </a:xfrm>
+      </p:grpSpPr>
       <p:sp>
         <p:nvSpPr>
           <p:cNvPr id="2" name="Title 1"/>
@@ -6210,18 +6852,680 @@
           <a:bodyPr/>
           <a:lstStyle/>
           <a:p>
+            <a:r>
+              <a:rPr lang="fr-CA" dirty="0" err="1"/>
+              <a:t>Potential</a:t>
+            </a:r>
+            <a:r>
+              <a:rPr lang="fr-CA" dirty="0"/>
+              <a:t> &amp; </a:t>
+            </a:r>
+            <a:r>
+              <a:rPr lang="fr-CA" dirty="0" err="1"/>
+              <a:t>What’s</a:t>
+            </a:r>
+            <a:r>
+              <a:rPr lang="fr-CA" dirty="0"/>
+              <a:t> </a:t>
+            </a:r>
+            <a:r>
+              <a:rPr lang="fr-CA" dirty="0" err="1"/>
+              <a:t>Next</a:t>
+            </a:r>
+            <a:endParaRPr lang="en-CA" dirty="0"/>
+          </a:p>
+        </p:txBody>
+      </p:sp>
+      <p:sp>
+        <p:nvSpPr>
+          <p:cNvPr id="4" name="AutoShape 2" descr="Image result for potential"/>
+          <p:cNvSpPr>
+            <a:spLocks noChangeAspect="1" noChangeArrowheads="1"/>
+          </p:cNvSpPr>
+          <p:nvPr/>
+        </p:nvSpPr>
+        <p:spPr bwMode="auto">
+          <a:xfrm>
+            <a:off x="5943599" y="424031"/>
+            <a:ext cx="3157369" cy="3157369"/>
+          </a:xfrm>
+          <a:prstGeom prst="rect">
+            <a:avLst/>
+          </a:prstGeom>
+          <a:noFill/>
+          <a:extLst>
+            <a:ext uri="{909E8E84-426E-40DD-AFC4-6F175D3DCCD1}">
+              <a14:hiddenFill xmlns:a14="http://schemas.microsoft.com/office/drawing/2010/main">
+                <a:solidFill>
+                  <a:srgbClr val="FFFFFF"/>
+                </a:solidFill>
+              </a14:hiddenFill>
+            </a:ext>
+          </a:extLst>
+        </p:spPr>
+        <p:txBody>
+          <a:bodyPr vert="horz" wrap="square" lIns="91440" tIns="45720" rIns="91440" bIns="45720" numCol="1" anchor="t" anchorCtr="0" compatLnSpc="1">
+            <a:prstTxWarp prst="textNoShape">
+              <a:avLst/>
+            </a:prstTxWarp>
+          </a:bodyPr>
+          <a:lstStyle/>
+          <a:p>
             <a:endParaRPr lang="en-CA"/>
           </a:p>
         </p:txBody>
       </p:sp>
       <p:sp>
         <p:nvSpPr>
-          <p:cNvPr id="3" name="Content Placeholder 2"/>
-          <p:cNvSpPr>
-            <a:spLocks noGrp="1"/>
-          </p:cNvSpPr>
-          <p:nvPr>
-            <p:ph idx="1"/>
+          <p:cNvPr id="6" name="AutoShape 6" descr="Image result for potential"/>
+          <p:cNvSpPr>
+            <a:spLocks noChangeAspect="1" noChangeArrowheads="1"/>
+          </p:cNvSpPr>
+          <p:nvPr/>
+        </p:nvSpPr>
+        <p:spPr bwMode="auto">
+          <a:xfrm>
+            <a:off x="4629150" y="2647950"/>
+            <a:ext cx="2933700" cy="1562100"/>
+          </a:xfrm>
+          <a:prstGeom prst="rect">
+            <a:avLst/>
+          </a:prstGeom>
+          <a:noFill/>
+          <a:extLst>
+            <a:ext uri="{909E8E84-426E-40DD-AFC4-6F175D3DCCD1}">
+              <a14:hiddenFill xmlns:a14="http://schemas.microsoft.com/office/drawing/2010/main">
+                <a:solidFill>
+                  <a:srgbClr val="FFFFFF"/>
+                </a:solidFill>
+              </a14:hiddenFill>
+            </a:ext>
+          </a:extLst>
+        </p:spPr>
+        <p:txBody>
+          <a:bodyPr vert="horz" wrap="square" lIns="91440" tIns="45720" rIns="91440" bIns="45720" numCol="1" anchor="t" anchorCtr="0" compatLnSpc="1">
+            <a:prstTxWarp prst="textNoShape">
+              <a:avLst/>
+            </a:prstTxWarp>
+          </a:bodyPr>
+          <a:lstStyle/>
+          <a:p>
+            <a:endParaRPr lang="en-CA"/>
+          </a:p>
+        </p:txBody>
+      </p:sp>
+      <p:pic>
+        <p:nvPicPr>
+          <p:cNvPr id="3080" name="Picture 8" descr="Image result for arrow going up png"/>
+          <p:cNvPicPr>
+            <a:picLocks noChangeAspect="1" noChangeArrowheads="1"/>
+          </p:cNvPicPr>
+          <p:nvPr/>
+        </p:nvPicPr>
+        <p:blipFill>
+          <a:blip r:embed="rId2">
+            <a:extLst>
+              <a:ext uri="{28A0092B-C50C-407E-A947-70E740481C1C}">
+                <a14:useLocalDpi xmlns:a14="http://schemas.microsoft.com/office/drawing/2010/main" val="0"/>
+              </a:ext>
+            </a:extLst>
+          </a:blip>
+          <a:srcRect/>
+          <a:stretch>
+            <a:fillRect/>
+          </a:stretch>
+        </p:blipFill>
+        <p:spPr bwMode="auto">
+          <a:xfrm>
+            <a:off x="1543169" y="2155415"/>
+            <a:ext cx="3743205" cy="3114394"/>
+          </a:xfrm>
+          <a:prstGeom prst="rect">
+            <a:avLst/>
+          </a:prstGeom>
+          <a:noFill/>
+          <a:extLst>
+            <a:ext uri="{909E8E84-426E-40DD-AFC4-6F175D3DCCD1}">
+              <a14:hiddenFill xmlns:a14="http://schemas.microsoft.com/office/drawing/2010/main">
+                <a:solidFill>
+                  <a:srgbClr val="FFFFFF"/>
+                </a:solidFill>
+              </a14:hiddenFill>
+            </a:ext>
+          </a:extLst>
+        </p:spPr>
+      </p:pic>
+      <p:pic>
+        <p:nvPicPr>
+          <p:cNvPr id="3084" name="Picture 12" descr="Image result for money png"/>
+          <p:cNvPicPr>
+            <a:picLocks noChangeAspect="1" noChangeArrowheads="1"/>
+          </p:cNvPicPr>
+          <p:nvPr/>
+        </p:nvPicPr>
+        <p:blipFill>
+          <a:blip r:embed="rId3">
+            <a:extLst>
+              <a:ext uri="{28A0092B-C50C-407E-A947-70E740481C1C}">
+                <a14:useLocalDpi xmlns:a14="http://schemas.microsoft.com/office/drawing/2010/main" val="0"/>
+              </a:ext>
+            </a:extLst>
+          </a:blip>
+          <a:srcRect/>
+          <a:stretch>
+            <a:fillRect/>
+          </a:stretch>
+        </p:blipFill>
+        <p:spPr bwMode="auto">
+          <a:xfrm>
+            <a:off x="5943599" y="1598380"/>
+            <a:ext cx="3866024" cy="4228464"/>
+          </a:xfrm>
+          <a:prstGeom prst="rect">
+            <a:avLst/>
+          </a:prstGeom>
+          <a:noFill/>
+          <a:extLst>
+            <a:ext uri="{909E8E84-426E-40DD-AFC4-6F175D3DCCD1}">
+              <a14:hiddenFill xmlns:a14="http://schemas.microsoft.com/office/drawing/2010/main">
+                <a:solidFill>
+                  <a:srgbClr val="FFFFFF"/>
+                </a:solidFill>
+              </a14:hiddenFill>
+            </a:ext>
+          </a:extLst>
+        </p:spPr>
+      </p:pic>
+    </p:spTree>
+    <p:extLst>
+      <p:ext uri="{BB962C8B-B14F-4D97-AF65-F5344CB8AC3E}">
+        <p14:creationId xmlns:p14="http://schemas.microsoft.com/office/powerpoint/2010/main" val="2717915465"/>
+      </p:ext>
+    </p:extLst>
+  </p:cSld>
+  <p:clrMapOvr>
+    <a:masterClrMapping/>
+  </p:clrMapOvr>
+</p:sld>
+</file>
+
+<file path=ppt/slides/slide14.xml><?xml version="1.0" encoding="utf-8"?>
+<p:sld xmlns:a="http://schemas.openxmlformats.org/drawingml/2006/main" xmlns:r="http://schemas.openxmlformats.org/officeDocument/2006/relationships" xmlns:p="http://schemas.openxmlformats.org/presentationml/2006/main">
+  <p:cSld>
+    <p:spTree>
+      <p:nvGrpSpPr>
+        <p:cNvPr id="1" name=""/>
+        <p:cNvGrpSpPr/>
+        <p:nvPr/>
+      </p:nvGrpSpPr>
+      <p:grpSpPr>
+        <a:xfrm>
+          <a:off x="0" y="0"/>
+          <a:ext cx="0" cy="0"/>
+          <a:chOff x="0" y="0"/>
+          <a:chExt cx="0" cy="0"/>
+        </a:xfrm>
+      </p:grpSpPr>
+      <p:sp>
+        <p:nvSpPr>
+          <p:cNvPr id="7175" name="Rectangle 7174"/>
+          <p:cNvSpPr>
+            <a:spLocks noGrp="1" noRot="1" noChangeAspect="1" noMove="1" noResize="1" noEditPoints="1" noAdjustHandles="1" noChangeArrowheads="1" noChangeShapeType="1" noTextEdit="1"/>
+          </p:cNvSpPr>
+          <p:nvPr>
+            <p:extLst>
+              <p:ext uri="{386F3935-93C4-4BCD-93E2-E3B085C9AB24}">
+                <p16:designElem xmlns:p16="http://schemas.microsoft.com/office/powerpoint/2015/main" val="1"/>
+              </p:ext>
+            </p:extLst>
+          </p:nvPr>
+        </p:nvSpPr>
+        <p:spPr bwMode="white">
+          <a:xfrm>
+            <a:off x="0" y="0"/>
+            <a:ext cx="12192000" cy="6858000"/>
+          </a:xfrm>
+          <a:prstGeom prst="rect">
+            <a:avLst/>
+          </a:prstGeom>
+          <a:blipFill rotWithShape="1">
+            <a:blip r:embed="rId2">
+              <a:duotone>
+                <a:schemeClr val="bg2">
+                  <a:shade val="62000"/>
+                  <a:hueMod val="108000"/>
+                  <a:satMod val="164000"/>
+                  <a:lumMod val="69000"/>
+                </a:schemeClr>
+                <a:schemeClr val="bg2">
+                  <a:tint val="96000"/>
+                  <a:hueMod val="90000"/>
+                  <a:satMod val="130000"/>
+                  <a:lumMod val="134000"/>
+                </a:schemeClr>
+              </a:duotone>
+            </a:blip>
+            <a:stretch/>
+          </a:blipFill>
+          <a:ln>
+            <a:noFill/>
+          </a:ln>
+          <a:effectLst/>
+        </p:spPr>
+      </p:sp>
+      <p:pic>
+        <p:nvPicPr>
+          <p:cNvPr id="73" name="Picture 72"/>
+          <p:cNvPicPr>
+            <a:picLocks noGrp="1" noRot="1" noChangeAspect="1" noMove="1" noResize="1" noEditPoints="1" noAdjustHandles="1" noChangeArrowheads="1" noChangeShapeType="1" noCrop="1"/>
+          </p:cNvPicPr>
+          <p:nvPr>
+            <p:extLst>
+              <p:ext uri="{386F3935-93C4-4BCD-93E2-E3B085C9AB24}">
+                <p16:designElem xmlns:p16="http://schemas.microsoft.com/office/powerpoint/2015/main" val="1"/>
+              </p:ext>
+            </p:extLst>
+          </p:nvPr>
+        </p:nvPicPr>
+        <p:blipFill rotWithShape="1">
+          <a:blip r:embed="rId3">
+            <a:extLst>
+              <a:ext uri="{28A0092B-C50C-407E-A947-70E740481C1C}">
+                <a14:useLocalDpi xmlns:a14="http://schemas.microsoft.com/office/drawing/2010/main" val="0"/>
+              </a:ext>
+            </a:extLst>
+          </a:blip>
+          <a:srcRect l="3613"/>
+          <a:stretch/>
+        </p:blipFill>
+        <p:spPr>
+          <a:xfrm>
+            <a:off x="0" y="2669685"/>
+            <a:ext cx="4037012" cy="4188315"/>
+          </a:xfrm>
+          <a:prstGeom prst="rect">
+            <a:avLst/>
+          </a:prstGeom>
+        </p:spPr>
+      </p:pic>
+      <p:pic>
+        <p:nvPicPr>
+          <p:cNvPr id="75" name="Picture 74"/>
+          <p:cNvPicPr>
+            <a:picLocks noGrp="1" noRot="1" noChangeAspect="1" noMove="1" noResize="1" noEditPoints="1" noAdjustHandles="1" noChangeArrowheads="1" noChangeShapeType="1" noCrop="1"/>
+          </p:cNvPicPr>
+          <p:nvPr>
+            <p:extLst>
+              <p:ext uri="{386F3935-93C4-4BCD-93E2-E3B085C9AB24}">
+                <p16:designElem xmlns:p16="http://schemas.microsoft.com/office/powerpoint/2015/main" val="1"/>
+              </p:ext>
+            </p:extLst>
+          </p:nvPr>
+        </p:nvPicPr>
+        <p:blipFill rotWithShape="1">
+          <a:blip r:embed="rId4">
+            <a:extLst>
+              <a:ext uri="{28A0092B-C50C-407E-A947-70E740481C1C}">
+                <a14:useLocalDpi xmlns:a14="http://schemas.microsoft.com/office/drawing/2010/main" val="0"/>
+              </a:ext>
+            </a:extLst>
+          </a:blip>
+          <a:srcRect l="35640"/>
+          <a:stretch/>
+        </p:blipFill>
+        <p:spPr>
+          <a:xfrm>
+            <a:off x="0" y="2892347"/>
+            <a:ext cx="1522412" cy="2365453"/>
+          </a:xfrm>
+          <a:prstGeom prst="rect">
+            <a:avLst/>
+          </a:prstGeom>
+        </p:spPr>
+      </p:pic>
+      <p:sp>
+        <p:nvSpPr>
+          <p:cNvPr id="77" name="Oval 76"/>
+          <p:cNvSpPr>
+            <a:spLocks noGrp="1" noRot="1" noChangeAspect="1" noMove="1" noResize="1" noEditPoints="1" noAdjustHandles="1" noChangeArrowheads="1" noChangeShapeType="1" noTextEdit="1"/>
+          </p:cNvSpPr>
+          <p:nvPr>
+            <p:extLst>
+              <p:ext uri="{386F3935-93C4-4BCD-93E2-E3B085C9AB24}">
+                <p16:designElem xmlns:p16="http://schemas.microsoft.com/office/powerpoint/2015/main" val="1"/>
+              </p:ext>
+            </p:extLst>
+          </p:nvPr>
+        </p:nvSpPr>
+        <p:spPr>
+          <a:xfrm>
+            <a:off x="8609012" y="1676400"/>
+            <a:ext cx="2819400" cy="2819400"/>
+          </a:xfrm>
+          <a:prstGeom prst="ellipse">
+            <a:avLst/>
+          </a:prstGeom>
+          <a:gradFill flip="none" rotWithShape="1">
+            <a:gsLst>
+              <a:gs pos="0">
+                <a:schemeClr val="bg2">
+                  <a:lumMod val="40000"/>
+                  <a:lumOff val="60000"/>
+                  <a:alpha val="7000"/>
+                </a:schemeClr>
+              </a:gs>
+              <a:gs pos="69000">
+                <a:schemeClr val="bg2">
+                  <a:lumMod val="40000"/>
+                  <a:lumOff val="60000"/>
+                  <a:alpha val="0"/>
+                </a:schemeClr>
+              </a:gs>
+              <a:gs pos="36000">
+                <a:schemeClr val="bg2">
+                  <a:lumMod val="40000"/>
+                  <a:lumOff val="60000"/>
+                  <a:alpha val="6000"/>
+                </a:schemeClr>
+              </a:gs>
+            </a:gsLst>
+            <a:path path="circle">
+              <a:fillToRect l="50000" t="50000" r="50000" b="50000"/>
+            </a:path>
+            <a:tileRect/>
+          </a:gradFill>
+          <a:ln>
+            <a:noFill/>
+          </a:ln>
+          <a:effectLst/>
+        </p:spPr>
+        <p:style>
+          <a:lnRef idx="1">
+            <a:schemeClr val="accent1"/>
+          </a:lnRef>
+          <a:fillRef idx="3">
+            <a:schemeClr val="accent1"/>
+          </a:fillRef>
+          <a:effectRef idx="2">
+            <a:schemeClr val="accent1"/>
+          </a:effectRef>
+          <a:fontRef idx="minor">
+            <a:schemeClr val="lt1"/>
+          </a:fontRef>
+        </p:style>
+      </p:sp>
+      <p:pic>
+        <p:nvPicPr>
+          <p:cNvPr id="79" name="Picture 78"/>
+          <p:cNvPicPr>
+            <a:picLocks noGrp="1" noRot="1" noChangeAspect="1" noMove="1" noResize="1" noEditPoints="1" noAdjustHandles="1" noChangeArrowheads="1" noChangeShapeType="1" noCrop="1"/>
+          </p:cNvPicPr>
+          <p:nvPr>
+            <p:extLst>
+              <p:ext uri="{386F3935-93C4-4BCD-93E2-E3B085C9AB24}">
+                <p16:designElem xmlns:p16="http://schemas.microsoft.com/office/powerpoint/2015/main" val="1"/>
+              </p:ext>
+            </p:extLst>
+          </p:nvPr>
+        </p:nvPicPr>
+        <p:blipFill rotWithShape="1">
+          <a:blip r:embed="rId5">
+            <a:extLst>
+              <a:ext uri="{28A0092B-C50C-407E-A947-70E740481C1C}">
+                <a14:useLocalDpi xmlns:a14="http://schemas.microsoft.com/office/drawing/2010/main" val="0"/>
+              </a:ext>
+            </a:extLst>
+          </a:blip>
+          <a:srcRect t="28813"/>
+          <a:stretch/>
+        </p:blipFill>
+        <p:spPr>
+          <a:xfrm>
+            <a:off x="7999412" y="0"/>
+            <a:ext cx="1603387" cy="1141407"/>
+          </a:xfrm>
+          <a:prstGeom prst="rect">
+            <a:avLst/>
+          </a:prstGeom>
+        </p:spPr>
+      </p:pic>
+      <p:pic>
+        <p:nvPicPr>
+          <p:cNvPr id="81" name="Picture 80"/>
+          <p:cNvPicPr>
+            <a:picLocks noGrp="1" noRot="1" noChangeAspect="1" noMove="1" noResize="1" noEditPoints="1" noAdjustHandles="1" noChangeArrowheads="1" noChangeShapeType="1" noCrop="1"/>
+          </p:cNvPicPr>
+          <p:nvPr>
+            <p:extLst>
+              <p:ext uri="{386F3935-93C4-4BCD-93E2-E3B085C9AB24}">
+                <p16:designElem xmlns:p16="http://schemas.microsoft.com/office/powerpoint/2015/main" val="1"/>
+              </p:ext>
+            </p:extLst>
+          </p:nvPr>
+        </p:nvPicPr>
+        <p:blipFill rotWithShape="1">
+          <a:blip r:embed="rId6">
+            <a:extLst>
+              <a:ext uri="{28A0092B-C50C-407E-A947-70E740481C1C}">
+                <a14:useLocalDpi xmlns:a14="http://schemas.microsoft.com/office/drawing/2010/main" val="0"/>
+              </a:ext>
+            </a:extLst>
+          </a:blip>
+          <a:srcRect b="23320"/>
+          <a:stretch/>
+        </p:blipFill>
+        <p:spPr>
+          <a:xfrm>
+            <a:off x="8609012" y="6096000"/>
+            <a:ext cx="993734" cy="762000"/>
+          </a:xfrm>
+          <a:prstGeom prst="rect">
+            <a:avLst/>
+          </a:prstGeom>
+        </p:spPr>
+      </p:pic>
+      <p:sp>
+        <p:nvSpPr>
+          <p:cNvPr id="83" name="Rectangle 82"/>
+          <p:cNvSpPr>
+            <a:spLocks noGrp="1" noRot="1" noChangeAspect="1" noMove="1" noResize="1" noEditPoints="1" noAdjustHandles="1" noChangeArrowheads="1" noChangeShapeType="1" noTextEdit="1"/>
+          </p:cNvSpPr>
+          <p:nvPr>
+            <p:extLst>
+              <p:ext uri="{386F3935-93C4-4BCD-93E2-E3B085C9AB24}">
+                <p16:designElem xmlns:p16="http://schemas.microsoft.com/office/powerpoint/2015/main" val="1"/>
+              </p:ext>
+            </p:extLst>
+          </p:nvPr>
+        </p:nvSpPr>
+        <p:spPr>
+          <a:xfrm>
+            <a:off x="10437812" y="0"/>
+            <a:ext cx="685800" cy="1143000"/>
+          </a:xfrm>
+          <a:prstGeom prst="rect">
+            <a:avLst/>
+          </a:prstGeom>
+          <a:solidFill>
+            <a:schemeClr val="accent1"/>
+          </a:solidFill>
+          <a:ln>
+            <a:noFill/>
+          </a:ln>
+        </p:spPr>
+        <p:style>
+          <a:lnRef idx="1">
+            <a:schemeClr val="accent1"/>
+          </a:lnRef>
+          <a:fillRef idx="3">
+            <a:schemeClr val="accent1"/>
+          </a:fillRef>
+          <a:effectRef idx="2">
+            <a:schemeClr val="accent1"/>
+          </a:effectRef>
+          <a:fontRef idx="minor">
+            <a:schemeClr val="lt1"/>
+          </a:fontRef>
+        </p:style>
+      </p:sp>
+      <p:pic>
+        <p:nvPicPr>
+          <p:cNvPr id="7170" name="Picture 2" descr="Image result for demo png"/>
+          <p:cNvPicPr>
+            <a:picLocks noChangeAspect="1" noChangeArrowheads="1"/>
+          </p:cNvPicPr>
+          <p:nvPr/>
+        </p:nvPicPr>
+        <p:blipFill rotWithShape="1">
+          <a:blip r:embed="rId7">
+            <a:duotone>
+              <a:prstClr val="black"/>
+              <a:schemeClr val="accent5">
+                <a:tint val="45000"/>
+                <a:satMod val="400000"/>
+              </a:schemeClr>
+            </a:duotone>
+            <a:alphaModFix amt="25000"/>
+            <a:extLst>
+              <a:ext uri="{28A0092B-C50C-407E-A947-70E740481C1C}">
+                <a14:useLocalDpi xmlns:a14="http://schemas.microsoft.com/office/drawing/2010/main" val="0"/>
+              </a:ext>
+            </a:extLst>
+          </a:blip>
+          <a:srcRect t="3750" r="-1" b="-1"/>
+          <a:stretch/>
+        </p:blipFill>
+        <p:spPr bwMode="auto">
+          <a:xfrm>
+            <a:off x="20" y="10"/>
+            <a:ext cx="12191980" cy="6857990"/>
+          </a:xfrm>
+          <a:prstGeom prst="rect">
+            <a:avLst/>
+          </a:prstGeom>
+          <a:noFill/>
+          <a:extLst>
+            <a:ext uri="{909E8E84-426E-40DD-AFC4-6F175D3DCCD1}">
+              <a14:hiddenFill xmlns:a14="http://schemas.microsoft.com/office/drawing/2010/main">
+                <a:solidFill>
+                  <a:srgbClr val="FFFFFF"/>
+                </a:solidFill>
+              </a14:hiddenFill>
+            </a:ext>
+          </a:extLst>
+        </p:spPr>
+      </p:pic>
+      <p:sp>
+        <p:nvSpPr>
+          <p:cNvPr id="85" name="Rectangle 84"/>
+          <p:cNvSpPr>
+            <a:spLocks noGrp="1" noRot="1" noChangeAspect="1" noMove="1" noResize="1" noEditPoints="1" noAdjustHandles="1" noChangeArrowheads="1" noChangeShapeType="1" noTextEdit="1"/>
+          </p:cNvSpPr>
+          <p:nvPr>
+            <p:extLst>
+              <p:ext uri="{386F3935-93C4-4BCD-93E2-E3B085C9AB24}">
+                <p16:designElem xmlns:p16="http://schemas.microsoft.com/office/powerpoint/2015/main" val="1"/>
+              </p:ext>
+            </p:extLst>
+          </p:nvPr>
+        </p:nvSpPr>
+        <p:spPr>
+          <a:xfrm>
+            <a:off x="10437812" y="0"/>
+            <a:ext cx="685800" cy="1143000"/>
+          </a:xfrm>
+          <a:prstGeom prst="rect">
+            <a:avLst/>
+          </a:prstGeom>
+          <a:solidFill>
+            <a:schemeClr val="accent1"/>
+          </a:solidFill>
+          <a:ln>
+            <a:noFill/>
+          </a:ln>
+        </p:spPr>
+        <p:style>
+          <a:lnRef idx="1">
+            <a:schemeClr val="accent1"/>
+          </a:lnRef>
+          <a:fillRef idx="3">
+            <a:schemeClr val="accent1"/>
+          </a:fillRef>
+          <a:effectRef idx="2">
+            <a:schemeClr val="accent1"/>
+          </a:effectRef>
+          <a:fontRef idx="minor">
+            <a:schemeClr val="lt1"/>
+          </a:fontRef>
+        </p:style>
+      </p:sp>
+      <p:sp>
+        <p:nvSpPr>
+          <p:cNvPr id="2" name="Title 1"/>
+          <p:cNvSpPr>
+            <a:spLocks noGrp="1"/>
+          </p:cNvSpPr>
+          <p:nvPr>
+            <p:ph type="title"/>
+          </p:nvPr>
+        </p:nvSpPr>
+        <p:spPr>
+          <a:xfrm>
+            <a:off x="1154955" y="1447800"/>
+            <a:ext cx="8825658" cy="3329581"/>
+          </a:xfrm>
+        </p:spPr>
+        <p:txBody>
+          <a:bodyPr vert="horz" lIns="91440" tIns="45720" rIns="91440" bIns="45720" rtlCol="0" anchor="b">
+            <a:normAutofit/>
+          </a:bodyPr>
+          <a:lstStyle/>
+          <a:p>
+            <a:r>
+              <a:rPr lang="en-US" sz="7200"/>
+              <a:t>Demo</a:t>
+            </a:r>
+          </a:p>
+        </p:txBody>
+      </p:sp>
+    </p:spTree>
+    <p:extLst>
+      <p:ext uri="{BB962C8B-B14F-4D97-AF65-F5344CB8AC3E}">
+        <p14:creationId xmlns:p14="http://schemas.microsoft.com/office/powerpoint/2010/main" val="395707939"/>
+      </p:ext>
+    </p:extLst>
+  </p:cSld>
+  <p:clrMapOvr>
+    <a:masterClrMapping/>
+  </p:clrMapOvr>
+</p:sld>
+</file>
+
+<file path=ppt/slides/slide15.xml><?xml version="1.0" encoding="utf-8"?>
+<p:sld xmlns:a="http://schemas.openxmlformats.org/drawingml/2006/main" xmlns:r="http://schemas.openxmlformats.org/officeDocument/2006/relationships" xmlns:p="http://schemas.openxmlformats.org/presentationml/2006/main">
+  <p:cSld>
+    <p:spTree>
+      <p:nvGrpSpPr>
+        <p:cNvPr id="1" name=""/>
+        <p:cNvGrpSpPr/>
+        <p:nvPr/>
+      </p:nvGrpSpPr>
+      <p:grpSpPr>
+        <a:xfrm>
+          <a:off x="0" y="0"/>
+          <a:ext cx="0" cy="0"/>
+          <a:chOff x="0" y="0"/>
+          <a:chExt cx="0" cy="0"/>
+        </a:xfrm>
+      </p:grpSpPr>
+      <p:sp>
+        <p:nvSpPr>
+          <p:cNvPr id="2" name="Title 1"/>
+          <p:cNvSpPr>
+            <a:spLocks noGrp="1"/>
+          </p:cNvSpPr>
+          <p:nvPr>
+            <p:ph type="title"/>
           </p:nvPr>
         </p:nvSpPr>
         <p:spPr/>
@@ -6229,10 +7533,123 @@
           <a:bodyPr/>
           <a:lstStyle/>
           <a:p>
+            <a:r>
+              <a:rPr lang="en-CA" dirty="0"/>
+              <a:t>Conclusion</a:t>
+            </a:r>
+          </a:p>
+        </p:txBody>
+      </p:sp>
+      <p:sp>
+        <p:nvSpPr>
+          <p:cNvPr id="6" name="AutoShape 8" descr="Image result for college students clipart png"/>
+          <p:cNvSpPr>
+            <a:spLocks noChangeAspect="1" noChangeArrowheads="1"/>
+          </p:cNvSpPr>
+          <p:nvPr/>
+        </p:nvSpPr>
+        <p:spPr bwMode="auto">
+          <a:xfrm>
+            <a:off x="5943600" y="3276600"/>
+            <a:ext cx="304800" cy="304800"/>
+          </a:xfrm>
+          <a:prstGeom prst="rect">
+            <a:avLst/>
+          </a:prstGeom>
+          <a:noFill/>
+          <a:extLst>
+            <a:ext uri="{909E8E84-426E-40DD-AFC4-6F175D3DCCD1}">
+              <a14:hiddenFill xmlns:a14="http://schemas.microsoft.com/office/drawing/2010/main">
+                <a:solidFill>
+                  <a:srgbClr val="FFFFFF"/>
+                </a:solidFill>
+              </a14:hiddenFill>
+            </a:ext>
+          </a:extLst>
+        </p:spPr>
+        <p:txBody>
+          <a:bodyPr vert="horz" wrap="square" lIns="91440" tIns="45720" rIns="91440" bIns="45720" numCol="1" anchor="t" anchorCtr="0" compatLnSpc="1">
+            <a:prstTxWarp prst="textNoShape">
+              <a:avLst/>
+            </a:prstTxWarp>
+          </a:bodyPr>
+          <a:lstStyle/>
+          <a:p>
             <a:endParaRPr lang="en-CA"/>
           </a:p>
         </p:txBody>
       </p:sp>
+      <p:pic>
+        <p:nvPicPr>
+          <p:cNvPr id="4110" name="Picture 14" descr="Image result for college students clipart png"/>
+          <p:cNvPicPr>
+            <a:picLocks noChangeAspect="1" noChangeArrowheads="1"/>
+          </p:cNvPicPr>
+          <p:nvPr/>
+        </p:nvPicPr>
+        <p:blipFill>
+          <a:blip r:embed="rId2">
+            <a:extLst>
+              <a:ext uri="{28A0092B-C50C-407E-A947-70E740481C1C}">
+                <a14:useLocalDpi xmlns:a14="http://schemas.microsoft.com/office/drawing/2010/main" val="0"/>
+              </a:ext>
+            </a:extLst>
+          </a:blip>
+          <a:srcRect/>
+          <a:stretch>
+            <a:fillRect/>
+          </a:stretch>
+        </p:blipFill>
+        <p:spPr bwMode="auto">
+          <a:xfrm>
+            <a:off x="2663805" y="1467765"/>
+            <a:ext cx="6559590" cy="4591713"/>
+          </a:xfrm>
+          <a:prstGeom prst="rect">
+            <a:avLst/>
+          </a:prstGeom>
+          <a:noFill/>
+          <a:extLst>
+            <a:ext uri="{909E8E84-426E-40DD-AFC4-6F175D3DCCD1}">
+              <a14:hiddenFill xmlns:a14="http://schemas.microsoft.com/office/drawing/2010/main">
+                <a:solidFill>
+                  <a:srgbClr val="FFFFFF"/>
+                </a:solidFill>
+              </a14:hiddenFill>
+            </a:ext>
+          </a:extLst>
+        </p:spPr>
+      </p:pic>
+      <p:pic>
+        <p:nvPicPr>
+          <p:cNvPr id="11" name="Picture 10"/>
+          <p:cNvPicPr>
+            <a:picLocks noChangeAspect="1"/>
+          </p:cNvPicPr>
+          <p:nvPr/>
+        </p:nvPicPr>
+        <p:blipFill rotWithShape="1">
+          <a:blip r:embed="rId3"/>
+          <a:srcRect r="2700"/>
+          <a:stretch/>
+        </p:blipFill>
+        <p:spPr>
+          <a:xfrm>
+            <a:off x="9618656" y="4903694"/>
+            <a:ext cx="2581913" cy="2653553"/>
+          </a:xfrm>
+          <a:prstGeom prst="rect">
+            <a:avLst/>
+          </a:prstGeom>
+          <a:effectLst>
+            <a:outerShdw blurRad="50800" dist="38100" dir="5400000" algn="t" rotWithShape="0">
+              <a:prstClr val="black">
+                <a:alpha val="43000"/>
+              </a:prstClr>
+            </a:outerShdw>
+          </a:effectLst>
+        </p:spPr>
+      </p:pic>
     </p:spTree>
     <p:extLst>
       <p:ext uri="{BB962C8B-B14F-4D97-AF65-F5344CB8AC3E}">
@@ -6265,6 +7682,679 @@
       </p:grpSpPr>
       <p:sp>
         <p:nvSpPr>
+          <p:cNvPr id="135" name="Rectangle 134"/>
+          <p:cNvSpPr>
+            <a:spLocks noGrp="1" noRot="1" noChangeAspect="1" noMove="1" noResize="1" noEditPoints="1" noAdjustHandles="1" noChangeArrowheads="1" noChangeShapeType="1" noTextEdit="1"/>
+          </p:cNvSpPr>
+          <p:nvPr>
+            <p:extLst>
+              <p:ext uri="{386F3935-93C4-4BCD-93E2-E3B085C9AB24}">
+                <p16:designElem xmlns:p16="http://schemas.microsoft.com/office/powerpoint/2015/main" val="1"/>
+              </p:ext>
+            </p:extLst>
+          </p:nvPr>
+        </p:nvSpPr>
+        <p:spPr>
+          <a:xfrm>
+            <a:off x="6093992" y="0"/>
+            <a:ext cx="6098427" cy="6858000"/>
+          </a:xfrm>
+          <a:prstGeom prst="rect">
+            <a:avLst/>
+          </a:prstGeom>
+          <a:solidFill>
+            <a:srgbClr val="FFFFFF"/>
+          </a:solidFill>
+          <a:ln>
+            <a:noFill/>
+          </a:ln>
+        </p:spPr>
+        <p:style>
+          <a:lnRef idx="2">
+            <a:schemeClr val="accent1">
+              <a:shade val="50000"/>
+            </a:schemeClr>
+          </a:lnRef>
+          <a:fillRef idx="1">
+            <a:schemeClr val="accent1"/>
+          </a:fillRef>
+          <a:effectRef idx="0">
+            <a:schemeClr val="accent1"/>
+          </a:effectRef>
+          <a:fontRef idx="minor">
+            <a:schemeClr val="lt1"/>
+          </a:fontRef>
+        </p:style>
+        <p:txBody>
+          <a:bodyPr rtlCol="0" anchor="ctr"/>
+          <a:lstStyle/>
+          <a:p>
+            <a:pPr algn="ctr"/>
+            <a:endParaRPr lang="en-US"/>
+          </a:p>
+        </p:txBody>
+      </p:sp>
+      <p:sp>
+        <p:nvSpPr>
+          <p:cNvPr id="137" name="Freeform 31"/>
+          <p:cNvSpPr>
+            <a:spLocks noGrp="1" noRot="1" noChangeAspect="1" noMove="1" noResize="1" noEditPoints="1" noAdjustHandles="1" noChangeArrowheads="1" noChangeShapeType="1" noTextEdit="1"/>
+          </p:cNvSpPr>
+          <p:nvPr>
+            <p:extLst>
+              <p:ext uri="{386F3935-93C4-4BCD-93E2-E3B085C9AB24}">
+                <p16:designElem xmlns:p16="http://schemas.microsoft.com/office/powerpoint/2015/main" val="1"/>
+              </p:ext>
+            </p:extLst>
+          </p:nvPr>
+        </p:nvSpPr>
+        <p:spPr>
+          <a:xfrm>
+            <a:off x="4994020" y="-1"/>
+            <a:ext cx="559472" cy="3709642"/>
+          </a:xfrm>
+          <a:custGeom>
+            <a:avLst/>
+            <a:gdLst>
+              <a:gd name="connsiteX0" fmla="*/ 0 w 559472"/>
+              <a:gd name="connsiteY0" fmla="*/ 0 h 3709642"/>
+              <a:gd name="connsiteX1" fmla="*/ 473952 w 559472"/>
+              <a:gd name="connsiteY1" fmla="*/ 0 h 3709642"/>
+              <a:gd name="connsiteX2" fmla="*/ 485840 w 559472"/>
+              <a:gd name="connsiteY2" fmla="*/ 161194 h 3709642"/>
+              <a:gd name="connsiteX3" fmla="*/ 523949 w 559472"/>
+              <a:gd name="connsiteY3" fmla="*/ 3672197 h 3709642"/>
+              <a:gd name="connsiteX4" fmla="*/ 454748 w 559472"/>
+              <a:gd name="connsiteY4" fmla="*/ 3709642 h 3709642"/>
+              <a:gd name="connsiteX5" fmla="*/ 448224 w 559472"/>
+              <a:gd name="connsiteY5" fmla="*/ 3510471 h 3709642"/>
+              <a:gd name="connsiteX6" fmla="*/ 443564 w 559472"/>
+              <a:gd name="connsiteY6" fmla="*/ 3408563 h 3709642"/>
+              <a:gd name="connsiteX7" fmla="*/ 438902 w 559472"/>
+              <a:gd name="connsiteY7" fmla="*/ 3304407 h 3709642"/>
+              <a:gd name="connsiteX8" fmla="*/ 433941 w 559472"/>
+              <a:gd name="connsiteY8" fmla="*/ 3198777 h 3709642"/>
+              <a:gd name="connsiteX9" fmla="*/ 427584 w 559472"/>
+              <a:gd name="connsiteY9" fmla="*/ 3092510 h 3709642"/>
+              <a:gd name="connsiteX10" fmla="*/ 420988 w 559472"/>
+              <a:gd name="connsiteY10" fmla="*/ 2984390 h 3709642"/>
+              <a:gd name="connsiteX11" fmla="*/ 414330 w 559472"/>
+              <a:gd name="connsiteY11" fmla="*/ 2874401 h 3709642"/>
+              <a:gd name="connsiteX12" fmla="*/ 406840 w 559472"/>
+              <a:gd name="connsiteY12" fmla="*/ 2762980 h 3709642"/>
+              <a:gd name="connsiteX13" fmla="*/ 397745 w 559472"/>
+              <a:gd name="connsiteY13" fmla="*/ 2650566 h 3709642"/>
+              <a:gd name="connsiteX14" fmla="*/ 389154 w 559472"/>
+              <a:gd name="connsiteY14" fmla="*/ 2536612 h 3709642"/>
+              <a:gd name="connsiteX15" fmla="*/ 379225 w 559472"/>
+              <a:gd name="connsiteY15" fmla="*/ 2421642 h 3709642"/>
+              <a:gd name="connsiteX16" fmla="*/ 368316 w 559472"/>
+              <a:gd name="connsiteY16" fmla="*/ 2305627 h 3709642"/>
+              <a:gd name="connsiteX17" fmla="*/ 357466 w 559472"/>
+              <a:gd name="connsiteY17" fmla="*/ 2189233 h 3709642"/>
+              <a:gd name="connsiteX18" fmla="*/ 344982 w 559472"/>
+              <a:gd name="connsiteY18" fmla="*/ 2071473 h 3709642"/>
+              <a:gd name="connsiteX19" fmla="*/ 332466 w 559472"/>
+              <a:gd name="connsiteY19" fmla="*/ 1952216 h 3709642"/>
+              <a:gd name="connsiteX20" fmla="*/ 319121 w 559472"/>
+              <a:gd name="connsiteY20" fmla="*/ 1833776 h 3709642"/>
+              <a:gd name="connsiteX21" fmla="*/ 304408 w 559472"/>
+              <a:gd name="connsiteY21" fmla="*/ 1713948 h 3709642"/>
+              <a:gd name="connsiteX22" fmla="*/ 288685 w 559472"/>
+              <a:gd name="connsiteY22" fmla="*/ 1592703 h 3709642"/>
+              <a:gd name="connsiteX23" fmla="*/ 273050 w 559472"/>
+              <a:gd name="connsiteY23" fmla="*/ 1471451 h 3709642"/>
+              <a:gd name="connsiteX24" fmla="*/ 255813 w 559472"/>
+              <a:gd name="connsiteY24" fmla="*/ 1350328 h 3709642"/>
+              <a:gd name="connsiteX25" fmla="*/ 237060 w 559472"/>
+              <a:gd name="connsiteY25" fmla="*/ 1227080 h 3709642"/>
+              <a:gd name="connsiteX26" fmla="*/ 218488 w 559472"/>
+              <a:gd name="connsiteY26" fmla="*/ 1106065 h 3709642"/>
+              <a:gd name="connsiteX27" fmla="*/ 198221 w 559472"/>
+              <a:gd name="connsiteY27" fmla="*/ 982940 h 3709642"/>
+              <a:gd name="connsiteX28" fmla="*/ 177152 w 559472"/>
+              <a:gd name="connsiteY28" fmla="*/ 858755 h 3709642"/>
+              <a:gd name="connsiteX29" fmla="*/ 155551 w 559472"/>
+              <a:gd name="connsiteY29" fmla="*/ 736861 h 3709642"/>
+              <a:gd name="connsiteX30" fmla="*/ 131782 w 559472"/>
+              <a:gd name="connsiteY30" fmla="*/ 613645 h 3709642"/>
+              <a:gd name="connsiteX31" fmla="*/ 107123 w 559472"/>
+              <a:gd name="connsiteY31" fmla="*/ 490500 h 3709642"/>
+              <a:gd name="connsiteX32" fmla="*/ 82552 w 559472"/>
+              <a:gd name="connsiteY32" fmla="*/ 367348 h 3709642"/>
+              <a:gd name="connsiteX33" fmla="*/ 55608 w 559472"/>
+              <a:gd name="connsiteY33" fmla="*/ 244762 h 3709642"/>
+              <a:gd name="connsiteX34" fmla="*/ 28130 w 559472"/>
+              <a:gd name="connsiteY34" fmla="*/ 122220 h 3709642"/>
+              <a:gd name="connsiteX35" fmla="*/ 0 w 559472"/>
+              <a:gd name="connsiteY35" fmla="*/ 0 h 3709642"/>
+            </a:gdLst>
+            <a:ahLst/>
+            <a:cxnLst>
+              <a:cxn ang="0">
+                <a:pos x="connsiteX0" y="connsiteY0"/>
+              </a:cxn>
+              <a:cxn ang="0">
+                <a:pos x="connsiteX1" y="connsiteY1"/>
+              </a:cxn>
+              <a:cxn ang="0">
+                <a:pos x="connsiteX2" y="connsiteY2"/>
+              </a:cxn>
+              <a:cxn ang="0">
+                <a:pos x="connsiteX3" y="connsiteY3"/>
+              </a:cxn>
+              <a:cxn ang="0">
+                <a:pos x="connsiteX4" y="connsiteY4"/>
+              </a:cxn>
+              <a:cxn ang="0">
+                <a:pos x="connsiteX5" y="connsiteY5"/>
+              </a:cxn>
+              <a:cxn ang="0">
+                <a:pos x="connsiteX6" y="connsiteY6"/>
+              </a:cxn>
+              <a:cxn ang="0">
+                <a:pos x="connsiteX7" y="connsiteY7"/>
+              </a:cxn>
+              <a:cxn ang="0">
+                <a:pos x="connsiteX8" y="connsiteY8"/>
+              </a:cxn>
+              <a:cxn ang="0">
+                <a:pos x="connsiteX9" y="connsiteY9"/>
+              </a:cxn>
+              <a:cxn ang="0">
+                <a:pos x="connsiteX10" y="connsiteY10"/>
+              </a:cxn>
+              <a:cxn ang="0">
+                <a:pos x="connsiteX11" y="connsiteY11"/>
+              </a:cxn>
+              <a:cxn ang="0">
+                <a:pos x="connsiteX12" y="connsiteY12"/>
+              </a:cxn>
+              <a:cxn ang="0">
+                <a:pos x="connsiteX13" y="connsiteY13"/>
+              </a:cxn>
+              <a:cxn ang="0">
+                <a:pos x="connsiteX14" y="connsiteY14"/>
+              </a:cxn>
+              <a:cxn ang="0">
+                <a:pos x="connsiteX15" y="connsiteY15"/>
+              </a:cxn>
+              <a:cxn ang="0">
+                <a:pos x="connsiteX16" y="connsiteY16"/>
+              </a:cxn>
+              <a:cxn ang="0">
+                <a:pos x="connsiteX17" y="connsiteY17"/>
+              </a:cxn>
+              <a:cxn ang="0">
+                <a:pos x="connsiteX18" y="connsiteY18"/>
+              </a:cxn>
+              <a:cxn ang="0">
+                <a:pos x="connsiteX19" y="connsiteY19"/>
+              </a:cxn>
+              <a:cxn ang="0">
+                <a:pos x="connsiteX20" y="connsiteY20"/>
+              </a:cxn>
+              <a:cxn ang="0">
+                <a:pos x="connsiteX21" y="connsiteY21"/>
+              </a:cxn>
+              <a:cxn ang="0">
+                <a:pos x="connsiteX22" y="connsiteY22"/>
+              </a:cxn>
+              <a:cxn ang="0">
+                <a:pos x="connsiteX23" y="connsiteY23"/>
+              </a:cxn>
+              <a:cxn ang="0">
+                <a:pos x="connsiteX24" y="connsiteY24"/>
+              </a:cxn>
+              <a:cxn ang="0">
+                <a:pos x="connsiteX25" y="connsiteY25"/>
+              </a:cxn>
+              <a:cxn ang="0">
+                <a:pos x="connsiteX26" y="connsiteY26"/>
+              </a:cxn>
+              <a:cxn ang="0">
+                <a:pos x="connsiteX27" y="connsiteY27"/>
+              </a:cxn>
+              <a:cxn ang="0">
+                <a:pos x="connsiteX28" y="connsiteY28"/>
+              </a:cxn>
+              <a:cxn ang="0">
+                <a:pos x="connsiteX29" y="connsiteY29"/>
+              </a:cxn>
+              <a:cxn ang="0">
+                <a:pos x="connsiteX30" y="connsiteY30"/>
+              </a:cxn>
+              <a:cxn ang="0">
+                <a:pos x="connsiteX31" y="connsiteY31"/>
+              </a:cxn>
+              <a:cxn ang="0">
+                <a:pos x="connsiteX32" y="connsiteY32"/>
+              </a:cxn>
+              <a:cxn ang="0">
+                <a:pos x="connsiteX33" y="connsiteY33"/>
+              </a:cxn>
+              <a:cxn ang="0">
+                <a:pos x="connsiteX34" y="connsiteY34"/>
+              </a:cxn>
+              <a:cxn ang="0">
+                <a:pos x="connsiteX35" y="connsiteY35"/>
+              </a:cxn>
+            </a:cxnLst>
+            <a:rect l="l" t="t" r="r" b="b"/>
+            <a:pathLst>
+              <a:path w="559472" h="3709642">
+                <a:moveTo>
+                  <a:pt x="0" y="0"/>
+                </a:moveTo>
+                <a:lnTo>
+                  <a:pt x="473952" y="0"/>
+                </a:lnTo>
+                <a:lnTo>
+                  <a:pt x="485840" y="161194"/>
+                </a:lnTo>
+                <a:cubicBezTo>
+                  <a:pt x="552063" y="1147770"/>
+                  <a:pt x="592441" y="3086737"/>
+                  <a:pt x="523949" y="3672197"/>
+                </a:cubicBezTo>
+                <a:cubicBezTo>
+                  <a:pt x="500842" y="3684557"/>
+                  <a:pt x="477855" y="3697282"/>
+                  <a:pt x="454748" y="3709642"/>
+                </a:cubicBezTo>
+                <a:lnTo>
+                  <a:pt x="448224" y="3510471"/>
+                </a:lnTo>
+                <a:lnTo>
+                  <a:pt x="443564" y="3408563"/>
+                </a:lnTo>
+                <a:lnTo>
+                  <a:pt x="438902" y="3304407"/>
+                </a:lnTo>
+                <a:lnTo>
+                  <a:pt x="433941" y="3198777"/>
+                </a:lnTo>
+                <a:lnTo>
+                  <a:pt x="427584" y="3092510"/>
+                </a:lnTo>
+                <a:lnTo>
+                  <a:pt x="420988" y="2984390"/>
+                </a:lnTo>
+                <a:lnTo>
+                  <a:pt x="414330" y="2874401"/>
+                </a:lnTo>
+                <a:lnTo>
+                  <a:pt x="406840" y="2762980"/>
+                </a:lnTo>
+                <a:lnTo>
+                  <a:pt x="397745" y="2650566"/>
+                </a:lnTo>
+                <a:lnTo>
+                  <a:pt x="389154" y="2536612"/>
+                </a:lnTo>
+                <a:lnTo>
+                  <a:pt x="379225" y="2421642"/>
+                </a:lnTo>
+                <a:lnTo>
+                  <a:pt x="368316" y="2305627"/>
+                </a:lnTo>
+                <a:lnTo>
+                  <a:pt x="357466" y="2189233"/>
+                </a:lnTo>
+                <a:lnTo>
+                  <a:pt x="344982" y="2071473"/>
+                </a:lnTo>
+                <a:lnTo>
+                  <a:pt x="332466" y="1952216"/>
+                </a:lnTo>
+                <a:lnTo>
+                  <a:pt x="319121" y="1833776"/>
+                </a:lnTo>
+                <a:lnTo>
+                  <a:pt x="304408" y="1713948"/>
+                </a:lnTo>
+                <a:lnTo>
+                  <a:pt x="288685" y="1592703"/>
+                </a:lnTo>
+                <a:lnTo>
+                  <a:pt x="273050" y="1471451"/>
+                </a:lnTo>
+                <a:lnTo>
+                  <a:pt x="255813" y="1350328"/>
+                </a:lnTo>
+                <a:lnTo>
+                  <a:pt x="237060" y="1227080"/>
+                </a:lnTo>
+                <a:lnTo>
+                  <a:pt x="218488" y="1106065"/>
+                </a:lnTo>
+                <a:lnTo>
+                  <a:pt x="198221" y="982940"/>
+                </a:lnTo>
+                <a:lnTo>
+                  <a:pt x="177152" y="858755"/>
+                </a:lnTo>
+                <a:lnTo>
+                  <a:pt x="155551" y="736861"/>
+                </a:lnTo>
+                <a:lnTo>
+                  <a:pt x="131782" y="613645"/>
+                </a:lnTo>
+                <a:lnTo>
+                  <a:pt x="107123" y="490500"/>
+                </a:lnTo>
+                <a:lnTo>
+                  <a:pt x="82552" y="367348"/>
+                </a:lnTo>
+                <a:lnTo>
+                  <a:pt x="55608" y="244762"/>
+                </a:lnTo>
+                <a:lnTo>
+                  <a:pt x="28130" y="122220"/>
+                </a:lnTo>
+                <a:lnTo>
+                  <a:pt x="0" y="0"/>
+                </a:lnTo>
+                <a:close/>
+              </a:path>
+            </a:pathLst>
+          </a:custGeom>
+          <a:solidFill>
+            <a:schemeClr val="tx1">
+              <a:alpha val="20000"/>
+            </a:schemeClr>
+          </a:solidFill>
+          <a:ln>
+            <a:noFill/>
+          </a:ln>
+        </p:spPr>
+        <p:txBody>
+          <a:bodyPr rtlCol="0" anchor="ctr"/>
+          <a:lstStyle/>
+          <a:p>
+            <a:pPr algn="ctr"/>
+            <a:endParaRPr lang="en-US"/>
+          </a:p>
+        </p:txBody>
+      </p:sp>
+      <p:sp>
+        <p:nvSpPr>
+          <p:cNvPr id="139" name="Freeform 5"/>
+          <p:cNvSpPr>
+            <a:spLocks noGrp="1" noRot="1" noChangeAspect="1" noMove="1" noResize="1" noEditPoints="1" noAdjustHandles="1" noChangeArrowheads="1" noChangeShapeType="1" noTextEdit="1"/>
+          </p:cNvSpPr>
+          <p:nvPr>
+            <p:extLst>
+              <p:ext uri="{386F3935-93C4-4BCD-93E2-E3B085C9AB24}">
+                <p16:designElem xmlns:p16="http://schemas.microsoft.com/office/powerpoint/2015/main" val="1"/>
+              </p:ext>
+            </p:extLst>
+          </p:nvPr>
+        </p:nvSpPr>
+        <p:spPr bwMode="gray">
+          <a:xfrm rot="16200000">
+            <a:off x="2450577" y="2756642"/>
+            <a:ext cx="6858000" cy="1344715"/>
+          </a:xfrm>
+          <a:custGeom>
+            <a:avLst/>
+            <a:gdLst/>
+            <a:ahLst/>
+            <a:cxnLst/>
+            <a:rect l="l" t="t" r="r" b="b"/>
+            <a:pathLst>
+              <a:path w="10000" h="8000">
+                <a:moveTo>
+                  <a:pt x="0" y="0"/>
+                </a:moveTo>
+                <a:lnTo>
+                  <a:pt x="0" y="7970"/>
+                </a:lnTo>
+                <a:lnTo>
+                  <a:pt x="10000" y="8000"/>
+                </a:lnTo>
+                <a:lnTo>
+                  <a:pt x="10000" y="7"/>
+                </a:lnTo>
+                <a:lnTo>
+                  <a:pt x="10000" y="7"/>
+                </a:lnTo>
+                <a:lnTo>
+                  <a:pt x="9773" y="156"/>
+                </a:lnTo>
+                <a:lnTo>
+                  <a:pt x="9547" y="298"/>
+                </a:lnTo>
+                <a:lnTo>
+                  <a:pt x="9320" y="437"/>
+                </a:lnTo>
+                <a:lnTo>
+                  <a:pt x="9092" y="556"/>
+                </a:lnTo>
+                <a:lnTo>
+                  <a:pt x="8865" y="676"/>
+                </a:lnTo>
+                <a:lnTo>
+                  <a:pt x="8637" y="788"/>
+                </a:lnTo>
+                <a:lnTo>
+                  <a:pt x="8412" y="884"/>
+                </a:lnTo>
+                <a:lnTo>
+                  <a:pt x="8184" y="975"/>
+                </a:lnTo>
+                <a:lnTo>
+                  <a:pt x="7957" y="1058"/>
+                </a:lnTo>
+                <a:lnTo>
+                  <a:pt x="7734" y="1130"/>
+                </a:lnTo>
+                <a:lnTo>
+                  <a:pt x="7508" y="1202"/>
+                </a:lnTo>
+                <a:lnTo>
+                  <a:pt x="7285" y="1262"/>
+                </a:lnTo>
+                <a:lnTo>
+                  <a:pt x="7062" y="1309"/>
+                </a:lnTo>
+                <a:lnTo>
+                  <a:pt x="6840" y="1358"/>
+                </a:lnTo>
+                <a:lnTo>
+                  <a:pt x="6620" y="1399"/>
+                </a:lnTo>
+                <a:lnTo>
+                  <a:pt x="6402" y="1428"/>
+                </a:lnTo>
+                <a:lnTo>
+                  <a:pt x="6184" y="1453"/>
+                </a:lnTo>
+                <a:lnTo>
+                  <a:pt x="5968" y="1477"/>
+                </a:lnTo>
+                <a:lnTo>
+                  <a:pt x="5755" y="1488"/>
+                </a:lnTo>
+                <a:lnTo>
+                  <a:pt x="5542" y="1500"/>
+                </a:lnTo>
+                <a:lnTo>
+                  <a:pt x="5332" y="1506"/>
+                </a:lnTo>
+                <a:lnTo>
+                  <a:pt x="5124" y="1500"/>
+                </a:lnTo>
+                <a:lnTo>
+                  <a:pt x="4918" y="1500"/>
+                </a:lnTo>
+                <a:lnTo>
+                  <a:pt x="4714" y="1488"/>
+                </a:lnTo>
+                <a:lnTo>
+                  <a:pt x="4514" y="1470"/>
+                </a:lnTo>
+                <a:lnTo>
+                  <a:pt x="4316" y="1453"/>
+                </a:lnTo>
+                <a:lnTo>
+                  <a:pt x="4122" y="1434"/>
+                </a:lnTo>
+                <a:lnTo>
+                  <a:pt x="3929" y="1405"/>
+                </a:lnTo>
+                <a:lnTo>
+                  <a:pt x="3739" y="1374"/>
+                </a:lnTo>
+                <a:lnTo>
+                  <a:pt x="3553" y="1346"/>
+                </a:lnTo>
+                <a:lnTo>
+                  <a:pt x="3190" y="1267"/>
+                </a:lnTo>
+                <a:lnTo>
+                  <a:pt x="2842" y="1183"/>
+                </a:lnTo>
+                <a:lnTo>
+                  <a:pt x="2508" y="1095"/>
+                </a:lnTo>
+                <a:lnTo>
+                  <a:pt x="2192" y="998"/>
+                </a:lnTo>
+                <a:lnTo>
+                  <a:pt x="1890" y="897"/>
+                </a:lnTo>
+                <a:lnTo>
+                  <a:pt x="1610" y="788"/>
+                </a:lnTo>
+                <a:lnTo>
+                  <a:pt x="1347" y="681"/>
+                </a:lnTo>
+                <a:lnTo>
+                  <a:pt x="1105" y="574"/>
+                </a:lnTo>
+                <a:lnTo>
+                  <a:pt x="883" y="473"/>
+                </a:lnTo>
+                <a:lnTo>
+                  <a:pt x="686" y="377"/>
+                </a:lnTo>
+                <a:lnTo>
+                  <a:pt x="508" y="286"/>
+                </a:lnTo>
+                <a:lnTo>
+                  <a:pt x="358" y="210"/>
+                </a:lnTo>
+                <a:lnTo>
+                  <a:pt x="232" y="138"/>
+                </a:lnTo>
+                <a:lnTo>
+                  <a:pt x="59" y="35"/>
+                </a:lnTo>
+                <a:lnTo>
+                  <a:pt x="0" y="0"/>
+                </a:lnTo>
+                <a:lnTo>
+                  <a:pt x="0" y="0"/>
+                </a:lnTo>
+                <a:close/>
+              </a:path>
+            </a:pathLst>
+          </a:custGeom>
+          <a:solidFill>
+            <a:srgbClr val="FFFFFF"/>
+          </a:solidFill>
+          <a:ln>
+            <a:noFill/>
+          </a:ln>
+        </p:spPr>
+      </p:sp>
+      <p:pic>
+        <p:nvPicPr>
+          <p:cNvPr id="1026" name="Picture 2" descr="Image result for mood at school"/>
+          <p:cNvPicPr>
+            <a:picLocks noChangeAspect="1" noChangeArrowheads="1"/>
+          </p:cNvPicPr>
+          <p:nvPr/>
+        </p:nvPicPr>
+        <p:blipFill rotWithShape="1">
+          <a:blip r:embed="rId2">
+            <a:extLst>
+              <a:ext uri="{28A0092B-C50C-407E-A947-70E740481C1C}">
+                <a14:useLocalDpi xmlns:a14="http://schemas.microsoft.com/office/drawing/2010/main" val="0"/>
+              </a:ext>
+            </a:extLst>
+          </a:blip>
+          <a:srcRect/>
+          <a:stretch/>
+        </p:blipFill>
+        <p:spPr bwMode="auto">
+          <a:xfrm>
+            <a:off x="6361957" y="647698"/>
+            <a:ext cx="4913958" cy="5562601"/>
+          </a:xfrm>
+          <a:prstGeom prst="rect">
+            <a:avLst/>
+          </a:prstGeom>
+          <a:noFill/>
+          <a:effectLst/>
+          <a:extLst>
+            <a:ext uri="{909E8E84-426E-40DD-AFC4-6F175D3DCCD1}">
+              <a14:hiddenFill xmlns:a14="http://schemas.microsoft.com/office/drawing/2010/main">
+                <a:solidFill>
+                  <a:srgbClr val="FFFFFF"/>
+                </a:solidFill>
+              </a14:hiddenFill>
+            </a:ext>
+          </a:extLst>
+        </p:spPr>
+      </p:pic>
+      <p:sp>
+        <p:nvSpPr>
+          <p:cNvPr id="141" name="Rectangle 140"/>
+          <p:cNvSpPr>
+            <a:spLocks noGrp="1" noRot="1" noChangeAspect="1" noMove="1" noResize="1" noEditPoints="1" noAdjustHandles="1" noChangeArrowheads="1" noChangeShapeType="1" noTextEdit="1"/>
+          </p:cNvSpPr>
+          <p:nvPr>
+            <p:extLst>
+              <p:ext uri="{386F3935-93C4-4BCD-93E2-E3B085C9AB24}">
+                <p16:designElem xmlns:p16="http://schemas.microsoft.com/office/powerpoint/2015/main" val="1"/>
+              </p:ext>
+            </p:extLst>
+          </p:nvPr>
+        </p:nvSpPr>
+        <p:spPr>
+          <a:xfrm>
+            <a:off x="10442448" y="0"/>
+            <a:ext cx="685800" cy="1143000"/>
+          </a:xfrm>
+          <a:prstGeom prst="rect">
+            <a:avLst/>
+          </a:prstGeom>
+          <a:solidFill>
+            <a:schemeClr val="accent1"/>
+          </a:solidFill>
+          <a:ln>
+            <a:noFill/>
+          </a:ln>
+        </p:spPr>
+        <p:style>
+          <a:lnRef idx="1">
+            <a:schemeClr val="accent1"/>
+          </a:lnRef>
+          <a:fillRef idx="3">
+            <a:schemeClr val="accent1"/>
+          </a:fillRef>
+          <a:effectRef idx="2">
+            <a:schemeClr val="accent1"/>
+          </a:effectRef>
+          <a:fontRef idx="minor">
+            <a:schemeClr val="lt1"/>
+          </a:fontRef>
+        </p:style>
+      </p:sp>
+      <p:sp>
+        <p:nvSpPr>
           <p:cNvPr id="2" name="Title 1"/>
           <p:cNvSpPr>
             <a:spLocks noGrp="1"/>
@@ -6273,9 +8363,16 @@
             <p:ph type="title"/>
           </p:nvPr>
         </p:nvSpPr>
-        <p:spPr/>
-        <p:txBody>
-          <a:bodyPr/>
+        <p:spPr>
+          <a:xfrm>
+            <a:off x="648931" y="629266"/>
+            <a:ext cx="4166510" cy="1622321"/>
+          </a:xfrm>
+        </p:spPr>
+        <p:txBody>
+          <a:bodyPr>
+            <a:normAutofit/>
+          </a:bodyPr>
           <a:lstStyle/>
           <a:p>
             <a:r>
@@ -6316,9 +8413,16 @@
             <p:ph idx="1"/>
           </p:nvPr>
         </p:nvSpPr>
-        <p:spPr/>
-        <p:txBody>
-          <a:bodyPr/>
+        <p:spPr>
+          <a:xfrm>
+            <a:off x="648931" y="2438400"/>
+            <a:ext cx="4166509" cy="3785419"/>
+          </a:xfrm>
+        </p:spPr>
+        <p:txBody>
+          <a:bodyPr>
+            <a:normAutofit/>
+          </a:bodyPr>
           <a:lstStyle/>
           <a:p>
             <a:r>
@@ -6378,6 +8482,679 @@
       </p:grpSpPr>
       <p:sp>
         <p:nvSpPr>
+          <p:cNvPr id="71" name="Rectangle 70"/>
+          <p:cNvSpPr>
+            <a:spLocks noGrp="1" noRot="1" noChangeAspect="1" noMove="1" noResize="1" noEditPoints="1" noAdjustHandles="1" noChangeArrowheads="1" noChangeShapeType="1" noTextEdit="1"/>
+          </p:cNvSpPr>
+          <p:nvPr>
+            <p:extLst>
+              <p:ext uri="{386F3935-93C4-4BCD-93E2-E3B085C9AB24}">
+                <p16:designElem xmlns:p16="http://schemas.microsoft.com/office/powerpoint/2015/main" val="1"/>
+              </p:ext>
+            </p:extLst>
+          </p:nvPr>
+        </p:nvSpPr>
+        <p:spPr>
+          <a:xfrm>
+            <a:off x="6093992" y="0"/>
+            <a:ext cx="6098427" cy="6858000"/>
+          </a:xfrm>
+          <a:prstGeom prst="rect">
+            <a:avLst/>
+          </a:prstGeom>
+          <a:solidFill>
+            <a:srgbClr val="FFFFFF"/>
+          </a:solidFill>
+          <a:ln>
+            <a:noFill/>
+          </a:ln>
+        </p:spPr>
+        <p:style>
+          <a:lnRef idx="2">
+            <a:schemeClr val="accent1">
+              <a:shade val="50000"/>
+            </a:schemeClr>
+          </a:lnRef>
+          <a:fillRef idx="1">
+            <a:schemeClr val="accent1"/>
+          </a:fillRef>
+          <a:effectRef idx="0">
+            <a:schemeClr val="accent1"/>
+          </a:effectRef>
+          <a:fontRef idx="minor">
+            <a:schemeClr val="lt1"/>
+          </a:fontRef>
+        </p:style>
+        <p:txBody>
+          <a:bodyPr rtlCol="0" anchor="ctr"/>
+          <a:lstStyle/>
+          <a:p>
+            <a:pPr algn="ctr"/>
+            <a:endParaRPr lang="en-US"/>
+          </a:p>
+        </p:txBody>
+      </p:sp>
+      <p:sp>
+        <p:nvSpPr>
+          <p:cNvPr id="73" name="Freeform 31"/>
+          <p:cNvSpPr>
+            <a:spLocks noGrp="1" noRot="1" noChangeAspect="1" noMove="1" noResize="1" noEditPoints="1" noAdjustHandles="1" noChangeArrowheads="1" noChangeShapeType="1" noTextEdit="1"/>
+          </p:cNvSpPr>
+          <p:nvPr>
+            <p:extLst>
+              <p:ext uri="{386F3935-93C4-4BCD-93E2-E3B085C9AB24}">
+                <p16:designElem xmlns:p16="http://schemas.microsoft.com/office/powerpoint/2015/main" val="1"/>
+              </p:ext>
+            </p:extLst>
+          </p:nvPr>
+        </p:nvSpPr>
+        <p:spPr>
+          <a:xfrm>
+            <a:off x="4994020" y="-1"/>
+            <a:ext cx="559472" cy="3709642"/>
+          </a:xfrm>
+          <a:custGeom>
+            <a:avLst/>
+            <a:gdLst>
+              <a:gd name="connsiteX0" fmla="*/ 0 w 559472"/>
+              <a:gd name="connsiteY0" fmla="*/ 0 h 3709642"/>
+              <a:gd name="connsiteX1" fmla="*/ 473952 w 559472"/>
+              <a:gd name="connsiteY1" fmla="*/ 0 h 3709642"/>
+              <a:gd name="connsiteX2" fmla="*/ 485840 w 559472"/>
+              <a:gd name="connsiteY2" fmla="*/ 161194 h 3709642"/>
+              <a:gd name="connsiteX3" fmla="*/ 523949 w 559472"/>
+              <a:gd name="connsiteY3" fmla="*/ 3672197 h 3709642"/>
+              <a:gd name="connsiteX4" fmla="*/ 454748 w 559472"/>
+              <a:gd name="connsiteY4" fmla="*/ 3709642 h 3709642"/>
+              <a:gd name="connsiteX5" fmla="*/ 448224 w 559472"/>
+              <a:gd name="connsiteY5" fmla="*/ 3510471 h 3709642"/>
+              <a:gd name="connsiteX6" fmla="*/ 443564 w 559472"/>
+              <a:gd name="connsiteY6" fmla="*/ 3408563 h 3709642"/>
+              <a:gd name="connsiteX7" fmla="*/ 438902 w 559472"/>
+              <a:gd name="connsiteY7" fmla="*/ 3304407 h 3709642"/>
+              <a:gd name="connsiteX8" fmla="*/ 433941 w 559472"/>
+              <a:gd name="connsiteY8" fmla="*/ 3198777 h 3709642"/>
+              <a:gd name="connsiteX9" fmla="*/ 427584 w 559472"/>
+              <a:gd name="connsiteY9" fmla="*/ 3092510 h 3709642"/>
+              <a:gd name="connsiteX10" fmla="*/ 420988 w 559472"/>
+              <a:gd name="connsiteY10" fmla="*/ 2984390 h 3709642"/>
+              <a:gd name="connsiteX11" fmla="*/ 414330 w 559472"/>
+              <a:gd name="connsiteY11" fmla="*/ 2874401 h 3709642"/>
+              <a:gd name="connsiteX12" fmla="*/ 406840 w 559472"/>
+              <a:gd name="connsiteY12" fmla="*/ 2762980 h 3709642"/>
+              <a:gd name="connsiteX13" fmla="*/ 397745 w 559472"/>
+              <a:gd name="connsiteY13" fmla="*/ 2650566 h 3709642"/>
+              <a:gd name="connsiteX14" fmla="*/ 389154 w 559472"/>
+              <a:gd name="connsiteY14" fmla="*/ 2536612 h 3709642"/>
+              <a:gd name="connsiteX15" fmla="*/ 379225 w 559472"/>
+              <a:gd name="connsiteY15" fmla="*/ 2421642 h 3709642"/>
+              <a:gd name="connsiteX16" fmla="*/ 368316 w 559472"/>
+              <a:gd name="connsiteY16" fmla="*/ 2305627 h 3709642"/>
+              <a:gd name="connsiteX17" fmla="*/ 357466 w 559472"/>
+              <a:gd name="connsiteY17" fmla="*/ 2189233 h 3709642"/>
+              <a:gd name="connsiteX18" fmla="*/ 344982 w 559472"/>
+              <a:gd name="connsiteY18" fmla="*/ 2071473 h 3709642"/>
+              <a:gd name="connsiteX19" fmla="*/ 332466 w 559472"/>
+              <a:gd name="connsiteY19" fmla="*/ 1952216 h 3709642"/>
+              <a:gd name="connsiteX20" fmla="*/ 319121 w 559472"/>
+              <a:gd name="connsiteY20" fmla="*/ 1833776 h 3709642"/>
+              <a:gd name="connsiteX21" fmla="*/ 304408 w 559472"/>
+              <a:gd name="connsiteY21" fmla="*/ 1713948 h 3709642"/>
+              <a:gd name="connsiteX22" fmla="*/ 288685 w 559472"/>
+              <a:gd name="connsiteY22" fmla="*/ 1592703 h 3709642"/>
+              <a:gd name="connsiteX23" fmla="*/ 273050 w 559472"/>
+              <a:gd name="connsiteY23" fmla="*/ 1471451 h 3709642"/>
+              <a:gd name="connsiteX24" fmla="*/ 255813 w 559472"/>
+              <a:gd name="connsiteY24" fmla="*/ 1350328 h 3709642"/>
+              <a:gd name="connsiteX25" fmla="*/ 237060 w 559472"/>
+              <a:gd name="connsiteY25" fmla="*/ 1227080 h 3709642"/>
+              <a:gd name="connsiteX26" fmla="*/ 218488 w 559472"/>
+              <a:gd name="connsiteY26" fmla="*/ 1106065 h 3709642"/>
+              <a:gd name="connsiteX27" fmla="*/ 198221 w 559472"/>
+              <a:gd name="connsiteY27" fmla="*/ 982940 h 3709642"/>
+              <a:gd name="connsiteX28" fmla="*/ 177152 w 559472"/>
+              <a:gd name="connsiteY28" fmla="*/ 858755 h 3709642"/>
+              <a:gd name="connsiteX29" fmla="*/ 155551 w 559472"/>
+              <a:gd name="connsiteY29" fmla="*/ 736861 h 3709642"/>
+              <a:gd name="connsiteX30" fmla="*/ 131782 w 559472"/>
+              <a:gd name="connsiteY30" fmla="*/ 613645 h 3709642"/>
+              <a:gd name="connsiteX31" fmla="*/ 107123 w 559472"/>
+              <a:gd name="connsiteY31" fmla="*/ 490500 h 3709642"/>
+              <a:gd name="connsiteX32" fmla="*/ 82552 w 559472"/>
+              <a:gd name="connsiteY32" fmla="*/ 367348 h 3709642"/>
+              <a:gd name="connsiteX33" fmla="*/ 55608 w 559472"/>
+              <a:gd name="connsiteY33" fmla="*/ 244762 h 3709642"/>
+              <a:gd name="connsiteX34" fmla="*/ 28130 w 559472"/>
+              <a:gd name="connsiteY34" fmla="*/ 122220 h 3709642"/>
+              <a:gd name="connsiteX35" fmla="*/ 0 w 559472"/>
+              <a:gd name="connsiteY35" fmla="*/ 0 h 3709642"/>
+            </a:gdLst>
+            <a:ahLst/>
+            <a:cxnLst>
+              <a:cxn ang="0">
+                <a:pos x="connsiteX0" y="connsiteY0"/>
+              </a:cxn>
+              <a:cxn ang="0">
+                <a:pos x="connsiteX1" y="connsiteY1"/>
+              </a:cxn>
+              <a:cxn ang="0">
+                <a:pos x="connsiteX2" y="connsiteY2"/>
+              </a:cxn>
+              <a:cxn ang="0">
+                <a:pos x="connsiteX3" y="connsiteY3"/>
+              </a:cxn>
+              <a:cxn ang="0">
+                <a:pos x="connsiteX4" y="connsiteY4"/>
+              </a:cxn>
+              <a:cxn ang="0">
+                <a:pos x="connsiteX5" y="connsiteY5"/>
+              </a:cxn>
+              <a:cxn ang="0">
+                <a:pos x="connsiteX6" y="connsiteY6"/>
+              </a:cxn>
+              <a:cxn ang="0">
+                <a:pos x="connsiteX7" y="connsiteY7"/>
+              </a:cxn>
+              <a:cxn ang="0">
+                <a:pos x="connsiteX8" y="connsiteY8"/>
+              </a:cxn>
+              <a:cxn ang="0">
+                <a:pos x="connsiteX9" y="connsiteY9"/>
+              </a:cxn>
+              <a:cxn ang="0">
+                <a:pos x="connsiteX10" y="connsiteY10"/>
+              </a:cxn>
+              <a:cxn ang="0">
+                <a:pos x="connsiteX11" y="connsiteY11"/>
+              </a:cxn>
+              <a:cxn ang="0">
+                <a:pos x="connsiteX12" y="connsiteY12"/>
+              </a:cxn>
+              <a:cxn ang="0">
+                <a:pos x="connsiteX13" y="connsiteY13"/>
+              </a:cxn>
+              <a:cxn ang="0">
+                <a:pos x="connsiteX14" y="connsiteY14"/>
+              </a:cxn>
+              <a:cxn ang="0">
+                <a:pos x="connsiteX15" y="connsiteY15"/>
+              </a:cxn>
+              <a:cxn ang="0">
+                <a:pos x="connsiteX16" y="connsiteY16"/>
+              </a:cxn>
+              <a:cxn ang="0">
+                <a:pos x="connsiteX17" y="connsiteY17"/>
+              </a:cxn>
+              <a:cxn ang="0">
+                <a:pos x="connsiteX18" y="connsiteY18"/>
+              </a:cxn>
+              <a:cxn ang="0">
+                <a:pos x="connsiteX19" y="connsiteY19"/>
+              </a:cxn>
+              <a:cxn ang="0">
+                <a:pos x="connsiteX20" y="connsiteY20"/>
+              </a:cxn>
+              <a:cxn ang="0">
+                <a:pos x="connsiteX21" y="connsiteY21"/>
+              </a:cxn>
+              <a:cxn ang="0">
+                <a:pos x="connsiteX22" y="connsiteY22"/>
+              </a:cxn>
+              <a:cxn ang="0">
+                <a:pos x="connsiteX23" y="connsiteY23"/>
+              </a:cxn>
+              <a:cxn ang="0">
+                <a:pos x="connsiteX24" y="connsiteY24"/>
+              </a:cxn>
+              <a:cxn ang="0">
+                <a:pos x="connsiteX25" y="connsiteY25"/>
+              </a:cxn>
+              <a:cxn ang="0">
+                <a:pos x="connsiteX26" y="connsiteY26"/>
+              </a:cxn>
+              <a:cxn ang="0">
+                <a:pos x="connsiteX27" y="connsiteY27"/>
+              </a:cxn>
+              <a:cxn ang="0">
+                <a:pos x="connsiteX28" y="connsiteY28"/>
+              </a:cxn>
+              <a:cxn ang="0">
+                <a:pos x="connsiteX29" y="connsiteY29"/>
+              </a:cxn>
+              <a:cxn ang="0">
+                <a:pos x="connsiteX30" y="connsiteY30"/>
+              </a:cxn>
+              <a:cxn ang="0">
+                <a:pos x="connsiteX31" y="connsiteY31"/>
+              </a:cxn>
+              <a:cxn ang="0">
+                <a:pos x="connsiteX32" y="connsiteY32"/>
+              </a:cxn>
+              <a:cxn ang="0">
+                <a:pos x="connsiteX33" y="connsiteY33"/>
+              </a:cxn>
+              <a:cxn ang="0">
+                <a:pos x="connsiteX34" y="connsiteY34"/>
+              </a:cxn>
+              <a:cxn ang="0">
+                <a:pos x="connsiteX35" y="connsiteY35"/>
+              </a:cxn>
+            </a:cxnLst>
+            <a:rect l="l" t="t" r="r" b="b"/>
+            <a:pathLst>
+              <a:path w="559472" h="3709642">
+                <a:moveTo>
+                  <a:pt x="0" y="0"/>
+                </a:moveTo>
+                <a:lnTo>
+                  <a:pt x="473952" y="0"/>
+                </a:lnTo>
+                <a:lnTo>
+                  <a:pt x="485840" y="161194"/>
+                </a:lnTo>
+                <a:cubicBezTo>
+                  <a:pt x="552063" y="1147770"/>
+                  <a:pt x="592441" y="3086737"/>
+                  <a:pt x="523949" y="3672197"/>
+                </a:cubicBezTo>
+                <a:cubicBezTo>
+                  <a:pt x="500842" y="3684557"/>
+                  <a:pt x="477855" y="3697282"/>
+                  <a:pt x="454748" y="3709642"/>
+                </a:cubicBezTo>
+                <a:lnTo>
+                  <a:pt x="448224" y="3510471"/>
+                </a:lnTo>
+                <a:lnTo>
+                  <a:pt x="443564" y="3408563"/>
+                </a:lnTo>
+                <a:lnTo>
+                  <a:pt x="438902" y="3304407"/>
+                </a:lnTo>
+                <a:lnTo>
+                  <a:pt x="433941" y="3198777"/>
+                </a:lnTo>
+                <a:lnTo>
+                  <a:pt x="427584" y="3092510"/>
+                </a:lnTo>
+                <a:lnTo>
+                  <a:pt x="420988" y="2984390"/>
+                </a:lnTo>
+                <a:lnTo>
+                  <a:pt x="414330" y="2874401"/>
+                </a:lnTo>
+                <a:lnTo>
+                  <a:pt x="406840" y="2762980"/>
+                </a:lnTo>
+                <a:lnTo>
+                  <a:pt x="397745" y="2650566"/>
+                </a:lnTo>
+                <a:lnTo>
+                  <a:pt x="389154" y="2536612"/>
+                </a:lnTo>
+                <a:lnTo>
+                  <a:pt x="379225" y="2421642"/>
+                </a:lnTo>
+                <a:lnTo>
+                  <a:pt x="368316" y="2305627"/>
+                </a:lnTo>
+                <a:lnTo>
+                  <a:pt x="357466" y="2189233"/>
+                </a:lnTo>
+                <a:lnTo>
+                  <a:pt x="344982" y="2071473"/>
+                </a:lnTo>
+                <a:lnTo>
+                  <a:pt x="332466" y="1952216"/>
+                </a:lnTo>
+                <a:lnTo>
+                  <a:pt x="319121" y="1833776"/>
+                </a:lnTo>
+                <a:lnTo>
+                  <a:pt x="304408" y="1713948"/>
+                </a:lnTo>
+                <a:lnTo>
+                  <a:pt x="288685" y="1592703"/>
+                </a:lnTo>
+                <a:lnTo>
+                  <a:pt x="273050" y="1471451"/>
+                </a:lnTo>
+                <a:lnTo>
+                  <a:pt x="255813" y="1350328"/>
+                </a:lnTo>
+                <a:lnTo>
+                  <a:pt x="237060" y="1227080"/>
+                </a:lnTo>
+                <a:lnTo>
+                  <a:pt x="218488" y="1106065"/>
+                </a:lnTo>
+                <a:lnTo>
+                  <a:pt x="198221" y="982940"/>
+                </a:lnTo>
+                <a:lnTo>
+                  <a:pt x="177152" y="858755"/>
+                </a:lnTo>
+                <a:lnTo>
+                  <a:pt x="155551" y="736861"/>
+                </a:lnTo>
+                <a:lnTo>
+                  <a:pt x="131782" y="613645"/>
+                </a:lnTo>
+                <a:lnTo>
+                  <a:pt x="107123" y="490500"/>
+                </a:lnTo>
+                <a:lnTo>
+                  <a:pt x="82552" y="367348"/>
+                </a:lnTo>
+                <a:lnTo>
+                  <a:pt x="55608" y="244762"/>
+                </a:lnTo>
+                <a:lnTo>
+                  <a:pt x="28130" y="122220"/>
+                </a:lnTo>
+                <a:lnTo>
+                  <a:pt x="0" y="0"/>
+                </a:lnTo>
+                <a:close/>
+              </a:path>
+            </a:pathLst>
+          </a:custGeom>
+          <a:solidFill>
+            <a:schemeClr val="tx1">
+              <a:alpha val="20000"/>
+            </a:schemeClr>
+          </a:solidFill>
+          <a:ln>
+            <a:noFill/>
+          </a:ln>
+        </p:spPr>
+        <p:txBody>
+          <a:bodyPr rtlCol="0" anchor="ctr"/>
+          <a:lstStyle/>
+          <a:p>
+            <a:pPr algn="ctr"/>
+            <a:endParaRPr lang="en-US"/>
+          </a:p>
+        </p:txBody>
+      </p:sp>
+      <p:sp>
+        <p:nvSpPr>
+          <p:cNvPr id="75" name="Freeform 5"/>
+          <p:cNvSpPr>
+            <a:spLocks noGrp="1" noRot="1" noChangeAspect="1" noMove="1" noResize="1" noEditPoints="1" noAdjustHandles="1" noChangeArrowheads="1" noChangeShapeType="1" noTextEdit="1"/>
+          </p:cNvSpPr>
+          <p:nvPr>
+            <p:extLst>
+              <p:ext uri="{386F3935-93C4-4BCD-93E2-E3B085C9AB24}">
+                <p16:designElem xmlns:p16="http://schemas.microsoft.com/office/powerpoint/2015/main" val="1"/>
+              </p:ext>
+            </p:extLst>
+          </p:nvPr>
+        </p:nvSpPr>
+        <p:spPr bwMode="gray">
+          <a:xfrm rot="16200000">
+            <a:off x="2450577" y="2756642"/>
+            <a:ext cx="6858000" cy="1344715"/>
+          </a:xfrm>
+          <a:custGeom>
+            <a:avLst/>
+            <a:gdLst/>
+            <a:ahLst/>
+            <a:cxnLst/>
+            <a:rect l="l" t="t" r="r" b="b"/>
+            <a:pathLst>
+              <a:path w="10000" h="8000">
+                <a:moveTo>
+                  <a:pt x="0" y="0"/>
+                </a:moveTo>
+                <a:lnTo>
+                  <a:pt x="0" y="7970"/>
+                </a:lnTo>
+                <a:lnTo>
+                  <a:pt x="10000" y="8000"/>
+                </a:lnTo>
+                <a:lnTo>
+                  <a:pt x="10000" y="7"/>
+                </a:lnTo>
+                <a:lnTo>
+                  <a:pt x="10000" y="7"/>
+                </a:lnTo>
+                <a:lnTo>
+                  <a:pt x="9773" y="156"/>
+                </a:lnTo>
+                <a:lnTo>
+                  <a:pt x="9547" y="298"/>
+                </a:lnTo>
+                <a:lnTo>
+                  <a:pt x="9320" y="437"/>
+                </a:lnTo>
+                <a:lnTo>
+                  <a:pt x="9092" y="556"/>
+                </a:lnTo>
+                <a:lnTo>
+                  <a:pt x="8865" y="676"/>
+                </a:lnTo>
+                <a:lnTo>
+                  <a:pt x="8637" y="788"/>
+                </a:lnTo>
+                <a:lnTo>
+                  <a:pt x="8412" y="884"/>
+                </a:lnTo>
+                <a:lnTo>
+                  <a:pt x="8184" y="975"/>
+                </a:lnTo>
+                <a:lnTo>
+                  <a:pt x="7957" y="1058"/>
+                </a:lnTo>
+                <a:lnTo>
+                  <a:pt x="7734" y="1130"/>
+                </a:lnTo>
+                <a:lnTo>
+                  <a:pt x="7508" y="1202"/>
+                </a:lnTo>
+                <a:lnTo>
+                  <a:pt x="7285" y="1262"/>
+                </a:lnTo>
+                <a:lnTo>
+                  <a:pt x="7062" y="1309"/>
+                </a:lnTo>
+                <a:lnTo>
+                  <a:pt x="6840" y="1358"/>
+                </a:lnTo>
+                <a:lnTo>
+                  <a:pt x="6620" y="1399"/>
+                </a:lnTo>
+                <a:lnTo>
+                  <a:pt x="6402" y="1428"/>
+                </a:lnTo>
+                <a:lnTo>
+                  <a:pt x="6184" y="1453"/>
+                </a:lnTo>
+                <a:lnTo>
+                  <a:pt x="5968" y="1477"/>
+                </a:lnTo>
+                <a:lnTo>
+                  <a:pt x="5755" y="1488"/>
+                </a:lnTo>
+                <a:lnTo>
+                  <a:pt x="5542" y="1500"/>
+                </a:lnTo>
+                <a:lnTo>
+                  <a:pt x="5332" y="1506"/>
+                </a:lnTo>
+                <a:lnTo>
+                  <a:pt x="5124" y="1500"/>
+                </a:lnTo>
+                <a:lnTo>
+                  <a:pt x="4918" y="1500"/>
+                </a:lnTo>
+                <a:lnTo>
+                  <a:pt x="4714" y="1488"/>
+                </a:lnTo>
+                <a:lnTo>
+                  <a:pt x="4514" y="1470"/>
+                </a:lnTo>
+                <a:lnTo>
+                  <a:pt x="4316" y="1453"/>
+                </a:lnTo>
+                <a:lnTo>
+                  <a:pt x="4122" y="1434"/>
+                </a:lnTo>
+                <a:lnTo>
+                  <a:pt x="3929" y="1405"/>
+                </a:lnTo>
+                <a:lnTo>
+                  <a:pt x="3739" y="1374"/>
+                </a:lnTo>
+                <a:lnTo>
+                  <a:pt x="3553" y="1346"/>
+                </a:lnTo>
+                <a:lnTo>
+                  <a:pt x="3190" y="1267"/>
+                </a:lnTo>
+                <a:lnTo>
+                  <a:pt x="2842" y="1183"/>
+                </a:lnTo>
+                <a:lnTo>
+                  <a:pt x="2508" y="1095"/>
+                </a:lnTo>
+                <a:lnTo>
+                  <a:pt x="2192" y="998"/>
+                </a:lnTo>
+                <a:lnTo>
+                  <a:pt x="1890" y="897"/>
+                </a:lnTo>
+                <a:lnTo>
+                  <a:pt x="1610" y="788"/>
+                </a:lnTo>
+                <a:lnTo>
+                  <a:pt x="1347" y="681"/>
+                </a:lnTo>
+                <a:lnTo>
+                  <a:pt x="1105" y="574"/>
+                </a:lnTo>
+                <a:lnTo>
+                  <a:pt x="883" y="473"/>
+                </a:lnTo>
+                <a:lnTo>
+                  <a:pt x="686" y="377"/>
+                </a:lnTo>
+                <a:lnTo>
+                  <a:pt x="508" y="286"/>
+                </a:lnTo>
+                <a:lnTo>
+                  <a:pt x="358" y="210"/>
+                </a:lnTo>
+                <a:lnTo>
+                  <a:pt x="232" y="138"/>
+                </a:lnTo>
+                <a:lnTo>
+                  <a:pt x="59" y="35"/>
+                </a:lnTo>
+                <a:lnTo>
+                  <a:pt x="0" y="0"/>
+                </a:lnTo>
+                <a:lnTo>
+                  <a:pt x="0" y="0"/>
+                </a:lnTo>
+                <a:close/>
+              </a:path>
+            </a:pathLst>
+          </a:custGeom>
+          <a:solidFill>
+            <a:srgbClr val="FFFFFF"/>
+          </a:solidFill>
+          <a:ln>
+            <a:noFill/>
+          </a:ln>
+        </p:spPr>
+      </p:sp>
+      <p:pic>
+        <p:nvPicPr>
+          <p:cNvPr id="2050" name="Picture 2" descr="Image result for graph of mobile apps growth"/>
+          <p:cNvPicPr>
+            <a:picLocks noChangeAspect="1" noChangeArrowheads="1"/>
+          </p:cNvPicPr>
+          <p:nvPr/>
+        </p:nvPicPr>
+        <p:blipFill rotWithShape="1">
+          <a:blip r:embed="rId2">
+            <a:extLst>
+              <a:ext uri="{28A0092B-C50C-407E-A947-70E740481C1C}">
+                <a14:useLocalDpi xmlns:a14="http://schemas.microsoft.com/office/drawing/2010/main" val="0"/>
+              </a:ext>
+            </a:extLst>
+          </a:blip>
+          <a:srcRect/>
+          <a:stretch/>
+        </p:blipFill>
+        <p:spPr bwMode="auto">
+          <a:xfrm>
+            <a:off x="6093992" y="1439789"/>
+            <a:ext cx="5449889" cy="3978418"/>
+          </a:xfrm>
+          <a:prstGeom prst="rect">
+            <a:avLst/>
+          </a:prstGeom>
+          <a:noFill/>
+          <a:effectLst/>
+          <a:extLst>
+            <a:ext uri="{909E8E84-426E-40DD-AFC4-6F175D3DCCD1}">
+              <a14:hiddenFill xmlns:a14="http://schemas.microsoft.com/office/drawing/2010/main">
+                <a:solidFill>
+                  <a:srgbClr val="FFFFFF"/>
+                </a:solidFill>
+              </a14:hiddenFill>
+            </a:ext>
+          </a:extLst>
+        </p:spPr>
+      </p:pic>
+      <p:sp>
+        <p:nvSpPr>
+          <p:cNvPr id="77" name="Rectangle 76"/>
+          <p:cNvSpPr>
+            <a:spLocks noGrp="1" noRot="1" noChangeAspect="1" noMove="1" noResize="1" noEditPoints="1" noAdjustHandles="1" noChangeArrowheads="1" noChangeShapeType="1" noTextEdit="1"/>
+          </p:cNvSpPr>
+          <p:nvPr>
+            <p:extLst>
+              <p:ext uri="{386F3935-93C4-4BCD-93E2-E3B085C9AB24}">
+                <p16:designElem xmlns:p16="http://schemas.microsoft.com/office/powerpoint/2015/main" val="1"/>
+              </p:ext>
+            </p:extLst>
+          </p:nvPr>
+        </p:nvSpPr>
+        <p:spPr>
+          <a:xfrm>
+            <a:off x="10442448" y="0"/>
+            <a:ext cx="685800" cy="1143000"/>
+          </a:xfrm>
+          <a:prstGeom prst="rect">
+            <a:avLst/>
+          </a:prstGeom>
+          <a:solidFill>
+            <a:schemeClr val="accent1"/>
+          </a:solidFill>
+          <a:ln>
+            <a:noFill/>
+          </a:ln>
+        </p:spPr>
+        <p:style>
+          <a:lnRef idx="1">
+            <a:schemeClr val="accent1"/>
+          </a:lnRef>
+          <a:fillRef idx="3">
+            <a:schemeClr val="accent1"/>
+          </a:fillRef>
+          <a:effectRef idx="2">
+            <a:schemeClr val="accent1"/>
+          </a:effectRef>
+          <a:fontRef idx="minor">
+            <a:schemeClr val="lt1"/>
+          </a:fontRef>
+        </p:style>
+      </p:sp>
+      <p:sp>
+        <p:nvSpPr>
           <p:cNvPr id="2" name="Title 1"/>
           <p:cNvSpPr>
             <a:spLocks noGrp="1"/>
@@ -6386,9 +9163,16 @@
             <p:ph type="title"/>
           </p:nvPr>
         </p:nvSpPr>
-        <p:spPr/>
-        <p:txBody>
-          <a:bodyPr/>
+        <p:spPr>
+          <a:xfrm>
+            <a:off x="648931" y="629266"/>
+            <a:ext cx="4166510" cy="1622321"/>
+          </a:xfrm>
+        </p:spPr>
+        <p:txBody>
+          <a:bodyPr>
+            <a:normAutofit/>
+          </a:bodyPr>
           <a:lstStyle/>
           <a:p>
             <a:r>
@@ -6408,9 +9192,16 @@
             <p:ph idx="1"/>
           </p:nvPr>
         </p:nvSpPr>
-        <p:spPr/>
-        <p:txBody>
-          <a:bodyPr/>
+        <p:spPr>
+          <a:xfrm>
+            <a:off x="648931" y="2438400"/>
+            <a:ext cx="4166509" cy="3785419"/>
+          </a:xfrm>
+        </p:spPr>
+        <p:txBody>
+          <a:bodyPr>
+            <a:normAutofit/>
+          </a:bodyPr>
           <a:lstStyle/>
           <a:p>
             <a:r>
@@ -6589,6 +9380,679 @@
       </p:grpSpPr>
       <p:sp>
         <p:nvSpPr>
+          <p:cNvPr id="75" name="Rectangle 74"/>
+          <p:cNvSpPr>
+            <a:spLocks noGrp="1" noRot="1" noChangeAspect="1" noMove="1" noResize="1" noEditPoints="1" noAdjustHandles="1" noChangeArrowheads="1" noChangeShapeType="1" noTextEdit="1"/>
+          </p:cNvSpPr>
+          <p:nvPr>
+            <p:extLst>
+              <p:ext uri="{386F3935-93C4-4BCD-93E2-E3B085C9AB24}">
+                <p16:designElem xmlns:p16="http://schemas.microsoft.com/office/powerpoint/2015/main" val="1"/>
+              </p:ext>
+            </p:extLst>
+          </p:nvPr>
+        </p:nvSpPr>
+        <p:spPr>
+          <a:xfrm>
+            <a:off x="7554139" y="0"/>
+            <a:ext cx="4638280" cy="6858000"/>
+          </a:xfrm>
+          <a:prstGeom prst="rect">
+            <a:avLst/>
+          </a:prstGeom>
+          <a:solidFill>
+            <a:srgbClr val="FFFFFF"/>
+          </a:solidFill>
+          <a:ln>
+            <a:noFill/>
+          </a:ln>
+        </p:spPr>
+        <p:style>
+          <a:lnRef idx="2">
+            <a:schemeClr val="accent1">
+              <a:shade val="50000"/>
+            </a:schemeClr>
+          </a:lnRef>
+          <a:fillRef idx="1">
+            <a:schemeClr val="accent1"/>
+          </a:fillRef>
+          <a:effectRef idx="0">
+            <a:schemeClr val="accent1"/>
+          </a:effectRef>
+          <a:fontRef idx="minor">
+            <a:schemeClr val="lt1"/>
+          </a:fontRef>
+        </p:style>
+        <p:txBody>
+          <a:bodyPr rtlCol="0" anchor="ctr"/>
+          <a:lstStyle/>
+          <a:p>
+            <a:pPr algn="ctr"/>
+            <a:endParaRPr lang="en-US"/>
+          </a:p>
+        </p:txBody>
+      </p:sp>
+      <p:sp>
+        <p:nvSpPr>
+          <p:cNvPr id="77" name="Freeform 31"/>
+          <p:cNvSpPr>
+            <a:spLocks noGrp="1" noRot="1" noChangeAspect="1" noMove="1" noResize="1" noEditPoints="1" noAdjustHandles="1" noChangeArrowheads="1" noChangeShapeType="1" noTextEdit="1"/>
+          </p:cNvSpPr>
+          <p:nvPr>
+            <p:extLst>
+              <p:ext uri="{386F3935-93C4-4BCD-93E2-E3B085C9AB24}">
+                <p16:designElem xmlns:p16="http://schemas.microsoft.com/office/powerpoint/2015/main" val="1"/>
+              </p:ext>
+            </p:extLst>
+          </p:nvPr>
+        </p:nvSpPr>
+        <p:spPr>
+          <a:xfrm>
+            <a:off x="6449843" y="-1"/>
+            <a:ext cx="559472" cy="3709642"/>
+          </a:xfrm>
+          <a:custGeom>
+            <a:avLst/>
+            <a:gdLst>
+              <a:gd name="connsiteX0" fmla="*/ 0 w 559472"/>
+              <a:gd name="connsiteY0" fmla="*/ 0 h 3709642"/>
+              <a:gd name="connsiteX1" fmla="*/ 473952 w 559472"/>
+              <a:gd name="connsiteY1" fmla="*/ 0 h 3709642"/>
+              <a:gd name="connsiteX2" fmla="*/ 485840 w 559472"/>
+              <a:gd name="connsiteY2" fmla="*/ 161194 h 3709642"/>
+              <a:gd name="connsiteX3" fmla="*/ 523949 w 559472"/>
+              <a:gd name="connsiteY3" fmla="*/ 3672197 h 3709642"/>
+              <a:gd name="connsiteX4" fmla="*/ 454748 w 559472"/>
+              <a:gd name="connsiteY4" fmla="*/ 3709642 h 3709642"/>
+              <a:gd name="connsiteX5" fmla="*/ 448224 w 559472"/>
+              <a:gd name="connsiteY5" fmla="*/ 3510471 h 3709642"/>
+              <a:gd name="connsiteX6" fmla="*/ 443564 w 559472"/>
+              <a:gd name="connsiteY6" fmla="*/ 3408563 h 3709642"/>
+              <a:gd name="connsiteX7" fmla="*/ 438902 w 559472"/>
+              <a:gd name="connsiteY7" fmla="*/ 3304407 h 3709642"/>
+              <a:gd name="connsiteX8" fmla="*/ 433941 w 559472"/>
+              <a:gd name="connsiteY8" fmla="*/ 3198777 h 3709642"/>
+              <a:gd name="connsiteX9" fmla="*/ 427584 w 559472"/>
+              <a:gd name="connsiteY9" fmla="*/ 3092510 h 3709642"/>
+              <a:gd name="connsiteX10" fmla="*/ 420988 w 559472"/>
+              <a:gd name="connsiteY10" fmla="*/ 2984390 h 3709642"/>
+              <a:gd name="connsiteX11" fmla="*/ 414330 w 559472"/>
+              <a:gd name="connsiteY11" fmla="*/ 2874401 h 3709642"/>
+              <a:gd name="connsiteX12" fmla="*/ 406840 w 559472"/>
+              <a:gd name="connsiteY12" fmla="*/ 2762980 h 3709642"/>
+              <a:gd name="connsiteX13" fmla="*/ 397745 w 559472"/>
+              <a:gd name="connsiteY13" fmla="*/ 2650566 h 3709642"/>
+              <a:gd name="connsiteX14" fmla="*/ 389154 w 559472"/>
+              <a:gd name="connsiteY14" fmla="*/ 2536612 h 3709642"/>
+              <a:gd name="connsiteX15" fmla="*/ 379225 w 559472"/>
+              <a:gd name="connsiteY15" fmla="*/ 2421642 h 3709642"/>
+              <a:gd name="connsiteX16" fmla="*/ 368316 w 559472"/>
+              <a:gd name="connsiteY16" fmla="*/ 2305627 h 3709642"/>
+              <a:gd name="connsiteX17" fmla="*/ 357466 w 559472"/>
+              <a:gd name="connsiteY17" fmla="*/ 2189233 h 3709642"/>
+              <a:gd name="connsiteX18" fmla="*/ 344982 w 559472"/>
+              <a:gd name="connsiteY18" fmla="*/ 2071473 h 3709642"/>
+              <a:gd name="connsiteX19" fmla="*/ 332466 w 559472"/>
+              <a:gd name="connsiteY19" fmla="*/ 1952216 h 3709642"/>
+              <a:gd name="connsiteX20" fmla="*/ 319121 w 559472"/>
+              <a:gd name="connsiteY20" fmla="*/ 1833776 h 3709642"/>
+              <a:gd name="connsiteX21" fmla="*/ 304408 w 559472"/>
+              <a:gd name="connsiteY21" fmla="*/ 1713948 h 3709642"/>
+              <a:gd name="connsiteX22" fmla="*/ 288685 w 559472"/>
+              <a:gd name="connsiteY22" fmla="*/ 1592703 h 3709642"/>
+              <a:gd name="connsiteX23" fmla="*/ 273050 w 559472"/>
+              <a:gd name="connsiteY23" fmla="*/ 1471451 h 3709642"/>
+              <a:gd name="connsiteX24" fmla="*/ 255813 w 559472"/>
+              <a:gd name="connsiteY24" fmla="*/ 1350328 h 3709642"/>
+              <a:gd name="connsiteX25" fmla="*/ 237060 w 559472"/>
+              <a:gd name="connsiteY25" fmla="*/ 1227080 h 3709642"/>
+              <a:gd name="connsiteX26" fmla="*/ 218488 w 559472"/>
+              <a:gd name="connsiteY26" fmla="*/ 1106065 h 3709642"/>
+              <a:gd name="connsiteX27" fmla="*/ 198221 w 559472"/>
+              <a:gd name="connsiteY27" fmla="*/ 982940 h 3709642"/>
+              <a:gd name="connsiteX28" fmla="*/ 177152 w 559472"/>
+              <a:gd name="connsiteY28" fmla="*/ 858755 h 3709642"/>
+              <a:gd name="connsiteX29" fmla="*/ 155551 w 559472"/>
+              <a:gd name="connsiteY29" fmla="*/ 736861 h 3709642"/>
+              <a:gd name="connsiteX30" fmla="*/ 131782 w 559472"/>
+              <a:gd name="connsiteY30" fmla="*/ 613645 h 3709642"/>
+              <a:gd name="connsiteX31" fmla="*/ 107123 w 559472"/>
+              <a:gd name="connsiteY31" fmla="*/ 490500 h 3709642"/>
+              <a:gd name="connsiteX32" fmla="*/ 82552 w 559472"/>
+              <a:gd name="connsiteY32" fmla="*/ 367348 h 3709642"/>
+              <a:gd name="connsiteX33" fmla="*/ 55608 w 559472"/>
+              <a:gd name="connsiteY33" fmla="*/ 244762 h 3709642"/>
+              <a:gd name="connsiteX34" fmla="*/ 28130 w 559472"/>
+              <a:gd name="connsiteY34" fmla="*/ 122220 h 3709642"/>
+              <a:gd name="connsiteX35" fmla="*/ 0 w 559472"/>
+              <a:gd name="connsiteY35" fmla="*/ 0 h 3709642"/>
+            </a:gdLst>
+            <a:ahLst/>
+            <a:cxnLst>
+              <a:cxn ang="0">
+                <a:pos x="connsiteX0" y="connsiteY0"/>
+              </a:cxn>
+              <a:cxn ang="0">
+                <a:pos x="connsiteX1" y="connsiteY1"/>
+              </a:cxn>
+              <a:cxn ang="0">
+                <a:pos x="connsiteX2" y="connsiteY2"/>
+              </a:cxn>
+              <a:cxn ang="0">
+                <a:pos x="connsiteX3" y="connsiteY3"/>
+              </a:cxn>
+              <a:cxn ang="0">
+                <a:pos x="connsiteX4" y="connsiteY4"/>
+              </a:cxn>
+              <a:cxn ang="0">
+                <a:pos x="connsiteX5" y="connsiteY5"/>
+              </a:cxn>
+              <a:cxn ang="0">
+                <a:pos x="connsiteX6" y="connsiteY6"/>
+              </a:cxn>
+              <a:cxn ang="0">
+                <a:pos x="connsiteX7" y="connsiteY7"/>
+              </a:cxn>
+              <a:cxn ang="0">
+                <a:pos x="connsiteX8" y="connsiteY8"/>
+              </a:cxn>
+              <a:cxn ang="0">
+                <a:pos x="connsiteX9" y="connsiteY9"/>
+              </a:cxn>
+              <a:cxn ang="0">
+                <a:pos x="connsiteX10" y="connsiteY10"/>
+              </a:cxn>
+              <a:cxn ang="0">
+                <a:pos x="connsiteX11" y="connsiteY11"/>
+              </a:cxn>
+              <a:cxn ang="0">
+                <a:pos x="connsiteX12" y="connsiteY12"/>
+              </a:cxn>
+              <a:cxn ang="0">
+                <a:pos x="connsiteX13" y="connsiteY13"/>
+              </a:cxn>
+              <a:cxn ang="0">
+                <a:pos x="connsiteX14" y="connsiteY14"/>
+              </a:cxn>
+              <a:cxn ang="0">
+                <a:pos x="connsiteX15" y="connsiteY15"/>
+              </a:cxn>
+              <a:cxn ang="0">
+                <a:pos x="connsiteX16" y="connsiteY16"/>
+              </a:cxn>
+              <a:cxn ang="0">
+                <a:pos x="connsiteX17" y="connsiteY17"/>
+              </a:cxn>
+              <a:cxn ang="0">
+                <a:pos x="connsiteX18" y="connsiteY18"/>
+              </a:cxn>
+              <a:cxn ang="0">
+                <a:pos x="connsiteX19" y="connsiteY19"/>
+              </a:cxn>
+              <a:cxn ang="0">
+                <a:pos x="connsiteX20" y="connsiteY20"/>
+              </a:cxn>
+              <a:cxn ang="0">
+                <a:pos x="connsiteX21" y="connsiteY21"/>
+              </a:cxn>
+              <a:cxn ang="0">
+                <a:pos x="connsiteX22" y="connsiteY22"/>
+              </a:cxn>
+              <a:cxn ang="0">
+                <a:pos x="connsiteX23" y="connsiteY23"/>
+              </a:cxn>
+              <a:cxn ang="0">
+                <a:pos x="connsiteX24" y="connsiteY24"/>
+              </a:cxn>
+              <a:cxn ang="0">
+                <a:pos x="connsiteX25" y="connsiteY25"/>
+              </a:cxn>
+              <a:cxn ang="0">
+                <a:pos x="connsiteX26" y="connsiteY26"/>
+              </a:cxn>
+              <a:cxn ang="0">
+                <a:pos x="connsiteX27" y="connsiteY27"/>
+              </a:cxn>
+              <a:cxn ang="0">
+                <a:pos x="connsiteX28" y="connsiteY28"/>
+              </a:cxn>
+              <a:cxn ang="0">
+                <a:pos x="connsiteX29" y="connsiteY29"/>
+              </a:cxn>
+              <a:cxn ang="0">
+                <a:pos x="connsiteX30" y="connsiteY30"/>
+              </a:cxn>
+              <a:cxn ang="0">
+                <a:pos x="connsiteX31" y="connsiteY31"/>
+              </a:cxn>
+              <a:cxn ang="0">
+                <a:pos x="connsiteX32" y="connsiteY32"/>
+              </a:cxn>
+              <a:cxn ang="0">
+                <a:pos x="connsiteX33" y="connsiteY33"/>
+              </a:cxn>
+              <a:cxn ang="0">
+                <a:pos x="connsiteX34" y="connsiteY34"/>
+              </a:cxn>
+              <a:cxn ang="0">
+                <a:pos x="connsiteX35" y="connsiteY35"/>
+              </a:cxn>
+            </a:cxnLst>
+            <a:rect l="l" t="t" r="r" b="b"/>
+            <a:pathLst>
+              <a:path w="559472" h="3709642">
+                <a:moveTo>
+                  <a:pt x="0" y="0"/>
+                </a:moveTo>
+                <a:lnTo>
+                  <a:pt x="473952" y="0"/>
+                </a:lnTo>
+                <a:lnTo>
+                  <a:pt x="485840" y="161194"/>
+                </a:lnTo>
+                <a:cubicBezTo>
+                  <a:pt x="552063" y="1147770"/>
+                  <a:pt x="592441" y="3086737"/>
+                  <a:pt x="523949" y="3672197"/>
+                </a:cubicBezTo>
+                <a:cubicBezTo>
+                  <a:pt x="500842" y="3684557"/>
+                  <a:pt x="477855" y="3697282"/>
+                  <a:pt x="454748" y="3709642"/>
+                </a:cubicBezTo>
+                <a:lnTo>
+                  <a:pt x="448224" y="3510471"/>
+                </a:lnTo>
+                <a:lnTo>
+                  <a:pt x="443564" y="3408563"/>
+                </a:lnTo>
+                <a:lnTo>
+                  <a:pt x="438902" y="3304407"/>
+                </a:lnTo>
+                <a:lnTo>
+                  <a:pt x="433941" y="3198777"/>
+                </a:lnTo>
+                <a:lnTo>
+                  <a:pt x="427584" y="3092510"/>
+                </a:lnTo>
+                <a:lnTo>
+                  <a:pt x="420988" y="2984390"/>
+                </a:lnTo>
+                <a:lnTo>
+                  <a:pt x="414330" y="2874401"/>
+                </a:lnTo>
+                <a:lnTo>
+                  <a:pt x="406840" y="2762980"/>
+                </a:lnTo>
+                <a:lnTo>
+                  <a:pt x="397745" y="2650566"/>
+                </a:lnTo>
+                <a:lnTo>
+                  <a:pt x="389154" y="2536612"/>
+                </a:lnTo>
+                <a:lnTo>
+                  <a:pt x="379225" y="2421642"/>
+                </a:lnTo>
+                <a:lnTo>
+                  <a:pt x="368316" y="2305627"/>
+                </a:lnTo>
+                <a:lnTo>
+                  <a:pt x="357466" y="2189233"/>
+                </a:lnTo>
+                <a:lnTo>
+                  <a:pt x="344982" y="2071473"/>
+                </a:lnTo>
+                <a:lnTo>
+                  <a:pt x="332466" y="1952216"/>
+                </a:lnTo>
+                <a:lnTo>
+                  <a:pt x="319121" y="1833776"/>
+                </a:lnTo>
+                <a:lnTo>
+                  <a:pt x="304408" y="1713948"/>
+                </a:lnTo>
+                <a:lnTo>
+                  <a:pt x="288685" y="1592703"/>
+                </a:lnTo>
+                <a:lnTo>
+                  <a:pt x="273050" y="1471451"/>
+                </a:lnTo>
+                <a:lnTo>
+                  <a:pt x="255813" y="1350328"/>
+                </a:lnTo>
+                <a:lnTo>
+                  <a:pt x="237060" y="1227080"/>
+                </a:lnTo>
+                <a:lnTo>
+                  <a:pt x="218488" y="1106065"/>
+                </a:lnTo>
+                <a:lnTo>
+                  <a:pt x="198221" y="982940"/>
+                </a:lnTo>
+                <a:lnTo>
+                  <a:pt x="177152" y="858755"/>
+                </a:lnTo>
+                <a:lnTo>
+                  <a:pt x="155551" y="736861"/>
+                </a:lnTo>
+                <a:lnTo>
+                  <a:pt x="131782" y="613645"/>
+                </a:lnTo>
+                <a:lnTo>
+                  <a:pt x="107123" y="490500"/>
+                </a:lnTo>
+                <a:lnTo>
+                  <a:pt x="82552" y="367348"/>
+                </a:lnTo>
+                <a:lnTo>
+                  <a:pt x="55608" y="244762"/>
+                </a:lnTo>
+                <a:lnTo>
+                  <a:pt x="28130" y="122220"/>
+                </a:lnTo>
+                <a:lnTo>
+                  <a:pt x="0" y="0"/>
+                </a:lnTo>
+                <a:close/>
+              </a:path>
+            </a:pathLst>
+          </a:custGeom>
+          <a:solidFill>
+            <a:schemeClr val="tx1">
+              <a:alpha val="20000"/>
+            </a:schemeClr>
+          </a:solidFill>
+          <a:ln>
+            <a:noFill/>
+          </a:ln>
+        </p:spPr>
+        <p:txBody>
+          <a:bodyPr rtlCol="0" anchor="ctr"/>
+          <a:lstStyle/>
+          <a:p>
+            <a:pPr algn="ctr"/>
+            <a:endParaRPr lang="en-US"/>
+          </a:p>
+        </p:txBody>
+      </p:sp>
+      <p:sp>
+        <p:nvSpPr>
+          <p:cNvPr id="79" name="Freeform 5"/>
+          <p:cNvSpPr>
+            <a:spLocks noGrp="1" noRot="1" noChangeAspect="1" noMove="1" noResize="1" noEditPoints="1" noAdjustHandles="1" noChangeArrowheads="1" noChangeShapeType="1" noTextEdit="1"/>
+          </p:cNvSpPr>
+          <p:nvPr>
+            <p:extLst>
+              <p:ext uri="{386F3935-93C4-4BCD-93E2-E3B085C9AB24}">
+                <p16:designElem xmlns:p16="http://schemas.microsoft.com/office/powerpoint/2015/main" val="1"/>
+              </p:ext>
+            </p:extLst>
+          </p:nvPr>
+        </p:nvSpPr>
+        <p:spPr bwMode="gray">
+          <a:xfrm rot="16200000">
+            <a:off x="3906400" y="2756642"/>
+            <a:ext cx="6858000" cy="1344715"/>
+          </a:xfrm>
+          <a:custGeom>
+            <a:avLst/>
+            <a:gdLst/>
+            <a:ahLst/>
+            <a:cxnLst/>
+            <a:rect l="l" t="t" r="r" b="b"/>
+            <a:pathLst>
+              <a:path w="10000" h="8000">
+                <a:moveTo>
+                  <a:pt x="0" y="0"/>
+                </a:moveTo>
+                <a:lnTo>
+                  <a:pt x="0" y="7970"/>
+                </a:lnTo>
+                <a:lnTo>
+                  <a:pt x="10000" y="8000"/>
+                </a:lnTo>
+                <a:lnTo>
+                  <a:pt x="10000" y="7"/>
+                </a:lnTo>
+                <a:lnTo>
+                  <a:pt x="10000" y="7"/>
+                </a:lnTo>
+                <a:lnTo>
+                  <a:pt x="9773" y="156"/>
+                </a:lnTo>
+                <a:lnTo>
+                  <a:pt x="9547" y="298"/>
+                </a:lnTo>
+                <a:lnTo>
+                  <a:pt x="9320" y="437"/>
+                </a:lnTo>
+                <a:lnTo>
+                  <a:pt x="9092" y="556"/>
+                </a:lnTo>
+                <a:lnTo>
+                  <a:pt x="8865" y="676"/>
+                </a:lnTo>
+                <a:lnTo>
+                  <a:pt x="8637" y="788"/>
+                </a:lnTo>
+                <a:lnTo>
+                  <a:pt x="8412" y="884"/>
+                </a:lnTo>
+                <a:lnTo>
+                  <a:pt x="8184" y="975"/>
+                </a:lnTo>
+                <a:lnTo>
+                  <a:pt x="7957" y="1058"/>
+                </a:lnTo>
+                <a:lnTo>
+                  <a:pt x="7734" y="1130"/>
+                </a:lnTo>
+                <a:lnTo>
+                  <a:pt x="7508" y="1202"/>
+                </a:lnTo>
+                <a:lnTo>
+                  <a:pt x="7285" y="1262"/>
+                </a:lnTo>
+                <a:lnTo>
+                  <a:pt x="7062" y="1309"/>
+                </a:lnTo>
+                <a:lnTo>
+                  <a:pt x="6840" y="1358"/>
+                </a:lnTo>
+                <a:lnTo>
+                  <a:pt x="6620" y="1399"/>
+                </a:lnTo>
+                <a:lnTo>
+                  <a:pt x="6402" y="1428"/>
+                </a:lnTo>
+                <a:lnTo>
+                  <a:pt x="6184" y="1453"/>
+                </a:lnTo>
+                <a:lnTo>
+                  <a:pt x="5968" y="1477"/>
+                </a:lnTo>
+                <a:lnTo>
+                  <a:pt x="5755" y="1488"/>
+                </a:lnTo>
+                <a:lnTo>
+                  <a:pt x="5542" y="1500"/>
+                </a:lnTo>
+                <a:lnTo>
+                  <a:pt x="5332" y="1506"/>
+                </a:lnTo>
+                <a:lnTo>
+                  <a:pt x="5124" y="1500"/>
+                </a:lnTo>
+                <a:lnTo>
+                  <a:pt x="4918" y="1500"/>
+                </a:lnTo>
+                <a:lnTo>
+                  <a:pt x="4714" y="1488"/>
+                </a:lnTo>
+                <a:lnTo>
+                  <a:pt x="4514" y="1470"/>
+                </a:lnTo>
+                <a:lnTo>
+                  <a:pt x="4316" y="1453"/>
+                </a:lnTo>
+                <a:lnTo>
+                  <a:pt x="4122" y="1434"/>
+                </a:lnTo>
+                <a:lnTo>
+                  <a:pt x="3929" y="1405"/>
+                </a:lnTo>
+                <a:lnTo>
+                  <a:pt x="3739" y="1374"/>
+                </a:lnTo>
+                <a:lnTo>
+                  <a:pt x="3553" y="1346"/>
+                </a:lnTo>
+                <a:lnTo>
+                  <a:pt x="3190" y="1267"/>
+                </a:lnTo>
+                <a:lnTo>
+                  <a:pt x="2842" y="1183"/>
+                </a:lnTo>
+                <a:lnTo>
+                  <a:pt x="2508" y="1095"/>
+                </a:lnTo>
+                <a:lnTo>
+                  <a:pt x="2192" y="998"/>
+                </a:lnTo>
+                <a:lnTo>
+                  <a:pt x="1890" y="897"/>
+                </a:lnTo>
+                <a:lnTo>
+                  <a:pt x="1610" y="788"/>
+                </a:lnTo>
+                <a:lnTo>
+                  <a:pt x="1347" y="681"/>
+                </a:lnTo>
+                <a:lnTo>
+                  <a:pt x="1105" y="574"/>
+                </a:lnTo>
+                <a:lnTo>
+                  <a:pt x="883" y="473"/>
+                </a:lnTo>
+                <a:lnTo>
+                  <a:pt x="686" y="377"/>
+                </a:lnTo>
+                <a:lnTo>
+                  <a:pt x="508" y="286"/>
+                </a:lnTo>
+                <a:lnTo>
+                  <a:pt x="358" y="210"/>
+                </a:lnTo>
+                <a:lnTo>
+                  <a:pt x="232" y="138"/>
+                </a:lnTo>
+                <a:lnTo>
+                  <a:pt x="59" y="35"/>
+                </a:lnTo>
+                <a:lnTo>
+                  <a:pt x="0" y="0"/>
+                </a:lnTo>
+                <a:lnTo>
+                  <a:pt x="0" y="0"/>
+                </a:lnTo>
+                <a:close/>
+              </a:path>
+            </a:pathLst>
+          </a:custGeom>
+          <a:solidFill>
+            <a:srgbClr val="FFFFFF"/>
+          </a:solidFill>
+          <a:ln>
+            <a:noFill/>
+          </a:ln>
+        </p:spPr>
+      </p:sp>
+      <p:pic>
+        <p:nvPicPr>
+          <p:cNvPr id="6150" name="Picture 6" descr="Image result for on off png"/>
+          <p:cNvPicPr>
+            <a:picLocks noChangeAspect="1" noChangeArrowheads="1"/>
+          </p:cNvPicPr>
+          <p:nvPr/>
+        </p:nvPicPr>
+        <p:blipFill rotWithShape="1">
+          <a:blip r:embed="rId2">
+            <a:extLst>
+              <a:ext uri="{28A0092B-C50C-407E-A947-70E740481C1C}">
+                <a14:useLocalDpi xmlns:a14="http://schemas.microsoft.com/office/drawing/2010/main" val="0"/>
+              </a:ext>
+            </a:extLst>
+          </a:blip>
+          <a:srcRect/>
+          <a:stretch/>
+        </p:blipFill>
+        <p:spPr bwMode="auto">
+          <a:xfrm>
+            <a:off x="7563742" y="1438929"/>
+            <a:ext cx="3980139" cy="3980139"/>
+          </a:xfrm>
+          <a:prstGeom prst="rect">
+            <a:avLst/>
+          </a:prstGeom>
+          <a:noFill/>
+          <a:effectLst/>
+          <a:extLst>
+            <a:ext uri="{909E8E84-426E-40DD-AFC4-6F175D3DCCD1}">
+              <a14:hiddenFill xmlns:a14="http://schemas.microsoft.com/office/drawing/2010/main">
+                <a:solidFill>
+                  <a:srgbClr val="FFFFFF"/>
+                </a:solidFill>
+              </a14:hiddenFill>
+            </a:ext>
+          </a:extLst>
+        </p:spPr>
+      </p:pic>
+      <p:sp>
+        <p:nvSpPr>
+          <p:cNvPr id="81" name="Rectangle 80"/>
+          <p:cNvSpPr>
+            <a:spLocks noGrp="1" noRot="1" noChangeAspect="1" noMove="1" noResize="1" noEditPoints="1" noAdjustHandles="1" noChangeArrowheads="1" noChangeShapeType="1" noTextEdit="1"/>
+          </p:cNvSpPr>
+          <p:nvPr>
+            <p:extLst>
+              <p:ext uri="{386F3935-93C4-4BCD-93E2-E3B085C9AB24}">
+                <p16:designElem xmlns:p16="http://schemas.microsoft.com/office/powerpoint/2015/main" val="1"/>
+              </p:ext>
+            </p:extLst>
+          </p:nvPr>
+        </p:nvSpPr>
+        <p:spPr>
+          <a:xfrm>
+            <a:off x="10442448" y="0"/>
+            <a:ext cx="685800" cy="1143000"/>
+          </a:xfrm>
+          <a:prstGeom prst="rect">
+            <a:avLst/>
+          </a:prstGeom>
+          <a:solidFill>
+            <a:schemeClr val="accent1"/>
+          </a:solidFill>
+          <a:ln>
+            <a:noFill/>
+          </a:ln>
+        </p:spPr>
+        <p:style>
+          <a:lnRef idx="1">
+            <a:schemeClr val="accent1"/>
+          </a:lnRef>
+          <a:fillRef idx="3">
+            <a:schemeClr val="accent1"/>
+          </a:fillRef>
+          <a:effectRef idx="2">
+            <a:schemeClr val="accent1"/>
+          </a:effectRef>
+          <a:fontRef idx="minor">
+            <a:schemeClr val="lt1"/>
+          </a:fontRef>
+        </p:style>
+      </p:sp>
+      <p:sp>
+        <p:nvSpPr>
           <p:cNvPr id="2" name="Title 1"/>
           <p:cNvSpPr>
             <a:spLocks noGrp="1"/>
@@ -6597,9 +10061,16 @@
             <p:ph type="title"/>
           </p:nvPr>
         </p:nvSpPr>
-        <p:spPr/>
-        <p:txBody>
-          <a:bodyPr/>
+        <p:spPr>
+          <a:xfrm>
+            <a:off x="648930" y="629266"/>
+            <a:ext cx="5616217" cy="1622321"/>
+          </a:xfrm>
+        </p:spPr>
+        <p:txBody>
+          <a:bodyPr>
+            <a:normAutofit/>
+          </a:bodyPr>
           <a:lstStyle/>
           <a:p>
             <a:r>
@@ -6619,9 +10090,16 @@
             <p:ph idx="1"/>
           </p:nvPr>
         </p:nvSpPr>
-        <p:spPr/>
-        <p:txBody>
-          <a:bodyPr/>
+        <p:spPr>
+          <a:xfrm>
+            <a:off x="648931" y="2438400"/>
+            <a:ext cx="5616216" cy="3785419"/>
+          </a:xfrm>
+        </p:spPr>
+        <p:txBody>
+          <a:bodyPr>
+            <a:normAutofit/>
+          </a:bodyPr>
           <a:lstStyle/>
           <a:p>
             <a:r>
@@ -6755,38 +10233,305 @@
       </p:grpSpPr>
       <p:sp>
         <p:nvSpPr>
-          <p:cNvPr id="2" name="Title 1"/>
-          <p:cNvSpPr>
-            <a:spLocks noGrp="1"/>
-          </p:cNvSpPr>
-          <p:nvPr>
-            <p:ph type="title"/>
-          </p:nvPr>
-        </p:nvSpPr>
-        <p:spPr/>
-        <p:txBody>
-          <a:bodyPr/>
-          <a:lstStyle/>
-          <a:p>
-            <a:r>
-              <a:rPr lang="fr-CA" dirty="0"/>
-              <a:t>How </a:t>
-            </a:r>
-            <a:r>
-              <a:rPr lang="fr-CA" dirty="0" err="1"/>
-              <a:t>Firebase</a:t>
-            </a:r>
-            <a:r>
-              <a:rPr lang="fr-CA" dirty="0"/>
-              <a:t> </a:t>
-            </a:r>
-            <a:r>
-              <a:rPr lang="fr-CA" dirty="0" err="1"/>
-              <a:t>works</a:t>
-            </a:r>
-            <a:endParaRPr lang="en-CA" dirty="0"/>
-          </a:p>
-        </p:txBody>
+          <p:cNvPr id="9" name="Rectangle 8"/>
+          <p:cNvSpPr>
+            <a:spLocks noGrp="1" noRot="1" noChangeAspect="1" noMove="1" noResize="1" noEditPoints="1" noAdjustHandles="1" noChangeArrowheads="1" noChangeShapeType="1" noTextEdit="1"/>
+          </p:cNvSpPr>
+          <p:nvPr>
+            <p:extLst>
+              <p:ext uri="{386F3935-93C4-4BCD-93E2-E3B085C9AB24}">
+                <p16:designElem xmlns:p16="http://schemas.microsoft.com/office/powerpoint/2015/main" val="1"/>
+              </p:ext>
+            </p:extLst>
+          </p:nvPr>
+        </p:nvSpPr>
+        <p:spPr bwMode="white">
+          <a:xfrm>
+            <a:off x="0" y="0"/>
+            <a:ext cx="12192000" cy="6858000"/>
+          </a:xfrm>
+          <a:prstGeom prst="rect">
+            <a:avLst/>
+          </a:prstGeom>
+          <a:blipFill rotWithShape="1">
+            <a:blip r:embed="rId2">
+              <a:duotone>
+                <a:schemeClr val="bg2">
+                  <a:shade val="62000"/>
+                  <a:hueMod val="108000"/>
+                  <a:satMod val="164000"/>
+                  <a:lumMod val="69000"/>
+                </a:schemeClr>
+                <a:schemeClr val="bg2">
+                  <a:tint val="96000"/>
+                  <a:hueMod val="90000"/>
+                  <a:satMod val="130000"/>
+                  <a:lumMod val="134000"/>
+                </a:schemeClr>
+              </a:duotone>
+            </a:blip>
+            <a:stretch/>
+          </a:blipFill>
+          <a:ln>
+            <a:noFill/>
+          </a:ln>
+          <a:effectLst/>
+        </p:spPr>
+      </p:sp>
+      <p:pic>
+        <p:nvPicPr>
+          <p:cNvPr id="11" name="Picture 10"/>
+          <p:cNvPicPr>
+            <a:picLocks noGrp="1" noRot="1" noChangeAspect="1" noMove="1" noResize="1" noEditPoints="1" noAdjustHandles="1" noChangeArrowheads="1" noChangeShapeType="1" noCrop="1"/>
+          </p:cNvPicPr>
+          <p:nvPr>
+            <p:extLst>
+              <p:ext uri="{386F3935-93C4-4BCD-93E2-E3B085C9AB24}">
+                <p16:designElem xmlns:p16="http://schemas.microsoft.com/office/powerpoint/2015/main" val="1"/>
+              </p:ext>
+            </p:extLst>
+          </p:nvPr>
+        </p:nvPicPr>
+        <p:blipFill rotWithShape="1">
+          <a:blip r:embed="rId3">
+            <a:extLst>
+              <a:ext uri="{28A0092B-C50C-407E-A947-70E740481C1C}">
+                <a14:useLocalDpi xmlns:a14="http://schemas.microsoft.com/office/drawing/2010/main" val="0"/>
+              </a:ext>
+            </a:extLst>
+          </a:blip>
+          <a:srcRect l="3613"/>
+          <a:stretch/>
+        </p:blipFill>
+        <p:spPr>
+          <a:xfrm>
+            <a:off x="0" y="2669685"/>
+            <a:ext cx="4037012" cy="4188315"/>
+          </a:xfrm>
+          <a:prstGeom prst="rect">
+            <a:avLst/>
+          </a:prstGeom>
+        </p:spPr>
+      </p:pic>
+      <p:pic>
+        <p:nvPicPr>
+          <p:cNvPr id="13" name="Picture 12"/>
+          <p:cNvPicPr>
+            <a:picLocks noGrp="1" noRot="1" noChangeAspect="1" noMove="1" noResize="1" noEditPoints="1" noAdjustHandles="1" noChangeArrowheads="1" noChangeShapeType="1" noCrop="1"/>
+          </p:cNvPicPr>
+          <p:nvPr>
+            <p:extLst>
+              <p:ext uri="{386F3935-93C4-4BCD-93E2-E3B085C9AB24}">
+                <p16:designElem xmlns:p16="http://schemas.microsoft.com/office/powerpoint/2015/main" val="1"/>
+              </p:ext>
+            </p:extLst>
+          </p:nvPr>
+        </p:nvPicPr>
+        <p:blipFill rotWithShape="1">
+          <a:blip r:embed="rId4">
+            <a:extLst>
+              <a:ext uri="{28A0092B-C50C-407E-A947-70E740481C1C}">
+                <a14:useLocalDpi xmlns:a14="http://schemas.microsoft.com/office/drawing/2010/main" val="0"/>
+              </a:ext>
+            </a:extLst>
+          </a:blip>
+          <a:srcRect l="35640"/>
+          <a:stretch/>
+        </p:blipFill>
+        <p:spPr>
+          <a:xfrm>
+            <a:off x="0" y="2892347"/>
+            <a:ext cx="1522412" cy="2365453"/>
+          </a:xfrm>
+          <a:prstGeom prst="rect">
+            <a:avLst/>
+          </a:prstGeom>
+        </p:spPr>
+      </p:pic>
+      <p:sp>
+        <p:nvSpPr>
+          <p:cNvPr id="15" name="Oval 14"/>
+          <p:cNvSpPr>
+            <a:spLocks noGrp="1" noRot="1" noChangeAspect="1" noMove="1" noResize="1" noEditPoints="1" noAdjustHandles="1" noChangeArrowheads="1" noChangeShapeType="1" noTextEdit="1"/>
+          </p:cNvSpPr>
+          <p:nvPr>
+            <p:extLst>
+              <p:ext uri="{386F3935-93C4-4BCD-93E2-E3B085C9AB24}">
+                <p16:designElem xmlns:p16="http://schemas.microsoft.com/office/powerpoint/2015/main" val="1"/>
+              </p:ext>
+            </p:extLst>
+          </p:nvPr>
+        </p:nvSpPr>
+        <p:spPr>
+          <a:xfrm>
+            <a:off x="8609012" y="1676400"/>
+            <a:ext cx="2819400" cy="2819400"/>
+          </a:xfrm>
+          <a:prstGeom prst="ellipse">
+            <a:avLst/>
+          </a:prstGeom>
+          <a:gradFill flip="none" rotWithShape="1">
+            <a:gsLst>
+              <a:gs pos="0">
+                <a:schemeClr val="bg2">
+                  <a:lumMod val="40000"/>
+                  <a:lumOff val="60000"/>
+                  <a:alpha val="7000"/>
+                </a:schemeClr>
+              </a:gs>
+              <a:gs pos="69000">
+                <a:schemeClr val="bg2">
+                  <a:lumMod val="40000"/>
+                  <a:lumOff val="60000"/>
+                  <a:alpha val="0"/>
+                </a:schemeClr>
+              </a:gs>
+              <a:gs pos="36000">
+                <a:schemeClr val="bg2">
+                  <a:lumMod val="40000"/>
+                  <a:lumOff val="60000"/>
+                  <a:alpha val="6000"/>
+                </a:schemeClr>
+              </a:gs>
+            </a:gsLst>
+            <a:path path="circle">
+              <a:fillToRect l="50000" t="50000" r="50000" b="50000"/>
+            </a:path>
+            <a:tileRect/>
+          </a:gradFill>
+          <a:ln>
+            <a:noFill/>
+          </a:ln>
+          <a:effectLst/>
+        </p:spPr>
+        <p:style>
+          <a:lnRef idx="1">
+            <a:schemeClr val="accent1"/>
+          </a:lnRef>
+          <a:fillRef idx="3">
+            <a:schemeClr val="accent1"/>
+          </a:fillRef>
+          <a:effectRef idx="2">
+            <a:schemeClr val="accent1"/>
+          </a:effectRef>
+          <a:fontRef idx="minor">
+            <a:schemeClr val="lt1"/>
+          </a:fontRef>
+        </p:style>
+      </p:sp>
+      <p:pic>
+        <p:nvPicPr>
+          <p:cNvPr id="17" name="Picture 16"/>
+          <p:cNvPicPr>
+            <a:picLocks noGrp="1" noRot="1" noChangeAspect="1" noMove="1" noResize="1" noEditPoints="1" noAdjustHandles="1" noChangeArrowheads="1" noChangeShapeType="1" noCrop="1"/>
+          </p:cNvPicPr>
+          <p:nvPr>
+            <p:extLst>
+              <p:ext uri="{386F3935-93C4-4BCD-93E2-E3B085C9AB24}">
+                <p16:designElem xmlns:p16="http://schemas.microsoft.com/office/powerpoint/2015/main" val="1"/>
+              </p:ext>
+            </p:extLst>
+          </p:nvPr>
+        </p:nvPicPr>
+        <p:blipFill rotWithShape="1">
+          <a:blip r:embed="rId5">
+            <a:extLst>
+              <a:ext uri="{28A0092B-C50C-407E-A947-70E740481C1C}">
+                <a14:useLocalDpi xmlns:a14="http://schemas.microsoft.com/office/drawing/2010/main" val="0"/>
+              </a:ext>
+            </a:extLst>
+          </a:blip>
+          <a:srcRect t="28813"/>
+          <a:stretch/>
+        </p:blipFill>
+        <p:spPr>
+          <a:xfrm>
+            <a:off x="7999412" y="0"/>
+            <a:ext cx="1603387" cy="1141407"/>
+          </a:xfrm>
+          <a:prstGeom prst="rect">
+            <a:avLst/>
+          </a:prstGeom>
+        </p:spPr>
+      </p:pic>
+      <p:pic>
+        <p:nvPicPr>
+          <p:cNvPr id="19" name="Picture 18"/>
+          <p:cNvPicPr>
+            <a:picLocks noGrp="1" noRot="1" noChangeAspect="1" noMove="1" noResize="1" noEditPoints="1" noAdjustHandles="1" noChangeArrowheads="1" noChangeShapeType="1" noCrop="1"/>
+          </p:cNvPicPr>
+          <p:nvPr>
+            <p:extLst>
+              <p:ext uri="{386F3935-93C4-4BCD-93E2-E3B085C9AB24}">
+                <p16:designElem xmlns:p16="http://schemas.microsoft.com/office/powerpoint/2015/main" val="1"/>
+              </p:ext>
+            </p:extLst>
+          </p:nvPr>
+        </p:nvPicPr>
+        <p:blipFill rotWithShape="1">
+          <a:blip r:embed="rId6">
+            <a:extLst>
+              <a:ext uri="{28A0092B-C50C-407E-A947-70E740481C1C}">
+                <a14:useLocalDpi xmlns:a14="http://schemas.microsoft.com/office/drawing/2010/main" val="0"/>
+              </a:ext>
+            </a:extLst>
+          </a:blip>
+          <a:srcRect b="23320"/>
+          <a:stretch/>
+        </p:blipFill>
+        <p:spPr>
+          <a:xfrm>
+            <a:off x="8609012" y="6096000"/>
+            <a:ext cx="993734" cy="762000"/>
+          </a:xfrm>
+          <a:prstGeom prst="rect">
+            <a:avLst/>
+          </a:prstGeom>
+        </p:spPr>
+      </p:pic>
+      <p:sp>
+        <p:nvSpPr>
+          <p:cNvPr id="21" name="Rectangle 20"/>
+          <p:cNvSpPr>
+            <a:spLocks noGrp="1" noRot="1" noChangeAspect="1" noMove="1" noResize="1" noEditPoints="1" noAdjustHandles="1" noChangeArrowheads="1" noChangeShapeType="1" noTextEdit="1"/>
+          </p:cNvSpPr>
+          <p:nvPr>
+            <p:extLst>
+              <p:ext uri="{386F3935-93C4-4BCD-93E2-E3B085C9AB24}">
+                <p16:designElem xmlns:p16="http://schemas.microsoft.com/office/powerpoint/2015/main" val="1"/>
+              </p:ext>
+            </p:extLst>
+          </p:nvPr>
+        </p:nvSpPr>
+        <p:spPr>
+          <a:xfrm>
+            <a:off x="10437812" y="0"/>
+            <a:ext cx="685800" cy="1143000"/>
+          </a:xfrm>
+          <a:prstGeom prst="rect">
+            <a:avLst/>
+          </a:prstGeom>
+          <a:solidFill>
+            <a:schemeClr val="accent1"/>
+          </a:solidFill>
+          <a:ln>
+            <a:noFill/>
+          </a:ln>
+        </p:spPr>
+        <p:style>
+          <a:lnRef idx="1">
+            <a:schemeClr val="accent1"/>
+          </a:lnRef>
+          <a:fillRef idx="3">
+            <a:schemeClr val="accent1"/>
+          </a:fillRef>
+          <a:effectRef idx="2">
+            <a:schemeClr val="accent1"/>
+          </a:effectRef>
+          <a:fontRef idx="minor">
+            <a:schemeClr val="lt1"/>
+          </a:fontRef>
+        </p:style>
       </p:sp>
       <p:pic>
         <p:nvPicPr>
@@ -6798,19 +10543,62 @@
             <p:ph idx="1"/>
           </p:nvPr>
         </p:nvPicPr>
-        <p:blipFill>
-          <a:blip r:embed="rId2"/>
-          <a:stretch>
-            <a:fillRect/>
-          </a:stretch>
+        <p:blipFill rotWithShape="1">
+          <a:blip r:embed="rId7"/>
+          <a:srcRect t="13914" r="-1" b="9560"/>
+          <a:stretch/>
         </p:blipFill>
         <p:spPr>
           <a:xfrm>
-            <a:off x="1255046" y="452718"/>
-            <a:ext cx="8186852" cy="4195762"/>
-          </a:xfrm>
+            <a:off x="635459" y="1090979"/>
+            <a:ext cx="9186063" cy="3602736"/>
+          </a:xfrm>
+          <a:prstGeom prst="rect">
+            <a:avLst/>
+          </a:prstGeom>
+          <a:effectLst>
+            <a:outerShdw blurRad="50800" dist="38100" dir="5400000" algn="t" rotWithShape="0">
+              <a:prstClr val="black">
+                <a:alpha val="43000"/>
+              </a:prstClr>
+            </a:outerShdw>
+          </a:effectLst>
         </p:spPr>
       </p:pic>
+      <p:sp>
+        <p:nvSpPr>
+          <p:cNvPr id="2" name="Title 1"/>
+          <p:cNvSpPr>
+            <a:spLocks noGrp="1"/>
+          </p:cNvSpPr>
+          <p:nvPr>
+            <p:ph type="title"/>
+          </p:nvPr>
+        </p:nvSpPr>
+        <p:spPr>
+          <a:xfrm>
+            <a:off x="636916" y="4542503"/>
+            <a:ext cx="9184606" cy="1179870"/>
+          </a:xfrm>
+        </p:spPr>
+        <p:txBody>
+          <a:bodyPr vert="horz" lIns="91440" tIns="45720" rIns="91440" bIns="45720" rtlCol="0" anchor="b">
+            <a:normAutofit/>
+          </a:bodyPr>
+          <a:lstStyle/>
+          <a:p>
+            <a:pPr>
+              <a:lnSpc>
+                <a:spcPct val="90000"/>
+              </a:lnSpc>
+            </a:pPr>
+            <a:r>
+              <a:rPr lang="en-US" sz="7200"/>
+              <a:t>How Firebase works</a:t>
+            </a:r>
+          </a:p>
+        </p:txBody>
+      </p:sp>
     </p:spTree>
     <p:extLst>
       <p:ext uri="{BB962C8B-B14F-4D97-AF65-F5344CB8AC3E}">
@@ -6843,6 +10631,338 @@
       </p:grpSpPr>
       <p:sp>
         <p:nvSpPr>
+          <p:cNvPr id="68" name="Rectangle 8"/>
+          <p:cNvSpPr>
+            <a:spLocks noGrp="1" noRot="1" noChangeAspect="1" noMove="1" noResize="1" noEditPoints="1" noAdjustHandles="1" noChangeArrowheads="1" noChangeShapeType="1" noTextEdit="1"/>
+          </p:cNvSpPr>
+          <p:nvPr>
+            <p:extLst>
+              <p:ext uri="{386F3935-93C4-4BCD-93E2-E3B085C9AB24}">
+                <p16:designElem xmlns:p16="http://schemas.microsoft.com/office/powerpoint/2015/main" val="1"/>
+              </p:ext>
+            </p:extLst>
+          </p:nvPr>
+        </p:nvSpPr>
+        <p:spPr bwMode="white">
+          <a:xfrm>
+            <a:off x="0" y="0"/>
+            <a:ext cx="12192000" cy="6858000"/>
+          </a:xfrm>
+          <a:prstGeom prst="rect">
+            <a:avLst/>
+          </a:prstGeom>
+          <a:blipFill rotWithShape="1">
+            <a:blip r:embed="rId2">
+              <a:duotone>
+                <a:schemeClr val="bg2">
+                  <a:shade val="62000"/>
+                  <a:hueMod val="108000"/>
+                  <a:satMod val="164000"/>
+                  <a:lumMod val="69000"/>
+                </a:schemeClr>
+                <a:schemeClr val="bg2">
+                  <a:tint val="96000"/>
+                  <a:hueMod val="90000"/>
+                  <a:satMod val="130000"/>
+                  <a:lumMod val="134000"/>
+                </a:schemeClr>
+              </a:duotone>
+            </a:blip>
+            <a:stretch/>
+          </a:blipFill>
+          <a:ln>
+            <a:noFill/>
+          </a:ln>
+          <a:effectLst/>
+        </p:spPr>
+      </p:sp>
+      <p:pic>
+        <p:nvPicPr>
+          <p:cNvPr id="69" name="Picture 10"/>
+          <p:cNvPicPr>
+            <a:picLocks noGrp="1" noRot="1" noChangeAspect="1" noMove="1" noResize="1" noEditPoints="1" noAdjustHandles="1" noChangeArrowheads="1" noChangeShapeType="1" noCrop="1"/>
+          </p:cNvPicPr>
+          <p:nvPr>
+            <p:extLst>
+              <p:ext uri="{386F3935-93C4-4BCD-93E2-E3B085C9AB24}">
+                <p16:designElem xmlns:p16="http://schemas.microsoft.com/office/powerpoint/2015/main" val="1"/>
+              </p:ext>
+            </p:extLst>
+          </p:nvPr>
+        </p:nvPicPr>
+        <p:blipFill rotWithShape="1">
+          <a:blip r:embed="rId3">
+            <a:extLst>
+              <a:ext uri="{28A0092B-C50C-407E-A947-70E740481C1C}">
+                <a14:useLocalDpi xmlns:a14="http://schemas.microsoft.com/office/drawing/2010/main" val="0"/>
+              </a:ext>
+            </a:extLst>
+          </a:blip>
+          <a:srcRect l="3613"/>
+          <a:stretch/>
+        </p:blipFill>
+        <p:spPr>
+          <a:xfrm>
+            <a:off x="0" y="2669685"/>
+            <a:ext cx="4037012" cy="4188315"/>
+          </a:xfrm>
+          <a:prstGeom prst="rect">
+            <a:avLst/>
+          </a:prstGeom>
+        </p:spPr>
+      </p:pic>
+      <p:pic>
+        <p:nvPicPr>
+          <p:cNvPr id="70" name="Picture 12"/>
+          <p:cNvPicPr>
+            <a:picLocks noGrp="1" noRot="1" noChangeAspect="1" noMove="1" noResize="1" noEditPoints="1" noAdjustHandles="1" noChangeArrowheads="1" noChangeShapeType="1" noCrop="1"/>
+          </p:cNvPicPr>
+          <p:nvPr>
+            <p:extLst>
+              <p:ext uri="{386F3935-93C4-4BCD-93E2-E3B085C9AB24}">
+                <p16:designElem xmlns:p16="http://schemas.microsoft.com/office/powerpoint/2015/main" val="1"/>
+              </p:ext>
+            </p:extLst>
+          </p:nvPr>
+        </p:nvPicPr>
+        <p:blipFill rotWithShape="1">
+          <a:blip r:embed="rId4">
+            <a:extLst>
+              <a:ext uri="{28A0092B-C50C-407E-A947-70E740481C1C}">
+                <a14:useLocalDpi xmlns:a14="http://schemas.microsoft.com/office/drawing/2010/main" val="0"/>
+              </a:ext>
+            </a:extLst>
+          </a:blip>
+          <a:srcRect l="35640"/>
+          <a:stretch/>
+        </p:blipFill>
+        <p:spPr>
+          <a:xfrm>
+            <a:off x="0" y="2892347"/>
+            <a:ext cx="1522412" cy="2365453"/>
+          </a:xfrm>
+          <a:prstGeom prst="rect">
+            <a:avLst/>
+          </a:prstGeom>
+        </p:spPr>
+      </p:pic>
+      <p:sp>
+        <p:nvSpPr>
+          <p:cNvPr id="71" name="Oval 14"/>
+          <p:cNvSpPr>
+            <a:spLocks noGrp="1" noRot="1" noChangeAspect="1" noMove="1" noResize="1" noEditPoints="1" noAdjustHandles="1" noChangeArrowheads="1" noChangeShapeType="1" noTextEdit="1"/>
+          </p:cNvSpPr>
+          <p:nvPr>
+            <p:extLst>
+              <p:ext uri="{386F3935-93C4-4BCD-93E2-E3B085C9AB24}">
+                <p16:designElem xmlns:p16="http://schemas.microsoft.com/office/powerpoint/2015/main" val="1"/>
+              </p:ext>
+            </p:extLst>
+          </p:nvPr>
+        </p:nvSpPr>
+        <p:spPr>
+          <a:xfrm>
+            <a:off x="8609012" y="1676400"/>
+            <a:ext cx="2819400" cy="2819400"/>
+          </a:xfrm>
+          <a:prstGeom prst="ellipse">
+            <a:avLst/>
+          </a:prstGeom>
+          <a:gradFill flip="none" rotWithShape="1">
+            <a:gsLst>
+              <a:gs pos="0">
+                <a:schemeClr val="bg2">
+                  <a:lumMod val="40000"/>
+                  <a:lumOff val="60000"/>
+                  <a:alpha val="7000"/>
+                </a:schemeClr>
+              </a:gs>
+              <a:gs pos="69000">
+                <a:schemeClr val="bg2">
+                  <a:lumMod val="40000"/>
+                  <a:lumOff val="60000"/>
+                  <a:alpha val="0"/>
+                </a:schemeClr>
+              </a:gs>
+              <a:gs pos="36000">
+                <a:schemeClr val="bg2">
+                  <a:lumMod val="40000"/>
+                  <a:lumOff val="60000"/>
+                  <a:alpha val="6000"/>
+                </a:schemeClr>
+              </a:gs>
+            </a:gsLst>
+            <a:path path="circle">
+              <a:fillToRect l="50000" t="50000" r="50000" b="50000"/>
+            </a:path>
+            <a:tileRect/>
+          </a:gradFill>
+          <a:ln>
+            <a:noFill/>
+          </a:ln>
+          <a:effectLst/>
+        </p:spPr>
+        <p:style>
+          <a:lnRef idx="1">
+            <a:schemeClr val="accent1"/>
+          </a:lnRef>
+          <a:fillRef idx="3">
+            <a:schemeClr val="accent1"/>
+          </a:fillRef>
+          <a:effectRef idx="2">
+            <a:schemeClr val="accent1"/>
+          </a:effectRef>
+          <a:fontRef idx="minor">
+            <a:schemeClr val="lt1"/>
+          </a:fontRef>
+        </p:style>
+      </p:sp>
+      <p:pic>
+        <p:nvPicPr>
+          <p:cNvPr id="72" name="Picture 16"/>
+          <p:cNvPicPr>
+            <a:picLocks noGrp="1" noRot="1" noChangeAspect="1" noMove="1" noResize="1" noEditPoints="1" noAdjustHandles="1" noChangeArrowheads="1" noChangeShapeType="1" noCrop="1"/>
+          </p:cNvPicPr>
+          <p:nvPr>
+            <p:extLst>
+              <p:ext uri="{386F3935-93C4-4BCD-93E2-E3B085C9AB24}">
+                <p16:designElem xmlns:p16="http://schemas.microsoft.com/office/powerpoint/2015/main" val="1"/>
+              </p:ext>
+            </p:extLst>
+          </p:nvPr>
+        </p:nvPicPr>
+        <p:blipFill rotWithShape="1">
+          <a:blip r:embed="rId5">
+            <a:extLst>
+              <a:ext uri="{28A0092B-C50C-407E-A947-70E740481C1C}">
+                <a14:useLocalDpi xmlns:a14="http://schemas.microsoft.com/office/drawing/2010/main" val="0"/>
+              </a:ext>
+            </a:extLst>
+          </a:blip>
+          <a:srcRect t="28813"/>
+          <a:stretch/>
+        </p:blipFill>
+        <p:spPr>
+          <a:xfrm>
+            <a:off x="7999412" y="0"/>
+            <a:ext cx="1603387" cy="1141407"/>
+          </a:xfrm>
+          <a:prstGeom prst="rect">
+            <a:avLst/>
+          </a:prstGeom>
+        </p:spPr>
+      </p:pic>
+      <p:pic>
+        <p:nvPicPr>
+          <p:cNvPr id="73" name="Picture 18"/>
+          <p:cNvPicPr>
+            <a:picLocks noGrp="1" noRot="1" noChangeAspect="1" noMove="1" noResize="1" noEditPoints="1" noAdjustHandles="1" noChangeArrowheads="1" noChangeShapeType="1" noCrop="1"/>
+          </p:cNvPicPr>
+          <p:nvPr>
+            <p:extLst>
+              <p:ext uri="{386F3935-93C4-4BCD-93E2-E3B085C9AB24}">
+                <p16:designElem xmlns:p16="http://schemas.microsoft.com/office/powerpoint/2015/main" val="1"/>
+              </p:ext>
+            </p:extLst>
+          </p:nvPr>
+        </p:nvPicPr>
+        <p:blipFill rotWithShape="1">
+          <a:blip r:embed="rId6">
+            <a:extLst>
+              <a:ext uri="{28A0092B-C50C-407E-A947-70E740481C1C}">
+                <a14:useLocalDpi xmlns:a14="http://schemas.microsoft.com/office/drawing/2010/main" val="0"/>
+              </a:ext>
+            </a:extLst>
+          </a:blip>
+          <a:srcRect b="23320"/>
+          <a:stretch/>
+        </p:blipFill>
+        <p:spPr>
+          <a:xfrm>
+            <a:off x="8609012" y="6096000"/>
+            <a:ext cx="993734" cy="762000"/>
+          </a:xfrm>
+          <a:prstGeom prst="rect">
+            <a:avLst/>
+          </a:prstGeom>
+        </p:spPr>
+      </p:pic>
+      <p:sp>
+        <p:nvSpPr>
+          <p:cNvPr id="74" name="Rectangle 20"/>
+          <p:cNvSpPr>
+            <a:spLocks noGrp="1" noRot="1" noChangeAspect="1" noMove="1" noResize="1" noEditPoints="1" noAdjustHandles="1" noChangeArrowheads="1" noChangeShapeType="1" noTextEdit="1"/>
+          </p:cNvSpPr>
+          <p:nvPr>
+            <p:extLst>
+              <p:ext uri="{386F3935-93C4-4BCD-93E2-E3B085C9AB24}">
+                <p16:designElem xmlns:p16="http://schemas.microsoft.com/office/powerpoint/2015/main" val="1"/>
+              </p:ext>
+            </p:extLst>
+          </p:nvPr>
+        </p:nvSpPr>
+        <p:spPr>
+          <a:xfrm>
+            <a:off x="10437812" y="0"/>
+            <a:ext cx="685800" cy="1143000"/>
+          </a:xfrm>
+          <a:prstGeom prst="rect">
+            <a:avLst/>
+          </a:prstGeom>
+          <a:solidFill>
+            <a:schemeClr val="accent1"/>
+          </a:solidFill>
+          <a:ln>
+            <a:noFill/>
+          </a:ln>
+        </p:spPr>
+        <p:style>
+          <a:lnRef idx="1">
+            <a:schemeClr val="accent1"/>
+          </a:lnRef>
+          <a:fillRef idx="3">
+            <a:schemeClr val="accent1"/>
+          </a:fillRef>
+          <a:effectRef idx="2">
+            <a:schemeClr val="accent1"/>
+          </a:effectRef>
+          <a:fontRef idx="minor">
+            <a:schemeClr val="lt1"/>
+          </a:fontRef>
+        </p:style>
+      </p:sp>
+      <p:pic>
+        <p:nvPicPr>
+          <p:cNvPr id="4" name="Picture 3"/>
+          <p:cNvPicPr>
+            <a:picLocks noChangeAspect="1"/>
+          </p:cNvPicPr>
+          <p:nvPr/>
+        </p:nvPicPr>
+        <p:blipFill rotWithShape="1">
+          <a:blip r:embed="rId7"/>
+          <a:srcRect l="-1" t="10099" r="43610" b="19118"/>
+          <a:stretch/>
+        </p:blipFill>
+        <p:spPr>
+          <a:xfrm>
+            <a:off x="2440091" y="1410094"/>
+            <a:ext cx="6755802" cy="5066906"/>
+          </a:xfrm>
+          <a:prstGeom prst="rect">
+            <a:avLst/>
+          </a:prstGeom>
+          <a:effectLst>
+            <a:outerShdw blurRad="50800" dist="50800" dir="5400000" algn="tl" rotWithShape="0">
+              <a:prstClr val="black">
+                <a:alpha val="43000"/>
+              </a:prstClr>
+            </a:outerShdw>
+          </a:effectLst>
+        </p:spPr>
+      </p:pic>
+      <p:sp>
+        <p:nvSpPr>
           <p:cNvPr id="2" name="Title 1"/>
           <p:cNvSpPr>
             <a:spLocks noGrp="1"/>
@@ -6851,85 +10971,21 @@
             <p:ph type="title"/>
           </p:nvPr>
         </p:nvSpPr>
-        <p:spPr/>
-        <p:txBody>
-          <a:bodyPr/>
+        <p:spPr>
+          <a:xfrm>
+            <a:off x="1272522" y="375670"/>
+            <a:ext cx="8825658" cy="834720"/>
+          </a:xfrm>
+        </p:spPr>
+        <p:txBody>
+          <a:bodyPr vert="horz" lIns="91440" tIns="45720" rIns="91440" bIns="45720" rtlCol="0" anchor="b">
+            <a:normAutofit/>
+          </a:bodyPr>
           <a:lstStyle/>
           <a:p>
             <a:r>
-              <a:rPr lang="fr-CA" dirty="0" err="1"/>
-              <a:t>Problems</a:t>
-            </a:r>
-            <a:r>
-              <a:rPr lang="fr-CA" dirty="0"/>
-              <a:t> </a:t>
-            </a:r>
-            <a:r>
-              <a:rPr lang="fr-CA" dirty="0" err="1"/>
-              <a:t>Solved</a:t>
-            </a:r>
-            <a:endParaRPr lang="en-CA" dirty="0"/>
-          </a:p>
-        </p:txBody>
-      </p:sp>
-      <p:sp>
-        <p:nvSpPr>
-          <p:cNvPr id="3" name="Content Placeholder 2"/>
-          <p:cNvSpPr>
-            <a:spLocks noGrp="1"/>
-          </p:cNvSpPr>
-          <p:nvPr>
-            <p:ph idx="1"/>
-          </p:nvPr>
-        </p:nvSpPr>
-        <p:spPr/>
-        <p:txBody>
-          <a:bodyPr/>
-          <a:lstStyle/>
-          <a:p>
-            <a:r>
-              <a:rPr lang="en-CA" dirty="0"/>
-              <a:t>Localisation</a:t>
-            </a:r>
-          </a:p>
-          <a:p>
-            <a:endParaRPr lang="en-CA" dirty="0"/>
-          </a:p>
-          <a:p>
-            <a:r>
-              <a:rPr lang="en-CA" dirty="0"/>
-              <a:t>Learning how it works</a:t>
-            </a:r>
-          </a:p>
-          <a:p>
-            <a:endParaRPr lang="en-CA" dirty="0"/>
-          </a:p>
-          <a:p>
-            <a:r>
-              <a:rPr lang="en-CA" dirty="0"/>
-              <a:t>Interaction with Database</a:t>
-            </a:r>
-          </a:p>
-          <a:p>
-            <a:endParaRPr lang="en-CA" dirty="0"/>
-          </a:p>
-          <a:p>
-            <a:r>
-              <a:rPr lang="en-CA" dirty="0" err="1"/>
-              <a:t>Gradle</a:t>
-            </a:r>
-            <a:r>
-              <a:rPr lang="en-CA" dirty="0"/>
-              <a:t> sync </a:t>
-            </a:r>
-          </a:p>
-          <a:p>
-            <a:endParaRPr lang="en-CA" dirty="0"/>
-          </a:p>
-          <a:p>
-            <a:r>
-              <a:rPr lang="en-CA" dirty="0"/>
-              <a:t>Login / Register</a:t>
+              <a:rPr lang="en-US" sz="4800" dirty="0"/>
+              <a:t>JSON Object Key Pair Values</a:t>
             </a:r>
           </a:p>
         </p:txBody>
@@ -6937,7 +10993,7 @@
     </p:spTree>
     <p:extLst>
       <p:ext uri="{BB962C8B-B14F-4D97-AF65-F5344CB8AC3E}">
-        <p14:creationId xmlns:p14="http://schemas.microsoft.com/office/powerpoint/2010/main" val="3117748863"/>
+        <p14:creationId xmlns:p14="http://schemas.microsoft.com/office/powerpoint/2010/main" val="1310992685"/>
       </p:ext>
     </p:extLst>
   </p:cSld>

--- a/Documentation/Moods-final.pptx
+++ b/Documentation/Moods-final.pptx
@@ -13,13 +13,14 @@
     <p:sldId id="258" r:id="rId7"/>
     <p:sldId id="269" r:id="rId8"/>
     <p:sldId id="262" r:id="rId9"/>
-    <p:sldId id="270" r:id="rId10"/>
-    <p:sldId id="271" r:id="rId11"/>
-    <p:sldId id="272" r:id="rId12"/>
-    <p:sldId id="264" r:id="rId13"/>
-    <p:sldId id="266" r:id="rId14"/>
-    <p:sldId id="263" r:id="rId15"/>
-    <p:sldId id="267" r:id="rId16"/>
+    <p:sldId id="273" r:id="rId10"/>
+    <p:sldId id="270" r:id="rId11"/>
+    <p:sldId id="271" r:id="rId12"/>
+    <p:sldId id="272" r:id="rId13"/>
+    <p:sldId id="264" r:id="rId14"/>
+    <p:sldId id="266" r:id="rId15"/>
+    <p:sldId id="263" r:id="rId16"/>
+    <p:sldId id="267" r:id="rId17"/>
   </p:sldIdLst>
   <p:sldSz cx="12192000" cy="6858000"/>
   <p:notesSz cx="6858000" cy="9144000"/>
@@ -5970,7 +5971,7 @@
         </p:blipFill>
         <p:spPr>
           <a:xfrm>
-            <a:off x="607848" y="609601"/>
+            <a:off x="2860639" y="0"/>
             <a:ext cx="5486561" cy="5638797"/>
           </a:xfrm>
           <a:prstGeom prst="rect">
@@ -5993,7 +5994,7 @@
         </p:nvSpPr>
         <p:spPr>
           <a:xfrm>
-            <a:off x="8215531" y="4557932"/>
+            <a:off x="9209649" y="5285447"/>
             <a:ext cx="2982351" cy="1323439"/>
           </a:xfrm>
           <a:prstGeom prst="rect">
@@ -6030,6 +6031,73 @@
               <a:t>William Perron-Lafleur</a:t>
             </a:r>
             <a:endParaRPr lang="en-CA" sz="2000" dirty="0"/>
+          </a:p>
+        </p:txBody>
+      </p:sp>
+      <p:sp>
+        <p:nvSpPr>
+          <p:cNvPr id="2" name="TextBox 1"/>
+          <p:cNvSpPr txBox="1"/>
+          <p:nvPr/>
+        </p:nvSpPr>
+        <p:spPr>
+          <a:xfrm>
+            <a:off x="4402136" y="3962008"/>
+            <a:ext cx="3187338" cy="1323439"/>
+          </a:xfrm>
+          <a:prstGeom prst="rect">
+            <a:avLst/>
+          </a:prstGeom>
+          <a:noFill/>
+        </p:spPr>
+        <p:txBody>
+          <a:bodyPr wrap="square" rtlCol="0">
+            <a:spAutoFit/>
+          </a:bodyPr>
+          <a:lstStyle/>
+          <a:p>
+            <a:r>
+              <a:rPr lang="en-CA" sz="4000" dirty="0">
+                <a:effectLst>
+                  <a:outerShdw blurRad="38100" dist="38100" dir="2700000" algn="tl">
+                    <a:srgbClr val="000000">
+                      <a:alpha val="43137"/>
+                    </a:srgbClr>
+                  </a:outerShdw>
+                </a:effectLst>
+                <a:latin typeface="Actonia Hand PERSONAL USE" pitchFamily="2" charset="0"/>
+              </a:rPr>
+              <a:t>Communicating the </a:t>
+            </a:r>
+            <a:r>
+              <a:rPr lang="en-CA" sz="4000" dirty="0">
+                <a:solidFill>
+                  <a:srgbClr val="92D050"/>
+                </a:solidFill>
+                <a:effectLst>
+                  <a:outerShdw blurRad="38100" dist="38100" dir="2700000" algn="tl">
+                    <a:srgbClr val="000000">
+                      <a:alpha val="43137"/>
+                    </a:srgbClr>
+                  </a:outerShdw>
+                </a:effectLst>
+                <a:latin typeface="Actonia Hand PERSONAL USE" pitchFamily="2" charset="0"/>
+              </a:rPr>
+              <a:t>right</a:t>
+            </a:r>
+            <a:r>
+              <a:rPr lang="en-CA" sz="4000" dirty="0">
+                <a:effectLst>
+                  <a:outerShdw blurRad="38100" dist="38100" dir="2700000" algn="tl">
+                    <a:srgbClr val="000000">
+                      <a:alpha val="43137"/>
+                    </a:srgbClr>
+                  </a:outerShdw>
+                </a:effectLst>
+                <a:latin typeface="Actonia Hand PERSONAL USE" pitchFamily="2" charset="0"/>
+              </a:rPr>
+              <a:t> way</a:t>
+            </a:r>
           </a:p>
         </p:txBody>
       </p:sp>
@@ -6065,88 +6133,7 @@
       </p:grpSpPr>
       <p:sp>
         <p:nvSpPr>
-          <p:cNvPr id="2" name="Title 1"/>
-          <p:cNvSpPr>
-            <a:spLocks noGrp="1"/>
-          </p:cNvSpPr>
-          <p:nvPr>
-            <p:ph type="title"/>
-          </p:nvPr>
-        </p:nvSpPr>
-        <p:spPr>
-          <a:xfrm>
-            <a:off x="646111" y="452718"/>
-            <a:ext cx="9404723" cy="1400530"/>
-          </a:xfrm>
-        </p:spPr>
-        <p:txBody>
-          <a:bodyPr/>
-          <a:lstStyle/>
-          <a:p>
-            <a:r>
-              <a:rPr lang="en-CA"/>
-              <a:t>Authentication</a:t>
-            </a:r>
-            <a:endParaRPr lang="en-CA" dirty="0"/>
-          </a:p>
-        </p:txBody>
-      </p:sp>
-      <p:pic>
-        <p:nvPicPr>
-          <p:cNvPr id="5" name="Picture 4"/>
-          <p:cNvPicPr>
-            <a:picLocks noChangeAspect="1"/>
-          </p:cNvPicPr>
-          <p:nvPr/>
-        </p:nvPicPr>
-        <p:blipFill rotWithShape="1">
-          <a:blip r:embed="rId2"/>
-          <a:srcRect t="10510" r="786"/>
-          <a:stretch/>
-        </p:blipFill>
-        <p:spPr>
-          <a:xfrm>
-            <a:off x="1577451" y="1530517"/>
-            <a:ext cx="8771406" cy="4725053"/>
-          </a:xfrm>
-          <a:prstGeom prst="rect">
-            <a:avLst/>
-          </a:prstGeom>
-        </p:spPr>
-      </p:pic>
-    </p:spTree>
-    <p:extLst>
-      <p:ext uri="{BB962C8B-B14F-4D97-AF65-F5344CB8AC3E}">
-        <p14:creationId xmlns:p14="http://schemas.microsoft.com/office/powerpoint/2010/main" val="3040520277"/>
-      </p:ext>
-    </p:extLst>
-  </p:cSld>
-  <p:clrMapOvr>
-    <a:masterClrMapping/>
-  </p:clrMapOvr>
-</p:sld>
-</file>
-
-<file path=ppt/slides/slide11.xml><?xml version="1.0" encoding="utf-8"?>
-<p:sld xmlns:a="http://schemas.openxmlformats.org/drawingml/2006/main" xmlns:r="http://schemas.openxmlformats.org/officeDocument/2006/relationships" xmlns:p="http://schemas.openxmlformats.org/presentationml/2006/main">
-  <p:cSld>
-    <p:spTree>
-      <p:nvGrpSpPr>
-        <p:cNvPr id="1" name=""/>
-        <p:cNvGrpSpPr/>
-        <p:nvPr/>
-      </p:nvGrpSpPr>
-      <p:grpSpPr>
-        <a:xfrm>
-          <a:off x="0" y="0"/>
-          <a:ext cx="0" cy="0"/>
-          <a:chOff x="0" y="0"/>
-          <a:chExt cx="0" cy="0"/>
-        </a:xfrm>
-      </p:grpSpPr>
-      <p:sp>
-        <p:nvSpPr>
-          <p:cNvPr id="9" name="Rectangle 8"/>
+          <p:cNvPr id="68" name="Rectangle 8"/>
           <p:cNvSpPr>
             <a:spLocks noGrp="1" noRot="1" noChangeAspect="1" noMove="1" noResize="1" noEditPoints="1" noAdjustHandles="1" noChangeArrowheads="1" noChangeShapeType="1" noTextEdit="1"/>
           </p:cNvSpPr>
@@ -6193,7 +6180,7 @@
       </p:sp>
       <p:pic>
         <p:nvPicPr>
-          <p:cNvPr id="11" name="Picture 10"/>
+          <p:cNvPr id="69" name="Picture 10"/>
           <p:cNvPicPr>
             <a:picLocks noGrp="1" noRot="1" noChangeAspect="1" noMove="1" noResize="1" noEditPoints="1" noAdjustHandles="1" noChangeArrowheads="1" noChangeShapeType="1" noCrop="1"/>
           </p:cNvPicPr>
@@ -6228,7 +6215,7 @@
       </p:pic>
       <p:pic>
         <p:nvPicPr>
-          <p:cNvPr id="13" name="Picture 12"/>
+          <p:cNvPr id="70" name="Picture 12"/>
           <p:cNvPicPr>
             <a:picLocks noGrp="1" noRot="1" noChangeAspect="1" noMove="1" noResize="1" noEditPoints="1" noAdjustHandles="1" noChangeArrowheads="1" noChangeShapeType="1" noCrop="1"/>
           </p:cNvPicPr>
@@ -6263,7 +6250,7 @@
       </p:pic>
       <p:sp>
         <p:nvSpPr>
-          <p:cNvPr id="15" name="Oval 14"/>
+          <p:cNvPr id="71" name="Oval 14"/>
           <p:cNvSpPr>
             <a:spLocks noGrp="1" noRot="1" noChangeAspect="1" noMove="1" noResize="1" noEditPoints="1" noAdjustHandles="1" noChangeArrowheads="1" noChangeShapeType="1" noTextEdit="1"/>
           </p:cNvSpPr>
@@ -6334,7 +6321,7 @@
       </p:sp>
       <p:pic>
         <p:nvPicPr>
-          <p:cNvPr id="17" name="Picture 16"/>
+          <p:cNvPr id="72" name="Picture 16"/>
           <p:cNvPicPr>
             <a:picLocks noGrp="1" noRot="1" noChangeAspect="1" noMove="1" noResize="1" noEditPoints="1" noAdjustHandles="1" noChangeArrowheads="1" noChangeShapeType="1" noCrop="1"/>
           </p:cNvPicPr>
@@ -6369,7 +6356,7 @@
       </p:pic>
       <p:pic>
         <p:nvPicPr>
-          <p:cNvPr id="19" name="Picture 18"/>
+          <p:cNvPr id="73" name="Picture 18"/>
           <p:cNvPicPr>
             <a:picLocks noGrp="1" noRot="1" noChangeAspect="1" noMove="1" noResize="1" noEditPoints="1" noAdjustHandles="1" noChangeArrowheads="1" noChangeShapeType="1" noCrop="1"/>
           </p:cNvPicPr>
@@ -6404,7 +6391,7 @@
       </p:pic>
       <p:sp>
         <p:nvSpPr>
-          <p:cNvPr id="21" name="Rectangle 20"/>
+          <p:cNvPr id="74" name="Rectangle 20"/>
           <p:cNvSpPr>
             <a:spLocks noGrp="1" noRot="1" noChangeAspect="1" noMove="1" noResize="1" noEditPoints="1" noAdjustHandles="1" noChangeArrowheads="1" noChangeShapeType="1" noTextEdit="1"/>
           </p:cNvSpPr>
@@ -6456,22 +6443,169 @@
         </p:nvPicPr>
         <p:blipFill rotWithShape="1">
           <a:blip r:embed="rId7"/>
-          <a:srcRect l="251" t="10510" r="81379" b="2"/>
+          <a:srcRect l="-1" t="10099" r="43610" b="19118"/>
           <a:stretch/>
         </p:blipFill>
         <p:spPr>
           <a:xfrm>
-            <a:off x="5699031" y="305228"/>
-            <a:ext cx="2146393" cy="6247543"/>
+            <a:off x="2440091" y="1410094"/>
+            <a:ext cx="6755802" cy="5066906"/>
           </a:xfrm>
           <a:prstGeom prst="rect">
             <a:avLst/>
           </a:prstGeom>
+          <a:effectLst>
+            <a:outerShdw blurRad="50800" dist="50800" dir="5400000" algn="tl" rotWithShape="0">
+              <a:prstClr val="black">
+                <a:alpha val="43000"/>
+              </a:prstClr>
+            </a:outerShdw>
+          </a:effectLst>
         </p:spPr>
       </p:pic>
       <p:sp>
         <p:nvSpPr>
-          <p:cNvPr id="23" name="Rectangle 22"/>
+          <p:cNvPr id="2" name="Title 1"/>
+          <p:cNvSpPr>
+            <a:spLocks noGrp="1"/>
+          </p:cNvSpPr>
+          <p:nvPr>
+            <p:ph type="title"/>
+          </p:nvPr>
+        </p:nvSpPr>
+        <p:spPr>
+          <a:xfrm>
+            <a:off x="1272522" y="375670"/>
+            <a:ext cx="8825658" cy="834720"/>
+          </a:xfrm>
+        </p:spPr>
+        <p:txBody>
+          <a:bodyPr vert="horz" lIns="91440" tIns="45720" rIns="91440" bIns="45720" rtlCol="0" anchor="b">
+            <a:normAutofit/>
+          </a:bodyPr>
+          <a:lstStyle/>
+          <a:p>
+            <a:r>
+              <a:rPr lang="en-US" sz="4800" dirty="0"/>
+              <a:t>JSON Object Key Pair Values</a:t>
+            </a:r>
+          </a:p>
+        </p:txBody>
+      </p:sp>
+    </p:spTree>
+    <p:extLst>
+      <p:ext uri="{BB962C8B-B14F-4D97-AF65-F5344CB8AC3E}">
+        <p14:creationId xmlns:p14="http://schemas.microsoft.com/office/powerpoint/2010/main" val="1310992685"/>
+      </p:ext>
+    </p:extLst>
+  </p:cSld>
+  <p:clrMapOvr>
+    <a:masterClrMapping/>
+  </p:clrMapOvr>
+</p:sld>
+</file>
+
+<file path=ppt/slides/slide11.xml><?xml version="1.0" encoding="utf-8"?>
+<p:sld xmlns:a="http://schemas.openxmlformats.org/drawingml/2006/main" xmlns:r="http://schemas.openxmlformats.org/officeDocument/2006/relationships" xmlns:p="http://schemas.openxmlformats.org/presentationml/2006/main">
+  <p:cSld>
+    <p:spTree>
+      <p:nvGrpSpPr>
+        <p:cNvPr id="1" name=""/>
+        <p:cNvGrpSpPr/>
+        <p:nvPr/>
+      </p:nvGrpSpPr>
+      <p:grpSpPr>
+        <a:xfrm>
+          <a:off x="0" y="0"/>
+          <a:ext cx="0" cy="0"/>
+          <a:chOff x="0" y="0"/>
+          <a:chExt cx="0" cy="0"/>
+        </a:xfrm>
+      </p:grpSpPr>
+      <p:sp>
+        <p:nvSpPr>
+          <p:cNvPr id="2" name="Title 1"/>
+          <p:cNvSpPr>
+            <a:spLocks noGrp="1"/>
+          </p:cNvSpPr>
+          <p:nvPr>
+            <p:ph type="title"/>
+          </p:nvPr>
+        </p:nvSpPr>
+        <p:spPr>
+          <a:xfrm>
+            <a:off x="646111" y="452718"/>
+            <a:ext cx="9404723" cy="1400530"/>
+          </a:xfrm>
+        </p:spPr>
+        <p:txBody>
+          <a:bodyPr/>
+          <a:lstStyle/>
+          <a:p>
+            <a:r>
+              <a:rPr lang="en-CA"/>
+              <a:t>Authentication</a:t>
+            </a:r>
+            <a:endParaRPr lang="en-CA" dirty="0"/>
+          </a:p>
+        </p:txBody>
+      </p:sp>
+      <p:pic>
+        <p:nvPicPr>
+          <p:cNvPr id="5" name="Picture 4"/>
+          <p:cNvPicPr>
+            <a:picLocks noChangeAspect="1"/>
+          </p:cNvPicPr>
+          <p:nvPr/>
+        </p:nvPicPr>
+        <p:blipFill rotWithShape="1">
+          <a:blip r:embed="rId2"/>
+          <a:srcRect t="10510" r="786"/>
+          <a:stretch/>
+        </p:blipFill>
+        <p:spPr>
+          <a:xfrm>
+            <a:off x="1577451" y="1530517"/>
+            <a:ext cx="8771406" cy="4725053"/>
+          </a:xfrm>
+          <a:prstGeom prst="rect">
+            <a:avLst/>
+          </a:prstGeom>
+        </p:spPr>
+      </p:pic>
+    </p:spTree>
+    <p:extLst>
+      <p:ext uri="{BB962C8B-B14F-4D97-AF65-F5344CB8AC3E}">
+        <p14:creationId xmlns:p14="http://schemas.microsoft.com/office/powerpoint/2010/main" val="3040520277"/>
+      </p:ext>
+    </p:extLst>
+  </p:cSld>
+  <p:clrMapOvr>
+    <a:masterClrMapping/>
+  </p:clrMapOvr>
+</p:sld>
+</file>
+
+<file path=ppt/slides/slide12.xml><?xml version="1.0" encoding="utf-8"?>
+<p:sld xmlns:a="http://schemas.openxmlformats.org/drawingml/2006/main" xmlns:r="http://schemas.openxmlformats.org/officeDocument/2006/relationships" xmlns:p="http://schemas.openxmlformats.org/presentationml/2006/main">
+  <p:cSld>
+    <p:spTree>
+      <p:nvGrpSpPr>
+        <p:cNvPr id="1" name=""/>
+        <p:cNvGrpSpPr/>
+        <p:nvPr/>
+      </p:nvGrpSpPr>
+      <p:grpSpPr>
+        <a:xfrm>
+          <a:off x="0" y="0"/>
+          <a:ext cx="0" cy="0"/>
+          <a:chOff x="0" y="0"/>
+          <a:chExt cx="0" cy="0"/>
+        </a:xfrm>
+      </p:grpSpPr>
+      <p:sp>
+        <p:nvSpPr>
+          <p:cNvPr id="9" name="Rectangle 8"/>
           <p:cNvSpPr>
             <a:spLocks noGrp="1" noRot="1" noChangeAspect="1" noMove="1" noResize="1" noEditPoints="1" noAdjustHandles="1" noChangeArrowheads="1" noChangeShapeType="1" noTextEdit="1"/>
           </p:cNvSpPr>
@@ -6483,20 +6617,164 @@
             </p:extLst>
           </p:nvPr>
         </p:nvSpPr>
-        <p:spPr>
-          <a:xfrm>
-            <a:off x="10437812" y="0"/>
-            <a:ext cx="685800" cy="1143000"/>
+        <p:spPr bwMode="white">
+          <a:xfrm>
+            <a:off x="0" y="0"/>
+            <a:ext cx="12192000" cy="6858000"/>
           </a:xfrm>
           <a:prstGeom prst="rect">
             <a:avLst/>
           </a:prstGeom>
-          <a:solidFill>
-            <a:schemeClr val="accent1"/>
-          </a:solidFill>
+          <a:blipFill rotWithShape="1">
+            <a:blip r:embed="rId2">
+              <a:duotone>
+                <a:schemeClr val="bg2">
+                  <a:shade val="62000"/>
+                  <a:hueMod val="108000"/>
+                  <a:satMod val="164000"/>
+                  <a:lumMod val="69000"/>
+                </a:schemeClr>
+                <a:schemeClr val="bg2">
+                  <a:tint val="96000"/>
+                  <a:hueMod val="90000"/>
+                  <a:satMod val="130000"/>
+                  <a:lumMod val="134000"/>
+                </a:schemeClr>
+              </a:duotone>
+            </a:blip>
+            <a:stretch/>
+          </a:blipFill>
           <a:ln>
             <a:noFill/>
           </a:ln>
+          <a:effectLst/>
+        </p:spPr>
+      </p:sp>
+      <p:pic>
+        <p:nvPicPr>
+          <p:cNvPr id="11" name="Picture 10"/>
+          <p:cNvPicPr>
+            <a:picLocks noGrp="1" noRot="1" noChangeAspect="1" noMove="1" noResize="1" noEditPoints="1" noAdjustHandles="1" noChangeArrowheads="1" noChangeShapeType="1" noCrop="1"/>
+          </p:cNvPicPr>
+          <p:nvPr>
+            <p:extLst>
+              <p:ext uri="{386F3935-93C4-4BCD-93E2-E3B085C9AB24}">
+                <p16:designElem xmlns:p16="http://schemas.microsoft.com/office/powerpoint/2015/main" val="1"/>
+              </p:ext>
+            </p:extLst>
+          </p:nvPr>
+        </p:nvPicPr>
+        <p:blipFill rotWithShape="1">
+          <a:blip r:embed="rId3">
+            <a:extLst>
+              <a:ext uri="{28A0092B-C50C-407E-A947-70E740481C1C}">
+                <a14:useLocalDpi xmlns:a14="http://schemas.microsoft.com/office/drawing/2010/main" val="0"/>
+              </a:ext>
+            </a:extLst>
+          </a:blip>
+          <a:srcRect l="3613"/>
+          <a:stretch/>
+        </p:blipFill>
+        <p:spPr>
+          <a:xfrm>
+            <a:off x="0" y="2669685"/>
+            <a:ext cx="4037012" cy="4188315"/>
+          </a:xfrm>
+          <a:prstGeom prst="rect">
+            <a:avLst/>
+          </a:prstGeom>
+        </p:spPr>
+      </p:pic>
+      <p:pic>
+        <p:nvPicPr>
+          <p:cNvPr id="13" name="Picture 12"/>
+          <p:cNvPicPr>
+            <a:picLocks noGrp="1" noRot="1" noChangeAspect="1" noMove="1" noResize="1" noEditPoints="1" noAdjustHandles="1" noChangeArrowheads="1" noChangeShapeType="1" noCrop="1"/>
+          </p:cNvPicPr>
+          <p:nvPr>
+            <p:extLst>
+              <p:ext uri="{386F3935-93C4-4BCD-93E2-E3B085C9AB24}">
+                <p16:designElem xmlns:p16="http://schemas.microsoft.com/office/powerpoint/2015/main" val="1"/>
+              </p:ext>
+            </p:extLst>
+          </p:nvPr>
+        </p:nvPicPr>
+        <p:blipFill rotWithShape="1">
+          <a:blip r:embed="rId4">
+            <a:extLst>
+              <a:ext uri="{28A0092B-C50C-407E-A947-70E740481C1C}">
+                <a14:useLocalDpi xmlns:a14="http://schemas.microsoft.com/office/drawing/2010/main" val="0"/>
+              </a:ext>
+            </a:extLst>
+          </a:blip>
+          <a:srcRect l="35640"/>
+          <a:stretch/>
+        </p:blipFill>
+        <p:spPr>
+          <a:xfrm>
+            <a:off x="0" y="2892347"/>
+            <a:ext cx="1522412" cy="2365453"/>
+          </a:xfrm>
+          <a:prstGeom prst="rect">
+            <a:avLst/>
+          </a:prstGeom>
+        </p:spPr>
+      </p:pic>
+      <p:sp>
+        <p:nvSpPr>
+          <p:cNvPr id="15" name="Oval 14"/>
+          <p:cNvSpPr>
+            <a:spLocks noGrp="1" noRot="1" noChangeAspect="1" noMove="1" noResize="1" noEditPoints="1" noAdjustHandles="1" noChangeArrowheads="1" noChangeShapeType="1" noTextEdit="1"/>
+          </p:cNvSpPr>
+          <p:nvPr>
+            <p:extLst>
+              <p:ext uri="{386F3935-93C4-4BCD-93E2-E3B085C9AB24}">
+                <p16:designElem xmlns:p16="http://schemas.microsoft.com/office/powerpoint/2015/main" val="1"/>
+              </p:ext>
+            </p:extLst>
+          </p:nvPr>
+        </p:nvSpPr>
+        <p:spPr>
+          <a:xfrm>
+            <a:off x="8609012" y="1676400"/>
+            <a:ext cx="2819400" cy="2819400"/>
+          </a:xfrm>
+          <a:prstGeom prst="ellipse">
+            <a:avLst/>
+          </a:prstGeom>
+          <a:gradFill flip="none" rotWithShape="1">
+            <a:gsLst>
+              <a:gs pos="0">
+                <a:schemeClr val="bg2">
+                  <a:lumMod val="40000"/>
+                  <a:lumOff val="60000"/>
+                  <a:alpha val="7000"/>
+                </a:schemeClr>
+              </a:gs>
+              <a:gs pos="69000">
+                <a:schemeClr val="bg2">
+                  <a:lumMod val="40000"/>
+                  <a:lumOff val="60000"/>
+                  <a:alpha val="0"/>
+                </a:schemeClr>
+              </a:gs>
+              <a:gs pos="36000">
+                <a:schemeClr val="bg2">
+                  <a:lumMod val="40000"/>
+                  <a:lumOff val="60000"/>
+                  <a:alpha val="6000"/>
+                </a:schemeClr>
+              </a:gs>
+            </a:gsLst>
+            <a:path path="circle">
+              <a:fillToRect l="50000" t="50000" r="50000" b="50000"/>
+            </a:path>
+            <a:tileRect/>
+          </a:gradFill>
+          <a:ln>
+            <a:noFill/>
+          </a:ln>
+          <a:effectLst/>
         </p:spPr>
         <p:style>
           <a:lnRef idx="1">
@@ -6513,6 +6791,187 @@
           </a:fontRef>
         </p:style>
       </p:sp>
+      <p:pic>
+        <p:nvPicPr>
+          <p:cNvPr id="17" name="Picture 16"/>
+          <p:cNvPicPr>
+            <a:picLocks noGrp="1" noRot="1" noChangeAspect="1" noMove="1" noResize="1" noEditPoints="1" noAdjustHandles="1" noChangeArrowheads="1" noChangeShapeType="1" noCrop="1"/>
+          </p:cNvPicPr>
+          <p:nvPr>
+            <p:extLst>
+              <p:ext uri="{386F3935-93C4-4BCD-93E2-E3B085C9AB24}">
+                <p16:designElem xmlns:p16="http://schemas.microsoft.com/office/powerpoint/2015/main" val="1"/>
+              </p:ext>
+            </p:extLst>
+          </p:nvPr>
+        </p:nvPicPr>
+        <p:blipFill rotWithShape="1">
+          <a:blip r:embed="rId5">
+            <a:extLst>
+              <a:ext uri="{28A0092B-C50C-407E-A947-70E740481C1C}">
+                <a14:useLocalDpi xmlns:a14="http://schemas.microsoft.com/office/drawing/2010/main" val="0"/>
+              </a:ext>
+            </a:extLst>
+          </a:blip>
+          <a:srcRect t="28813"/>
+          <a:stretch/>
+        </p:blipFill>
+        <p:spPr>
+          <a:xfrm>
+            <a:off x="7999412" y="0"/>
+            <a:ext cx="1603387" cy="1141407"/>
+          </a:xfrm>
+          <a:prstGeom prst="rect">
+            <a:avLst/>
+          </a:prstGeom>
+        </p:spPr>
+      </p:pic>
+      <p:pic>
+        <p:nvPicPr>
+          <p:cNvPr id="19" name="Picture 18"/>
+          <p:cNvPicPr>
+            <a:picLocks noGrp="1" noRot="1" noChangeAspect="1" noMove="1" noResize="1" noEditPoints="1" noAdjustHandles="1" noChangeArrowheads="1" noChangeShapeType="1" noCrop="1"/>
+          </p:cNvPicPr>
+          <p:nvPr>
+            <p:extLst>
+              <p:ext uri="{386F3935-93C4-4BCD-93E2-E3B085C9AB24}">
+                <p16:designElem xmlns:p16="http://schemas.microsoft.com/office/powerpoint/2015/main" val="1"/>
+              </p:ext>
+            </p:extLst>
+          </p:nvPr>
+        </p:nvPicPr>
+        <p:blipFill rotWithShape="1">
+          <a:blip r:embed="rId6">
+            <a:extLst>
+              <a:ext uri="{28A0092B-C50C-407E-A947-70E740481C1C}">
+                <a14:useLocalDpi xmlns:a14="http://schemas.microsoft.com/office/drawing/2010/main" val="0"/>
+              </a:ext>
+            </a:extLst>
+          </a:blip>
+          <a:srcRect b="23320"/>
+          <a:stretch/>
+        </p:blipFill>
+        <p:spPr>
+          <a:xfrm>
+            <a:off x="8609012" y="6096000"/>
+            <a:ext cx="993734" cy="762000"/>
+          </a:xfrm>
+          <a:prstGeom prst="rect">
+            <a:avLst/>
+          </a:prstGeom>
+        </p:spPr>
+      </p:pic>
+      <p:sp>
+        <p:nvSpPr>
+          <p:cNvPr id="21" name="Rectangle 20"/>
+          <p:cNvSpPr>
+            <a:spLocks noGrp="1" noRot="1" noChangeAspect="1" noMove="1" noResize="1" noEditPoints="1" noAdjustHandles="1" noChangeArrowheads="1" noChangeShapeType="1" noTextEdit="1"/>
+          </p:cNvSpPr>
+          <p:nvPr>
+            <p:extLst>
+              <p:ext uri="{386F3935-93C4-4BCD-93E2-E3B085C9AB24}">
+                <p16:designElem xmlns:p16="http://schemas.microsoft.com/office/powerpoint/2015/main" val="1"/>
+              </p:ext>
+            </p:extLst>
+          </p:nvPr>
+        </p:nvSpPr>
+        <p:spPr>
+          <a:xfrm>
+            <a:off x="10437812" y="0"/>
+            <a:ext cx="685800" cy="1143000"/>
+          </a:xfrm>
+          <a:prstGeom prst="rect">
+            <a:avLst/>
+          </a:prstGeom>
+          <a:solidFill>
+            <a:schemeClr val="accent1"/>
+          </a:solidFill>
+          <a:ln>
+            <a:noFill/>
+          </a:ln>
+        </p:spPr>
+        <p:style>
+          <a:lnRef idx="1">
+            <a:schemeClr val="accent1"/>
+          </a:lnRef>
+          <a:fillRef idx="3">
+            <a:schemeClr val="accent1"/>
+          </a:fillRef>
+          <a:effectRef idx="2">
+            <a:schemeClr val="accent1"/>
+          </a:effectRef>
+          <a:fontRef idx="minor">
+            <a:schemeClr val="lt1"/>
+          </a:fontRef>
+        </p:style>
+      </p:sp>
+      <p:pic>
+        <p:nvPicPr>
+          <p:cNvPr id="4" name="Picture 3"/>
+          <p:cNvPicPr>
+            <a:picLocks noChangeAspect="1"/>
+          </p:cNvPicPr>
+          <p:nvPr/>
+        </p:nvPicPr>
+        <p:blipFill rotWithShape="1">
+          <a:blip r:embed="rId7"/>
+          <a:srcRect l="251" t="10510" r="81379" b="2"/>
+          <a:stretch/>
+        </p:blipFill>
+        <p:spPr>
+          <a:xfrm>
+            <a:off x="5699031" y="305228"/>
+            <a:ext cx="2146393" cy="6247543"/>
+          </a:xfrm>
+          <a:prstGeom prst="rect">
+            <a:avLst/>
+          </a:prstGeom>
+        </p:spPr>
+      </p:pic>
+      <p:sp>
+        <p:nvSpPr>
+          <p:cNvPr id="23" name="Rectangle 22"/>
+          <p:cNvSpPr>
+            <a:spLocks noGrp="1" noRot="1" noChangeAspect="1" noMove="1" noResize="1" noEditPoints="1" noAdjustHandles="1" noChangeArrowheads="1" noChangeShapeType="1" noTextEdit="1"/>
+          </p:cNvSpPr>
+          <p:nvPr>
+            <p:extLst>
+              <p:ext uri="{386F3935-93C4-4BCD-93E2-E3B085C9AB24}">
+                <p16:designElem xmlns:p16="http://schemas.microsoft.com/office/powerpoint/2015/main" val="1"/>
+              </p:ext>
+            </p:extLst>
+          </p:nvPr>
+        </p:nvSpPr>
+        <p:spPr>
+          <a:xfrm>
+            <a:off x="10437812" y="0"/>
+            <a:ext cx="685800" cy="1143000"/>
+          </a:xfrm>
+          <a:prstGeom prst="rect">
+            <a:avLst/>
+          </a:prstGeom>
+          <a:solidFill>
+            <a:schemeClr val="accent1"/>
+          </a:solidFill>
+          <a:ln>
+            <a:noFill/>
+          </a:ln>
+        </p:spPr>
+        <p:style>
+          <a:lnRef idx="1">
+            <a:schemeClr val="accent1"/>
+          </a:lnRef>
+          <a:fillRef idx="3">
+            <a:schemeClr val="accent1"/>
+          </a:fillRef>
+          <a:effectRef idx="2">
+            <a:schemeClr val="accent1"/>
+          </a:effectRef>
+          <a:fontRef idx="minor">
+            <a:schemeClr val="lt1"/>
+          </a:fontRef>
+        </p:style>
+      </p:sp>
       <p:sp>
         <p:nvSpPr>
           <p:cNvPr id="2" name="Title 1"/>
@@ -6555,7 +7014,7 @@
 </p:sld>
 </file>
 
-<file path=ppt/slides/slide12.xml><?xml version="1.0" encoding="utf-8"?>
+<file path=ppt/slides/slide13.xml><?xml version="1.0" encoding="utf-8"?>
 <p:sld xmlns:a="http://schemas.openxmlformats.org/drawingml/2006/main" xmlns:r="http://schemas.openxmlformats.org/officeDocument/2006/relationships" xmlns:p="http://schemas.openxmlformats.org/presentationml/2006/main">
   <p:cSld>
     <p:spTree>
@@ -6820,7 +7279,7 @@
 </p:sld>
 </file>
 
-<file path=ppt/slides/slide13.xml><?xml version="1.0" encoding="utf-8"?>
+<file path=ppt/slides/slide14.xml><?xml version="1.0" encoding="utf-8"?>
 <p:sld xmlns:a="http://schemas.openxmlformats.org/drawingml/2006/main" xmlns:r="http://schemas.openxmlformats.org/officeDocument/2006/relationships" xmlns:p="http://schemas.openxmlformats.org/presentationml/2006/main">
   <p:cSld>
     <p:spTree>
@@ -7049,7 +7508,7 @@
 </p:sld>
 </file>
 
-<file path=ppt/slides/slide14.xml><?xml version="1.0" encoding="utf-8"?>
+<file path=ppt/slides/slide15.xml><?xml version="1.0" encoding="utf-8"?>
 <p:sld xmlns:a="http://schemas.openxmlformats.org/drawingml/2006/main" xmlns:r="http://schemas.openxmlformats.org/officeDocument/2006/relationships" xmlns:p="http://schemas.openxmlformats.org/presentationml/2006/main">
   <p:cSld>
     <p:spTree>
@@ -7501,7 +7960,7 @@
 </p:sld>
 </file>
 
-<file path=ppt/slides/slide15.xml><?xml version="1.0" encoding="utf-8"?>
+<file path=ppt/slides/slide16.xml><?xml version="1.0" encoding="utf-8"?>
 <p:sld xmlns:a="http://schemas.openxmlformats.org/drawingml/2006/main" xmlns:r="http://schemas.openxmlformats.org/officeDocument/2006/relationships" xmlns:p="http://schemas.openxmlformats.org/presentationml/2006/main">
   <p:cSld>
     <p:spTree>
@@ -8426,7 +8885,7 @@
           <a:lstStyle/>
           <a:p>
             <a:r>
-              <a:rPr lang="en-CA" dirty="0"/>
+              <a:rPr lang="en-CA" sz="2400" dirty="0"/>
               <a:t>Social media</a:t>
             </a:r>
           </a:p>
@@ -8434,11 +8893,11 @@
             <a:pPr marL="0" indent="0">
               <a:buNone/>
             </a:pPr>
-            <a:endParaRPr lang="en-CA" dirty="0"/>
-          </a:p>
-          <a:p>
-            <a:r>
-              <a:rPr lang="en-CA" dirty="0"/>
+            <a:endParaRPr lang="en-CA" sz="2400" dirty="0"/>
+          </a:p>
+          <a:p>
+            <a:r>
+              <a:rPr lang="en-CA" sz="2400" dirty="0"/>
               <a:t>For Champlain College Students</a:t>
             </a:r>
           </a:p>
@@ -8446,7 +8905,7 @@
             <a:pPr marL="0" indent="0">
               <a:buNone/>
             </a:pPr>
-            <a:endParaRPr lang="en-CA" dirty="0"/>
+            <a:endParaRPr lang="en-CA" sz="2400" dirty="0"/>
           </a:p>
         </p:txBody>
       </p:sp>
@@ -9294,30 +9753,44 @@
           <a:p>
             <a:r>
               <a:rPr lang="en-US" dirty="0"/>
-              <a:t>How it looks like</a:t>
-            </a:r>
-          </a:p>
-        </p:txBody>
-      </p:sp>
-      <p:sp>
-        <p:nvSpPr>
-          <p:cNvPr id="3" name="Content Placeholder 2"/>
-          <p:cNvSpPr>
-            <a:spLocks noGrp="1"/>
-          </p:cNvSpPr>
-          <p:nvPr>
-            <p:ph idx="1"/>
-          </p:nvPr>
-        </p:nvSpPr>
-        <p:spPr/>
-        <p:txBody>
-          <a:bodyPr/>
-          <a:lstStyle/>
-          <a:p>
-            <a:endParaRPr lang="en-CA"/>
-          </a:p>
-        </p:txBody>
-      </p:sp>
+              <a:t>Visuals</a:t>
+            </a:r>
+          </a:p>
+        </p:txBody>
+      </p:sp>
+      <p:pic>
+        <p:nvPicPr>
+          <p:cNvPr id="5" name="Image 4" descr="C:\Users\William\Google Drive\Pics for Final project\Screenshot_2017-05-22-10-50-17.png"/>
+          <p:cNvPicPr/>
+          <p:nvPr/>
+        </p:nvPicPr>
+        <p:blipFill>
+          <a:blip r:embed="rId2" cstate="print">
+            <a:extLst>
+              <a:ext uri="{28A0092B-C50C-407E-A947-70E740481C1C}">
+                <a14:useLocalDpi xmlns:a14="http://schemas.microsoft.com/office/drawing/2010/main" val="0"/>
+              </a:ext>
+            </a:extLst>
+          </a:blip>
+          <a:srcRect/>
+          <a:stretch>
+            <a:fillRect/>
+          </a:stretch>
+        </p:blipFill>
+        <p:spPr bwMode="auto">
+          <a:xfrm>
+            <a:off x="4199617" y="452718"/>
+            <a:ext cx="3376839" cy="6001992"/>
+          </a:xfrm>
+          <a:prstGeom prst="rect">
+            <a:avLst/>
+          </a:prstGeom>
+          <a:noFill/>
+          <a:ln>
+            <a:noFill/>
+          </a:ln>
+        </p:spPr>
+      </p:pic>
     </p:spTree>
     <p:extLst>
       <p:ext uri="{BB962C8B-B14F-4D97-AF65-F5344CB8AC3E}">
@@ -9348,6 +9821,38 @@
           <a:chExt cx="0" cy="0"/>
         </a:xfrm>
       </p:grpSpPr>
+      <p:sp>
+        <p:nvSpPr>
+          <p:cNvPr id="2" name="TextBox 1"/>
+          <p:cNvSpPr txBox="1"/>
+          <p:nvPr/>
+        </p:nvSpPr>
+        <p:spPr>
+          <a:xfrm>
+            <a:off x="870858" y="2714172"/>
+            <a:ext cx="10014857" cy="1323439"/>
+          </a:xfrm>
+          <a:prstGeom prst="rect">
+            <a:avLst/>
+          </a:prstGeom>
+          <a:noFill/>
+        </p:spPr>
+        <p:txBody>
+          <a:bodyPr wrap="square" rtlCol="0">
+            <a:spAutoFit/>
+          </a:bodyPr>
+          <a:lstStyle/>
+          <a:p>
+            <a:pPr algn="ctr"/>
+            <a:r>
+              <a:rPr lang="en-CA" sz="8000" dirty="0">
+                <a:latin typeface="Actonia Hand PERSONAL USE" pitchFamily="2" charset="0"/>
+              </a:rPr>
+              <a:t>Casting device…</a:t>
+            </a:r>
+          </a:p>
+        </p:txBody>
+      </p:sp>
     </p:spTree>
     <p:extLst>
       <p:ext uri="{BB962C8B-B14F-4D97-AF65-F5344CB8AC3E}">
@@ -10631,7 +11136,7 @@
       </p:grpSpPr>
       <p:sp>
         <p:nvSpPr>
-          <p:cNvPr id="68" name="Rectangle 8"/>
+          <p:cNvPr id="9" name="Rectangle 8"/>
           <p:cNvSpPr>
             <a:spLocks noGrp="1" noRot="1" noChangeAspect="1" noMove="1" noResize="1" noEditPoints="1" noAdjustHandles="1" noChangeArrowheads="1" noChangeShapeType="1" noTextEdit="1"/>
           </p:cNvSpPr>
@@ -10643,45 +11148,52 @@
             </p:extLst>
           </p:nvPr>
         </p:nvSpPr>
-        <p:spPr bwMode="white">
-          <a:xfrm>
-            <a:off x="0" y="0"/>
-            <a:ext cx="12192000" cy="6858000"/>
+        <p:spPr>
+          <a:xfrm>
+            <a:off x="6093992" y="0"/>
+            <a:ext cx="6098427" cy="6858000"/>
           </a:xfrm>
           <a:prstGeom prst="rect">
             <a:avLst/>
           </a:prstGeom>
-          <a:blipFill rotWithShape="1">
-            <a:blip r:embed="rId2">
-              <a:duotone>
-                <a:schemeClr val="bg2">
-                  <a:shade val="62000"/>
-                  <a:hueMod val="108000"/>
-                  <a:satMod val="164000"/>
-                  <a:lumMod val="69000"/>
-                </a:schemeClr>
-                <a:schemeClr val="bg2">
-                  <a:tint val="96000"/>
-                  <a:hueMod val="90000"/>
-                  <a:satMod val="130000"/>
-                  <a:lumMod val="134000"/>
-                </a:schemeClr>
-              </a:duotone>
-            </a:blip>
-            <a:stretch/>
-          </a:blipFill>
+          <a:solidFill>
+            <a:srgbClr val="FFFFFF"/>
+          </a:solidFill>
           <a:ln>
             <a:noFill/>
           </a:ln>
-          <a:effectLst/>
-        </p:spPr>
-      </p:sp>
-      <p:pic>
-        <p:nvPicPr>
-          <p:cNvPr id="69" name="Picture 10"/>
-          <p:cNvPicPr>
-            <a:picLocks noGrp="1" noRot="1" noChangeAspect="1" noMove="1" noResize="1" noEditPoints="1" noAdjustHandles="1" noChangeArrowheads="1" noChangeShapeType="1" noCrop="1"/>
-          </p:cNvPicPr>
+        </p:spPr>
+        <p:style>
+          <a:lnRef idx="2">
+            <a:schemeClr val="accent1">
+              <a:shade val="50000"/>
+            </a:schemeClr>
+          </a:lnRef>
+          <a:fillRef idx="1">
+            <a:schemeClr val="accent1"/>
+          </a:fillRef>
+          <a:effectRef idx="0">
+            <a:schemeClr val="accent1"/>
+          </a:effectRef>
+          <a:fontRef idx="minor">
+            <a:schemeClr val="lt1"/>
+          </a:fontRef>
+        </p:style>
+        <p:txBody>
+          <a:bodyPr rtlCol="0" anchor="ctr"/>
+          <a:lstStyle/>
+          <a:p>
+            <a:pPr algn="ctr"/>
+            <a:endParaRPr lang="en-US"/>
+          </a:p>
+        </p:txBody>
+      </p:sp>
+      <p:sp>
+        <p:nvSpPr>
+          <p:cNvPr id="11" name="Freeform 31"/>
+          <p:cNvSpPr>
+            <a:spLocks noGrp="1" noRot="1" noChangeAspect="1" noMove="1" noResize="1" noEditPoints="1" noAdjustHandles="1" noChangeArrowheads="1" noChangeShapeType="1" noTextEdit="1"/>
+          </p:cNvSpPr>
           <p:nvPr>
             <p:extLst>
               <p:ext uri="{386F3935-93C4-4BCD-93E2-E3B085C9AB24}">
@@ -10689,34 +11201,342 @@
               </p:ext>
             </p:extLst>
           </p:nvPr>
-        </p:nvPicPr>
-        <p:blipFill rotWithShape="1">
-          <a:blip r:embed="rId3">
-            <a:extLst>
-              <a:ext uri="{28A0092B-C50C-407E-A947-70E740481C1C}">
-                <a14:useLocalDpi xmlns:a14="http://schemas.microsoft.com/office/drawing/2010/main" val="0"/>
-              </a:ext>
-            </a:extLst>
-          </a:blip>
-          <a:srcRect l="3613"/>
-          <a:stretch/>
-        </p:blipFill>
-        <p:spPr>
-          <a:xfrm>
-            <a:off x="0" y="2669685"/>
-            <a:ext cx="4037012" cy="4188315"/>
-          </a:xfrm>
-          <a:prstGeom prst="rect">
+        </p:nvSpPr>
+        <p:spPr>
+          <a:xfrm>
+            <a:off x="4994020" y="-1"/>
+            <a:ext cx="559472" cy="3709642"/>
+          </a:xfrm>
+          <a:custGeom>
             <a:avLst/>
-          </a:prstGeom>
-        </p:spPr>
-      </p:pic>
-      <p:pic>
-        <p:nvPicPr>
-          <p:cNvPr id="70" name="Picture 12"/>
-          <p:cNvPicPr>
-            <a:picLocks noGrp="1" noRot="1" noChangeAspect="1" noMove="1" noResize="1" noEditPoints="1" noAdjustHandles="1" noChangeArrowheads="1" noChangeShapeType="1" noCrop="1"/>
-          </p:cNvPicPr>
+            <a:gdLst>
+              <a:gd name="connsiteX0" fmla="*/ 0 w 559472"/>
+              <a:gd name="connsiteY0" fmla="*/ 0 h 3709642"/>
+              <a:gd name="connsiteX1" fmla="*/ 473952 w 559472"/>
+              <a:gd name="connsiteY1" fmla="*/ 0 h 3709642"/>
+              <a:gd name="connsiteX2" fmla="*/ 485840 w 559472"/>
+              <a:gd name="connsiteY2" fmla="*/ 161194 h 3709642"/>
+              <a:gd name="connsiteX3" fmla="*/ 523949 w 559472"/>
+              <a:gd name="connsiteY3" fmla="*/ 3672197 h 3709642"/>
+              <a:gd name="connsiteX4" fmla="*/ 454748 w 559472"/>
+              <a:gd name="connsiteY4" fmla="*/ 3709642 h 3709642"/>
+              <a:gd name="connsiteX5" fmla="*/ 448224 w 559472"/>
+              <a:gd name="connsiteY5" fmla="*/ 3510471 h 3709642"/>
+              <a:gd name="connsiteX6" fmla="*/ 443564 w 559472"/>
+              <a:gd name="connsiteY6" fmla="*/ 3408563 h 3709642"/>
+              <a:gd name="connsiteX7" fmla="*/ 438902 w 559472"/>
+              <a:gd name="connsiteY7" fmla="*/ 3304407 h 3709642"/>
+              <a:gd name="connsiteX8" fmla="*/ 433941 w 559472"/>
+              <a:gd name="connsiteY8" fmla="*/ 3198777 h 3709642"/>
+              <a:gd name="connsiteX9" fmla="*/ 427584 w 559472"/>
+              <a:gd name="connsiteY9" fmla="*/ 3092510 h 3709642"/>
+              <a:gd name="connsiteX10" fmla="*/ 420988 w 559472"/>
+              <a:gd name="connsiteY10" fmla="*/ 2984390 h 3709642"/>
+              <a:gd name="connsiteX11" fmla="*/ 414330 w 559472"/>
+              <a:gd name="connsiteY11" fmla="*/ 2874401 h 3709642"/>
+              <a:gd name="connsiteX12" fmla="*/ 406840 w 559472"/>
+              <a:gd name="connsiteY12" fmla="*/ 2762980 h 3709642"/>
+              <a:gd name="connsiteX13" fmla="*/ 397745 w 559472"/>
+              <a:gd name="connsiteY13" fmla="*/ 2650566 h 3709642"/>
+              <a:gd name="connsiteX14" fmla="*/ 389154 w 559472"/>
+              <a:gd name="connsiteY14" fmla="*/ 2536612 h 3709642"/>
+              <a:gd name="connsiteX15" fmla="*/ 379225 w 559472"/>
+              <a:gd name="connsiteY15" fmla="*/ 2421642 h 3709642"/>
+              <a:gd name="connsiteX16" fmla="*/ 368316 w 559472"/>
+              <a:gd name="connsiteY16" fmla="*/ 2305627 h 3709642"/>
+              <a:gd name="connsiteX17" fmla="*/ 357466 w 559472"/>
+              <a:gd name="connsiteY17" fmla="*/ 2189233 h 3709642"/>
+              <a:gd name="connsiteX18" fmla="*/ 344982 w 559472"/>
+              <a:gd name="connsiteY18" fmla="*/ 2071473 h 3709642"/>
+              <a:gd name="connsiteX19" fmla="*/ 332466 w 559472"/>
+              <a:gd name="connsiteY19" fmla="*/ 1952216 h 3709642"/>
+              <a:gd name="connsiteX20" fmla="*/ 319121 w 559472"/>
+              <a:gd name="connsiteY20" fmla="*/ 1833776 h 3709642"/>
+              <a:gd name="connsiteX21" fmla="*/ 304408 w 559472"/>
+              <a:gd name="connsiteY21" fmla="*/ 1713948 h 3709642"/>
+              <a:gd name="connsiteX22" fmla="*/ 288685 w 559472"/>
+              <a:gd name="connsiteY22" fmla="*/ 1592703 h 3709642"/>
+              <a:gd name="connsiteX23" fmla="*/ 273050 w 559472"/>
+              <a:gd name="connsiteY23" fmla="*/ 1471451 h 3709642"/>
+              <a:gd name="connsiteX24" fmla="*/ 255813 w 559472"/>
+              <a:gd name="connsiteY24" fmla="*/ 1350328 h 3709642"/>
+              <a:gd name="connsiteX25" fmla="*/ 237060 w 559472"/>
+              <a:gd name="connsiteY25" fmla="*/ 1227080 h 3709642"/>
+              <a:gd name="connsiteX26" fmla="*/ 218488 w 559472"/>
+              <a:gd name="connsiteY26" fmla="*/ 1106065 h 3709642"/>
+              <a:gd name="connsiteX27" fmla="*/ 198221 w 559472"/>
+              <a:gd name="connsiteY27" fmla="*/ 982940 h 3709642"/>
+              <a:gd name="connsiteX28" fmla="*/ 177152 w 559472"/>
+              <a:gd name="connsiteY28" fmla="*/ 858755 h 3709642"/>
+              <a:gd name="connsiteX29" fmla="*/ 155551 w 559472"/>
+              <a:gd name="connsiteY29" fmla="*/ 736861 h 3709642"/>
+              <a:gd name="connsiteX30" fmla="*/ 131782 w 559472"/>
+              <a:gd name="connsiteY30" fmla="*/ 613645 h 3709642"/>
+              <a:gd name="connsiteX31" fmla="*/ 107123 w 559472"/>
+              <a:gd name="connsiteY31" fmla="*/ 490500 h 3709642"/>
+              <a:gd name="connsiteX32" fmla="*/ 82552 w 559472"/>
+              <a:gd name="connsiteY32" fmla="*/ 367348 h 3709642"/>
+              <a:gd name="connsiteX33" fmla="*/ 55608 w 559472"/>
+              <a:gd name="connsiteY33" fmla="*/ 244762 h 3709642"/>
+              <a:gd name="connsiteX34" fmla="*/ 28130 w 559472"/>
+              <a:gd name="connsiteY34" fmla="*/ 122220 h 3709642"/>
+              <a:gd name="connsiteX35" fmla="*/ 0 w 559472"/>
+              <a:gd name="connsiteY35" fmla="*/ 0 h 3709642"/>
+            </a:gdLst>
+            <a:ahLst/>
+            <a:cxnLst>
+              <a:cxn ang="0">
+                <a:pos x="connsiteX0" y="connsiteY0"/>
+              </a:cxn>
+              <a:cxn ang="0">
+                <a:pos x="connsiteX1" y="connsiteY1"/>
+              </a:cxn>
+              <a:cxn ang="0">
+                <a:pos x="connsiteX2" y="connsiteY2"/>
+              </a:cxn>
+              <a:cxn ang="0">
+                <a:pos x="connsiteX3" y="connsiteY3"/>
+              </a:cxn>
+              <a:cxn ang="0">
+                <a:pos x="connsiteX4" y="connsiteY4"/>
+              </a:cxn>
+              <a:cxn ang="0">
+                <a:pos x="connsiteX5" y="connsiteY5"/>
+              </a:cxn>
+              <a:cxn ang="0">
+                <a:pos x="connsiteX6" y="connsiteY6"/>
+              </a:cxn>
+              <a:cxn ang="0">
+                <a:pos x="connsiteX7" y="connsiteY7"/>
+              </a:cxn>
+              <a:cxn ang="0">
+                <a:pos x="connsiteX8" y="connsiteY8"/>
+              </a:cxn>
+              <a:cxn ang="0">
+                <a:pos x="connsiteX9" y="connsiteY9"/>
+              </a:cxn>
+              <a:cxn ang="0">
+                <a:pos x="connsiteX10" y="connsiteY10"/>
+              </a:cxn>
+              <a:cxn ang="0">
+                <a:pos x="connsiteX11" y="connsiteY11"/>
+              </a:cxn>
+              <a:cxn ang="0">
+                <a:pos x="connsiteX12" y="connsiteY12"/>
+              </a:cxn>
+              <a:cxn ang="0">
+                <a:pos x="connsiteX13" y="connsiteY13"/>
+              </a:cxn>
+              <a:cxn ang="0">
+                <a:pos x="connsiteX14" y="connsiteY14"/>
+              </a:cxn>
+              <a:cxn ang="0">
+                <a:pos x="connsiteX15" y="connsiteY15"/>
+              </a:cxn>
+              <a:cxn ang="0">
+                <a:pos x="connsiteX16" y="connsiteY16"/>
+              </a:cxn>
+              <a:cxn ang="0">
+                <a:pos x="connsiteX17" y="connsiteY17"/>
+              </a:cxn>
+              <a:cxn ang="0">
+                <a:pos x="connsiteX18" y="connsiteY18"/>
+              </a:cxn>
+              <a:cxn ang="0">
+                <a:pos x="connsiteX19" y="connsiteY19"/>
+              </a:cxn>
+              <a:cxn ang="0">
+                <a:pos x="connsiteX20" y="connsiteY20"/>
+              </a:cxn>
+              <a:cxn ang="0">
+                <a:pos x="connsiteX21" y="connsiteY21"/>
+              </a:cxn>
+              <a:cxn ang="0">
+                <a:pos x="connsiteX22" y="connsiteY22"/>
+              </a:cxn>
+              <a:cxn ang="0">
+                <a:pos x="connsiteX23" y="connsiteY23"/>
+              </a:cxn>
+              <a:cxn ang="0">
+                <a:pos x="connsiteX24" y="connsiteY24"/>
+              </a:cxn>
+              <a:cxn ang="0">
+                <a:pos x="connsiteX25" y="connsiteY25"/>
+              </a:cxn>
+              <a:cxn ang="0">
+                <a:pos x="connsiteX26" y="connsiteY26"/>
+              </a:cxn>
+              <a:cxn ang="0">
+                <a:pos x="connsiteX27" y="connsiteY27"/>
+              </a:cxn>
+              <a:cxn ang="0">
+                <a:pos x="connsiteX28" y="connsiteY28"/>
+              </a:cxn>
+              <a:cxn ang="0">
+                <a:pos x="connsiteX29" y="connsiteY29"/>
+              </a:cxn>
+              <a:cxn ang="0">
+                <a:pos x="connsiteX30" y="connsiteY30"/>
+              </a:cxn>
+              <a:cxn ang="0">
+                <a:pos x="connsiteX31" y="connsiteY31"/>
+              </a:cxn>
+              <a:cxn ang="0">
+                <a:pos x="connsiteX32" y="connsiteY32"/>
+              </a:cxn>
+              <a:cxn ang="0">
+                <a:pos x="connsiteX33" y="connsiteY33"/>
+              </a:cxn>
+              <a:cxn ang="0">
+                <a:pos x="connsiteX34" y="connsiteY34"/>
+              </a:cxn>
+              <a:cxn ang="0">
+                <a:pos x="connsiteX35" y="connsiteY35"/>
+              </a:cxn>
+            </a:cxnLst>
+            <a:rect l="l" t="t" r="r" b="b"/>
+            <a:pathLst>
+              <a:path w="559472" h="3709642">
+                <a:moveTo>
+                  <a:pt x="0" y="0"/>
+                </a:moveTo>
+                <a:lnTo>
+                  <a:pt x="473952" y="0"/>
+                </a:lnTo>
+                <a:lnTo>
+                  <a:pt x="485840" y="161194"/>
+                </a:lnTo>
+                <a:cubicBezTo>
+                  <a:pt x="552063" y="1147770"/>
+                  <a:pt x="592441" y="3086737"/>
+                  <a:pt x="523949" y="3672197"/>
+                </a:cubicBezTo>
+                <a:cubicBezTo>
+                  <a:pt x="500842" y="3684557"/>
+                  <a:pt x="477855" y="3697282"/>
+                  <a:pt x="454748" y="3709642"/>
+                </a:cubicBezTo>
+                <a:lnTo>
+                  <a:pt x="448224" y="3510471"/>
+                </a:lnTo>
+                <a:lnTo>
+                  <a:pt x="443564" y="3408563"/>
+                </a:lnTo>
+                <a:lnTo>
+                  <a:pt x="438902" y="3304407"/>
+                </a:lnTo>
+                <a:lnTo>
+                  <a:pt x="433941" y="3198777"/>
+                </a:lnTo>
+                <a:lnTo>
+                  <a:pt x="427584" y="3092510"/>
+                </a:lnTo>
+                <a:lnTo>
+                  <a:pt x="420988" y="2984390"/>
+                </a:lnTo>
+                <a:lnTo>
+                  <a:pt x="414330" y="2874401"/>
+                </a:lnTo>
+                <a:lnTo>
+                  <a:pt x="406840" y="2762980"/>
+                </a:lnTo>
+                <a:lnTo>
+                  <a:pt x="397745" y="2650566"/>
+                </a:lnTo>
+                <a:lnTo>
+                  <a:pt x="389154" y="2536612"/>
+                </a:lnTo>
+                <a:lnTo>
+                  <a:pt x="379225" y="2421642"/>
+                </a:lnTo>
+                <a:lnTo>
+                  <a:pt x="368316" y="2305627"/>
+                </a:lnTo>
+                <a:lnTo>
+                  <a:pt x="357466" y="2189233"/>
+                </a:lnTo>
+                <a:lnTo>
+                  <a:pt x="344982" y="2071473"/>
+                </a:lnTo>
+                <a:lnTo>
+                  <a:pt x="332466" y="1952216"/>
+                </a:lnTo>
+                <a:lnTo>
+                  <a:pt x="319121" y="1833776"/>
+                </a:lnTo>
+                <a:lnTo>
+                  <a:pt x="304408" y="1713948"/>
+                </a:lnTo>
+                <a:lnTo>
+                  <a:pt x="288685" y="1592703"/>
+                </a:lnTo>
+                <a:lnTo>
+                  <a:pt x="273050" y="1471451"/>
+                </a:lnTo>
+                <a:lnTo>
+                  <a:pt x="255813" y="1350328"/>
+                </a:lnTo>
+                <a:lnTo>
+                  <a:pt x="237060" y="1227080"/>
+                </a:lnTo>
+                <a:lnTo>
+                  <a:pt x="218488" y="1106065"/>
+                </a:lnTo>
+                <a:lnTo>
+                  <a:pt x="198221" y="982940"/>
+                </a:lnTo>
+                <a:lnTo>
+                  <a:pt x="177152" y="858755"/>
+                </a:lnTo>
+                <a:lnTo>
+                  <a:pt x="155551" y="736861"/>
+                </a:lnTo>
+                <a:lnTo>
+                  <a:pt x="131782" y="613645"/>
+                </a:lnTo>
+                <a:lnTo>
+                  <a:pt x="107123" y="490500"/>
+                </a:lnTo>
+                <a:lnTo>
+                  <a:pt x="82552" y="367348"/>
+                </a:lnTo>
+                <a:lnTo>
+                  <a:pt x="55608" y="244762"/>
+                </a:lnTo>
+                <a:lnTo>
+                  <a:pt x="28130" y="122220"/>
+                </a:lnTo>
+                <a:lnTo>
+                  <a:pt x="0" y="0"/>
+                </a:lnTo>
+                <a:close/>
+              </a:path>
+            </a:pathLst>
+          </a:custGeom>
+          <a:solidFill>
+            <a:schemeClr val="tx1">
+              <a:alpha val="20000"/>
+            </a:schemeClr>
+          </a:solidFill>
+          <a:ln>
+            <a:noFill/>
+          </a:ln>
+        </p:spPr>
+        <p:txBody>
+          <a:bodyPr rtlCol="0" anchor="ctr"/>
+          <a:lstStyle/>
+          <a:p>
+            <a:pPr algn="ctr"/>
+            <a:endParaRPr lang="en-US"/>
+          </a:p>
+        </p:txBody>
+      </p:sp>
+      <p:sp>
+        <p:nvSpPr>
+          <p:cNvPr id="13" name="Freeform 5"/>
+          <p:cNvSpPr>
+            <a:spLocks noGrp="1" noRot="1" noChangeAspect="1" noMove="1" noResize="1" noEditPoints="1" noAdjustHandles="1" noChangeArrowheads="1" noChangeShapeType="1" noTextEdit="1"/>
+          </p:cNvSpPr>
           <p:nvPr>
             <p:extLst>
               <p:ext uri="{386F3935-93C4-4BCD-93E2-E3B085C9AB24}">
@@ -10724,31 +11544,212 @@
               </p:ext>
             </p:extLst>
           </p:nvPr>
+        </p:nvSpPr>
+        <p:spPr bwMode="gray">
+          <a:xfrm rot="16200000">
+            <a:off x="2450577" y="2756642"/>
+            <a:ext cx="6858000" cy="1344715"/>
+          </a:xfrm>
+          <a:custGeom>
+            <a:avLst/>
+            <a:gdLst/>
+            <a:ahLst/>
+            <a:cxnLst/>
+            <a:rect l="l" t="t" r="r" b="b"/>
+            <a:pathLst>
+              <a:path w="10000" h="8000">
+                <a:moveTo>
+                  <a:pt x="0" y="0"/>
+                </a:moveTo>
+                <a:lnTo>
+                  <a:pt x="0" y="7970"/>
+                </a:lnTo>
+                <a:lnTo>
+                  <a:pt x="10000" y="8000"/>
+                </a:lnTo>
+                <a:lnTo>
+                  <a:pt x="10000" y="7"/>
+                </a:lnTo>
+                <a:lnTo>
+                  <a:pt x="10000" y="7"/>
+                </a:lnTo>
+                <a:lnTo>
+                  <a:pt x="9773" y="156"/>
+                </a:lnTo>
+                <a:lnTo>
+                  <a:pt x="9547" y="298"/>
+                </a:lnTo>
+                <a:lnTo>
+                  <a:pt x="9320" y="437"/>
+                </a:lnTo>
+                <a:lnTo>
+                  <a:pt x="9092" y="556"/>
+                </a:lnTo>
+                <a:lnTo>
+                  <a:pt x="8865" y="676"/>
+                </a:lnTo>
+                <a:lnTo>
+                  <a:pt x="8637" y="788"/>
+                </a:lnTo>
+                <a:lnTo>
+                  <a:pt x="8412" y="884"/>
+                </a:lnTo>
+                <a:lnTo>
+                  <a:pt x="8184" y="975"/>
+                </a:lnTo>
+                <a:lnTo>
+                  <a:pt x="7957" y="1058"/>
+                </a:lnTo>
+                <a:lnTo>
+                  <a:pt x="7734" y="1130"/>
+                </a:lnTo>
+                <a:lnTo>
+                  <a:pt x="7508" y="1202"/>
+                </a:lnTo>
+                <a:lnTo>
+                  <a:pt x="7285" y="1262"/>
+                </a:lnTo>
+                <a:lnTo>
+                  <a:pt x="7062" y="1309"/>
+                </a:lnTo>
+                <a:lnTo>
+                  <a:pt x="6840" y="1358"/>
+                </a:lnTo>
+                <a:lnTo>
+                  <a:pt x="6620" y="1399"/>
+                </a:lnTo>
+                <a:lnTo>
+                  <a:pt x="6402" y="1428"/>
+                </a:lnTo>
+                <a:lnTo>
+                  <a:pt x="6184" y="1453"/>
+                </a:lnTo>
+                <a:lnTo>
+                  <a:pt x="5968" y="1477"/>
+                </a:lnTo>
+                <a:lnTo>
+                  <a:pt x="5755" y="1488"/>
+                </a:lnTo>
+                <a:lnTo>
+                  <a:pt x="5542" y="1500"/>
+                </a:lnTo>
+                <a:lnTo>
+                  <a:pt x="5332" y="1506"/>
+                </a:lnTo>
+                <a:lnTo>
+                  <a:pt x="5124" y="1500"/>
+                </a:lnTo>
+                <a:lnTo>
+                  <a:pt x="4918" y="1500"/>
+                </a:lnTo>
+                <a:lnTo>
+                  <a:pt x="4714" y="1488"/>
+                </a:lnTo>
+                <a:lnTo>
+                  <a:pt x="4514" y="1470"/>
+                </a:lnTo>
+                <a:lnTo>
+                  <a:pt x="4316" y="1453"/>
+                </a:lnTo>
+                <a:lnTo>
+                  <a:pt x="4122" y="1434"/>
+                </a:lnTo>
+                <a:lnTo>
+                  <a:pt x="3929" y="1405"/>
+                </a:lnTo>
+                <a:lnTo>
+                  <a:pt x="3739" y="1374"/>
+                </a:lnTo>
+                <a:lnTo>
+                  <a:pt x="3553" y="1346"/>
+                </a:lnTo>
+                <a:lnTo>
+                  <a:pt x="3190" y="1267"/>
+                </a:lnTo>
+                <a:lnTo>
+                  <a:pt x="2842" y="1183"/>
+                </a:lnTo>
+                <a:lnTo>
+                  <a:pt x="2508" y="1095"/>
+                </a:lnTo>
+                <a:lnTo>
+                  <a:pt x="2192" y="998"/>
+                </a:lnTo>
+                <a:lnTo>
+                  <a:pt x="1890" y="897"/>
+                </a:lnTo>
+                <a:lnTo>
+                  <a:pt x="1610" y="788"/>
+                </a:lnTo>
+                <a:lnTo>
+                  <a:pt x="1347" y="681"/>
+                </a:lnTo>
+                <a:lnTo>
+                  <a:pt x="1105" y="574"/>
+                </a:lnTo>
+                <a:lnTo>
+                  <a:pt x="883" y="473"/>
+                </a:lnTo>
+                <a:lnTo>
+                  <a:pt x="686" y="377"/>
+                </a:lnTo>
+                <a:lnTo>
+                  <a:pt x="508" y="286"/>
+                </a:lnTo>
+                <a:lnTo>
+                  <a:pt x="358" y="210"/>
+                </a:lnTo>
+                <a:lnTo>
+                  <a:pt x="232" y="138"/>
+                </a:lnTo>
+                <a:lnTo>
+                  <a:pt x="59" y="35"/>
+                </a:lnTo>
+                <a:lnTo>
+                  <a:pt x="0" y="0"/>
+                </a:lnTo>
+                <a:lnTo>
+                  <a:pt x="0" y="0"/>
+                </a:lnTo>
+                <a:close/>
+              </a:path>
+            </a:pathLst>
+          </a:custGeom>
+          <a:solidFill>
+            <a:srgbClr val="FFFFFF"/>
+          </a:solidFill>
+          <a:ln>
+            <a:noFill/>
+          </a:ln>
+        </p:spPr>
+      </p:sp>
+      <p:pic>
+        <p:nvPicPr>
+          <p:cNvPr id="4" name="Content Placeholder 3"/>
+          <p:cNvPicPr>
+            <a:picLocks noChangeAspect="1"/>
+          </p:cNvPicPr>
+          <p:nvPr/>
         </p:nvPicPr>
         <p:blipFill rotWithShape="1">
-          <a:blip r:embed="rId4">
-            <a:extLst>
-              <a:ext uri="{28A0092B-C50C-407E-A947-70E740481C1C}">
-                <a14:useLocalDpi xmlns:a14="http://schemas.microsoft.com/office/drawing/2010/main" val="0"/>
-              </a:ext>
-            </a:extLst>
-          </a:blip>
-          <a:srcRect l="35640"/>
+          <a:blip r:embed="rId2"/>
+          <a:srcRect/>
           <a:stretch/>
         </p:blipFill>
         <p:spPr>
           <a:xfrm>
-            <a:off x="0" y="2892347"/>
-            <a:ext cx="1522412" cy="2365453"/>
+            <a:off x="6093992" y="2032464"/>
+            <a:ext cx="5449889" cy="2793068"/>
           </a:xfrm>
           <a:prstGeom prst="rect">
             <a:avLst/>
           </a:prstGeom>
+          <a:effectLst/>
         </p:spPr>
       </p:pic>
       <p:sp>
         <p:nvSpPr>
-          <p:cNvPr id="71" name="Oval 14"/>
+          <p:cNvPr id="15" name="Rectangle 14"/>
           <p:cNvSpPr>
             <a:spLocks noGrp="1" noRot="1" noChangeAspect="1" noMove="1" noResize="1" noEditPoints="1" noAdjustHandles="1" noChangeArrowheads="1" noChangeShapeType="1" noTextEdit="1"/>
           </p:cNvSpPr>
@@ -10762,45 +11763,18 @@
         </p:nvSpPr>
         <p:spPr>
           <a:xfrm>
-            <a:off x="8609012" y="1676400"/>
-            <a:ext cx="2819400" cy="2819400"/>
-          </a:xfrm>
-          <a:prstGeom prst="ellipse">
+            <a:off x="10442448" y="0"/>
+            <a:ext cx="685800" cy="1143000"/>
+          </a:xfrm>
+          <a:prstGeom prst="rect">
             <a:avLst/>
           </a:prstGeom>
-          <a:gradFill flip="none" rotWithShape="1">
-            <a:gsLst>
-              <a:gs pos="0">
-                <a:schemeClr val="bg2">
-                  <a:lumMod val="40000"/>
-                  <a:lumOff val="60000"/>
-                  <a:alpha val="7000"/>
-                </a:schemeClr>
-              </a:gs>
-              <a:gs pos="69000">
-                <a:schemeClr val="bg2">
-                  <a:lumMod val="40000"/>
-                  <a:lumOff val="60000"/>
-                  <a:alpha val="0"/>
-                </a:schemeClr>
-              </a:gs>
-              <a:gs pos="36000">
-                <a:schemeClr val="bg2">
-                  <a:lumMod val="40000"/>
-                  <a:lumOff val="60000"/>
-                  <a:alpha val="6000"/>
-                </a:schemeClr>
-              </a:gs>
-            </a:gsLst>
-            <a:path path="circle">
-              <a:fillToRect l="50000" t="50000" r="50000" b="50000"/>
-            </a:path>
-            <a:tileRect/>
-          </a:gradFill>
+          <a:solidFill>
+            <a:schemeClr val="accent1"/>
+          </a:solidFill>
           <a:ln>
             <a:noFill/>
           </a:ln>
-          <a:effectLst/>
         </p:spPr>
         <p:style>
           <a:lnRef idx="1">
@@ -10817,150 +11791,6 @@
           </a:fontRef>
         </p:style>
       </p:sp>
-      <p:pic>
-        <p:nvPicPr>
-          <p:cNvPr id="72" name="Picture 16"/>
-          <p:cNvPicPr>
-            <a:picLocks noGrp="1" noRot="1" noChangeAspect="1" noMove="1" noResize="1" noEditPoints="1" noAdjustHandles="1" noChangeArrowheads="1" noChangeShapeType="1" noCrop="1"/>
-          </p:cNvPicPr>
-          <p:nvPr>
-            <p:extLst>
-              <p:ext uri="{386F3935-93C4-4BCD-93E2-E3B085C9AB24}">
-                <p16:designElem xmlns:p16="http://schemas.microsoft.com/office/powerpoint/2015/main" val="1"/>
-              </p:ext>
-            </p:extLst>
-          </p:nvPr>
-        </p:nvPicPr>
-        <p:blipFill rotWithShape="1">
-          <a:blip r:embed="rId5">
-            <a:extLst>
-              <a:ext uri="{28A0092B-C50C-407E-A947-70E740481C1C}">
-                <a14:useLocalDpi xmlns:a14="http://schemas.microsoft.com/office/drawing/2010/main" val="0"/>
-              </a:ext>
-            </a:extLst>
-          </a:blip>
-          <a:srcRect t="28813"/>
-          <a:stretch/>
-        </p:blipFill>
-        <p:spPr>
-          <a:xfrm>
-            <a:off x="7999412" y="0"/>
-            <a:ext cx="1603387" cy="1141407"/>
-          </a:xfrm>
-          <a:prstGeom prst="rect">
-            <a:avLst/>
-          </a:prstGeom>
-        </p:spPr>
-      </p:pic>
-      <p:pic>
-        <p:nvPicPr>
-          <p:cNvPr id="73" name="Picture 18"/>
-          <p:cNvPicPr>
-            <a:picLocks noGrp="1" noRot="1" noChangeAspect="1" noMove="1" noResize="1" noEditPoints="1" noAdjustHandles="1" noChangeArrowheads="1" noChangeShapeType="1" noCrop="1"/>
-          </p:cNvPicPr>
-          <p:nvPr>
-            <p:extLst>
-              <p:ext uri="{386F3935-93C4-4BCD-93E2-E3B085C9AB24}">
-                <p16:designElem xmlns:p16="http://schemas.microsoft.com/office/powerpoint/2015/main" val="1"/>
-              </p:ext>
-            </p:extLst>
-          </p:nvPr>
-        </p:nvPicPr>
-        <p:blipFill rotWithShape="1">
-          <a:blip r:embed="rId6">
-            <a:extLst>
-              <a:ext uri="{28A0092B-C50C-407E-A947-70E740481C1C}">
-                <a14:useLocalDpi xmlns:a14="http://schemas.microsoft.com/office/drawing/2010/main" val="0"/>
-              </a:ext>
-            </a:extLst>
-          </a:blip>
-          <a:srcRect b="23320"/>
-          <a:stretch/>
-        </p:blipFill>
-        <p:spPr>
-          <a:xfrm>
-            <a:off x="8609012" y="6096000"/>
-            <a:ext cx="993734" cy="762000"/>
-          </a:xfrm>
-          <a:prstGeom prst="rect">
-            <a:avLst/>
-          </a:prstGeom>
-        </p:spPr>
-      </p:pic>
-      <p:sp>
-        <p:nvSpPr>
-          <p:cNvPr id="74" name="Rectangle 20"/>
-          <p:cNvSpPr>
-            <a:spLocks noGrp="1" noRot="1" noChangeAspect="1" noMove="1" noResize="1" noEditPoints="1" noAdjustHandles="1" noChangeArrowheads="1" noChangeShapeType="1" noTextEdit="1"/>
-          </p:cNvSpPr>
-          <p:nvPr>
-            <p:extLst>
-              <p:ext uri="{386F3935-93C4-4BCD-93E2-E3B085C9AB24}">
-                <p16:designElem xmlns:p16="http://schemas.microsoft.com/office/powerpoint/2015/main" val="1"/>
-              </p:ext>
-            </p:extLst>
-          </p:nvPr>
-        </p:nvSpPr>
-        <p:spPr>
-          <a:xfrm>
-            <a:off x="10437812" y="0"/>
-            <a:ext cx="685800" cy="1143000"/>
-          </a:xfrm>
-          <a:prstGeom prst="rect">
-            <a:avLst/>
-          </a:prstGeom>
-          <a:solidFill>
-            <a:schemeClr val="accent1"/>
-          </a:solidFill>
-          <a:ln>
-            <a:noFill/>
-          </a:ln>
-        </p:spPr>
-        <p:style>
-          <a:lnRef idx="1">
-            <a:schemeClr val="accent1"/>
-          </a:lnRef>
-          <a:fillRef idx="3">
-            <a:schemeClr val="accent1"/>
-          </a:fillRef>
-          <a:effectRef idx="2">
-            <a:schemeClr val="accent1"/>
-          </a:effectRef>
-          <a:fontRef idx="minor">
-            <a:schemeClr val="lt1"/>
-          </a:fontRef>
-        </p:style>
-      </p:sp>
-      <p:pic>
-        <p:nvPicPr>
-          <p:cNvPr id="4" name="Picture 3"/>
-          <p:cNvPicPr>
-            <a:picLocks noChangeAspect="1"/>
-          </p:cNvPicPr>
-          <p:nvPr/>
-        </p:nvPicPr>
-        <p:blipFill rotWithShape="1">
-          <a:blip r:embed="rId7"/>
-          <a:srcRect l="-1" t="10099" r="43610" b="19118"/>
-          <a:stretch/>
-        </p:blipFill>
-        <p:spPr>
-          <a:xfrm>
-            <a:off x="2440091" y="1410094"/>
-            <a:ext cx="6755802" cy="5066906"/>
-          </a:xfrm>
-          <a:prstGeom prst="rect">
-            <a:avLst/>
-          </a:prstGeom>
-          <a:effectLst>
-            <a:outerShdw blurRad="50800" dist="50800" dir="5400000" algn="tl" rotWithShape="0">
-              <a:prstClr val="black">
-                <a:alpha val="43000"/>
-              </a:prstClr>
-            </a:outerShdw>
-          </a:effectLst>
-        </p:spPr>
-      </p:pic>
       <p:sp>
         <p:nvSpPr>
           <p:cNvPr id="2" name="Title 1"/>
@@ -10973,27 +11803,110 @@
         </p:nvSpPr>
         <p:spPr>
           <a:xfrm>
-            <a:off x="1272522" y="375670"/>
-            <a:ext cx="8825658" cy="834720"/>
-          </a:xfrm>
-        </p:spPr>
-        <p:txBody>
-          <a:bodyPr vert="horz" lIns="91440" tIns="45720" rIns="91440" bIns="45720" rtlCol="0" anchor="b">
+            <a:off x="648931" y="629266"/>
+            <a:ext cx="4166510" cy="1622321"/>
+          </a:xfrm>
+        </p:spPr>
+        <p:txBody>
+          <a:bodyPr>
             <a:normAutofit/>
           </a:bodyPr>
           <a:lstStyle/>
           <a:p>
             <a:r>
-              <a:rPr lang="en-US" sz="4800" dirty="0"/>
-              <a:t>JSON Object Key Pair Values</a:t>
-            </a:r>
+              <a:rPr lang="en-CA" dirty="0"/>
+              <a:t>Firebase</a:t>
+            </a:r>
+          </a:p>
+        </p:txBody>
+      </p:sp>
+      <p:sp>
+        <p:nvSpPr>
+          <p:cNvPr id="3" name="Content Placeholder 2"/>
+          <p:cNvSpPr>
+            <a:spLocks noGrp="1"/>
+          </p:cNvSpPr>
+          <p:nvPr>
+            <p:ph idx="1"/>
+          </p:nvPr>
+        </p:nvSpPr>
+        <p:spPr>
+          <a:xfrm>
+            <a:off x="648931" y="2438400"/>
+            <a:ext cx="4166509" cy="3785419"/>
+          </a:xfrm>
+        </p:spPr>
+        <p:txBody>
+          <a:bodyPr>
+            <a:normAutofit/>
+          </a:bodyPr>
+          <a:lstStyle/>
+          <a:p>
+            <a:pPr>
+              <a:lnSpc>
+                <a:spcPct val="90000"/>
+              </a:lnSpc>
+            </a:pPr>
+            <a:r>
+              <a:rPr lang="en-CA" dirty="0"/>
+              <a:t>No SQL is efficient to handle real time actions from users</a:t>
+            </a:r>
+            <a:endParaRPr lang="en-CA"/>
+          </a:p>
+          <a:p>
+            <a:pPr>
+              <a:lnSpc>
+                <a:spcPct val="90000"/>
+              </a:lnSpc>
+            </a:pPr>
+            <a:endParaRPr lang="en-CA"/>
+          </a:p>
+          <a:p>
+            <a:pPr>
+              <a:lnSpc>
+                <a:spcPct val="90000"/>
+              </a:lnSpc>
+            </a:pPr>
+            <a:r>
+              <a:rPr lang="en-CA" dirty="0"/>
+              <a:t>Database hosting from Google</a:t>
+            </a:r>
+            <a:endParaRPr lang="en-CA"/>
+          </a:p>
+          <a:p>
+            <a:pPr>
+              <a:lnSpc>
+                <a:spcPct val="90000"/>
+              </a:lnSpc>
+            </a:pPr>
+            <a:endParaRPr lang="en-CA"/>
+          </a:p>
+          <a:p>
+            <a:pPr>
+              <a:lnSpc>
+                <a:spcPct val="90000"/>
+              </a:lnSpc>
+            </a:pPr>
+            <a:r>
+              <a:rPr lang="en-CA" dirty="0"/>
+              <a:t>Google gives a web API key with a file google-</a:t>
+            </a:r>
+            <a:r>
+              <a:rPr lang="en-CA" dirty="0" err="1"/>
+              <a:t>services.json</a:t>
+            </a:r>
+            <a:r>
+              <a:rPr lang="en-CA" dirty="0"/>
+              <a:t>, and we simply add it to mobile application’s code.</a:t>
+            </a:r>
+            <a:endParaRPr lang="en-CA"/>
           </a:p>
         </p:txBody>
       </p:sp>
     </p:spTree>
     <p:extLst>
       <p:ext uri="{BB962C8B-B14F-4D97-AF65-F5344CB8AC3E}">
-        <p14:creationId xmlns:p14="http://schemas.microsoft.com/office/powerpoint/2010/main" val="1310992685"/>
+        <p14:creationId xmlns:p14="http://schemas.microsoft.com/office/powerpoint/2010/main" val="3744960337"/>
       </p:ext>
     </p:extLst>
   </p:cSld>
